--- a/django.pptx
+++ b/django.pptx
@@ -5,7 +5,7 @@
     <p:sldMasterId id="2147483648" r:id="rId1"/>
   </p:sldMasterIdLst>
   <p:handoutMasterIdLst>
-    <p:handoutMasterId r:id="rId43"/>
+    <p:handoutMasterId r:id="rId47"/>
   </p:handoutMasterIdLst>
   <p:sldIdLst>
     <p:sldId id="256" r:id="rId2"/>
@@ -13,42 +13,46 @@
     <p:sldId id="257" r:id="rId4"/>
     <p:sldId id="258" r:id="rId5"/>
     <p:sldId id="259" r:id="rId6"/>
-    <p:sldId id="261" r:id="rId7"/>
-    <p:sldId id="283" r:id="rId8"/>
-    <p:sldId id="282" r:id="rId9"/>
-    <p:sldId id="299" r:id="rId10"/>
-    <p:sldId id="267" r:id="rId11"/>
-    <p:sldId id="286" r:id="rId12"/>
-    <p:sldId id="278" r:id="rId13"/>
-    <p:sldId id="279" r:id="rId14"/>
-    <p:sldId id="273" r:id="rId15"/>
-    <p:sldId id="290" r:id="rId16"/>
-    <p:sldId id="302" r:id="rId17"/>
-    <p:sldId id="303" r:id="rId18"/>
-    <p:sldId id="270" r:id="rId19"/>
-    <p:sldId id="277" r:id="rId20"/>
-    <p:sldId id="271" r:id="rId21"/>
-    <p:sldId id="280" r:id="rId22"/>
-    <p:sldId id="265" r:id="rId23"/>
-    <p:sldId id="287" r:id="rId24"/>
-    <p:sldId id="276" r:id="rId25"/>
-    <p:sldId id="266" r:id="rId26"/>
-    <p:sldId id="275" r:id="rId27"/>
-    <p:sldId id="288" r:id="rId28"/>
-    <p:sldId id="285" r:id="rId29"/>
-    <p:sldId id="284" r:id="rId30"/>
-    <p:sldId id="295" r:id="rId31"/>
-    <p:sldId id="289" r:id="rId32"/>
-    <p:sldId id="269" r:id="rId33"/>
-    <p:sldId id="262" r:id="rId34"/>
-    <p:sldId id="301" r:id="rId35"/>
-    <p:sldId id="292" r:id="rId36"/>
-    <p:sldId id="293" r:id="rId37"/>
-    <p:sldId id="274" r:id="rId38"/>
-    <p:sldId id="263" r:id="rId39"/>
-    <p:sldId id="291" r:id="rId40"/>
-    <p:sldId id="297" r:id="rId41"/>
-    <p:sldId id="298" r:id="rId42"/>
+    <p:sldId id="305" r:id="rId7"/>
+    <p:sldId id="306" r:id="rId8"/>
+    <p:sldId id="307" r:id="rId9"/>
+    <p:sldId id="261" r:id="rId10"/>
+    <p:sldId id="283" r:id="rId11"/>
+    <p:sldId id="282" r:id="rId12"/>
+    <p:sldId id="299" r:id="rId13"/>
+    <p:sldId id="267" r:id="rId14"/>
+    <p:sldId id="286" r:id="rId15"/>
+    <p:sldId id="278" r:id="rId16"/>
+    <p:sldId id="279" r:id="rId17"/>
+    <p:sldId id="273" r:id="rId18"/>
+    <p:sldId id="290" r:id="rId19"/>
+    <p:sldId id="302" r:id="rId20"/>
+    <p:sldId id="303" r:id="rId21"/>
+    <p:sldId id="270" r:id="rId22"/>
+    <p:sldId id="277" r:id="rId23"/>
+    <p:sldId id="271" r:id="rId24"/>
+    <p:sldId id="280" r:id="rId25"/>
+    <p:sldId id="265" r:id="rId26"/>
+    <p:sldId id="287" r:id="rId27"/>
+    <p:sldId id="276" r:id="rId28"/>
+    <p:sldId id="266" r:id="rId29"/>
+    <p:sldId id="275" r:id="rId30"/>
+    <p:sldId id="288" r:id="rId31"/>
+    <p:sldId id="285" r:id="rId32"/>
+    <p:sldId id="284" r:id="rId33"/>
+    <p:sldId id="295" r:id="rId34"/>
+    <p:sldId id="289" r:id="rId35"/>
+    <p:sldId id="269" r:id="rId36"/>
+    <p:sldId id="262" r:id="rId37"/>
+    <p:sldId id="301" r:id="rId38"/>
+    <p:sldId id="292" r:id="rId39"/>
+    <p:sldId id="293" r:id="rId40"/>
+    <p:sldId id="274" r:id="rId41"/>
+    <p:sldId id="263" r:id="rId42"/>
+    <p:sldId id="291" r:id="rId43"/>
+    <p:sldId id="297" r:id="rId44"/>
+    <p:sldId id="298" r:id="rId45"/>
+    <p:sldId id="308" r:id="rId46"/>
   </p:sldIdLst>
   <p:sldSz cx="12192000" cy="6858000"/>
   <p:notesSz cx="7010400" cy="9296400"/>
@@ -3345,6 +3349,901 @@
           <p:cNvPr id="2" name="Title 1">
             <a:extLst>
               <a:ext uri="{FF2B5EF4-FFF2-40B4-BE49-F238E27FC236}">
+                <a16:creationId xmlns:a16="http://schemas.microsoft.com/office/drawing/2014/main" id="{7757DD73-C4B4-49F8-8A47-E527041D6526}"/>
+              </a:ext>
+            </a:extLst>
+          </p:cNvPr>
+          <p:cNvSpPr>
+            <a:spLocks noGrp="1"/>
+          </p:cNvSpPr>
+          <p:nvPr>
+            <p:ph type="title"/>
+          </p:nvPr>
+        </p:nvSpPr>
+        <p:spPr>
+          <a:xfrm>
+            <a:off x="839788" y="776177"/>
+            <a:ext cx="10515600" cy="914511"/>
+          </a:xfrm>
+        </p:spPr>
+        <p:txBody>
+          <a:bodyPr>
+            <a:normAutofit/>
+          </a:bodyPr>
+          <a:lstStyle/>
+          <a:p>
+            <a:r>
+              <a:rPr lang="en-US" sz="4000" dirty="0">
+                <a:latin typeface="Arial Black" panose="020B0A04020102020204" pitchFamily="34" charset="0"/>
+              </a:rPr>
+              <a:t>{% extends %}   and   {% block %}</a:t>
+            </a:r>
+          </a:p>
+        </p:txBody>
+      </p:sp>
+      <p:sp>
+        <p:nvSpPr>
+          <p:cNvPr id="3" name="Text Placeholder 2">
+            <a:extLst>
+              <a:ext uri="{FF2B5EF4-FFF2-40B4-BE49-F238E27FC236}">
+                <a16:creationId xmlns:a16="http://schemas.microsoft.com/office/drawing/2014/main" id="{76653A41-9AAF-428E-9252-86577AE44851}"/>
+              </a:ext>
+            </a:extLst>
+          </p:cNvPr>
+          <p:cNvSpPr>
+            <a:spLocks noGrp="1"/>
+          </p:cNvSpPr>
+          <p:nvPr>
+            <p:ph type="body" idx="1"/>
+          </p:nvPr>
+        </p:nvSpPr>
+        <p:spPr>
+          <a:xfrm>
+            <a:off x="116958" y="1681163"/>
+            <a:ext cx="5880617" cy="445349"/>
+          </a:xfrm>
+          <a:solidFill>
+            <a:schemeClr val="accent3">
+              <a:lumMod val="40000"/>
+              <a:lumOff val="60000"/>
+            </a:schemeClr>
+          </a:solidFill>
+        </p:spPr>
+        <p:txBody>
+          <a:bodyPr/>
+          <a:lstStyle/>
+          <a:p>
+            <a:r>
+              <a:rPr lang="en-US" dirty="0"/>
+              <a:t>Index.html</a:t>
+            </a:r>
+          </a:p>
+        </p:txBody>
+      </p:sp>
+      <p:sp>
+        <p:nvSpPr>
+          <p:cNvPr id="4" name="Content Placeholder 3">
+            <a:extLst>
+              <a:ext uri="{FF2B5EF4-FFF2-40B4-BE49-F238E27FC236}">
+                <a16:creationId xmlns:a16="http://schemas.microsoft.com/office/drawing/2014/main" id="{8B33E08F-6AF1-445E-AF33-6241BD624CBB}"/>
+              </a:ext>
+            </a:extLst>
+          </p:cNvPr>
+          <p:cNvSpPr>
+            <a:spLocks noGrp="1"/>
+          </p:cNvSpPr>
+          <p:nvPr>
+            <p:ph sz="half" idx="2"/>
+          </p:nvPr>
+        </p:nvSpPr>
+        <p:spPr>
+          <a:xfrm>
+            <a:off x="116958" y="2126512"/>
+            <a:ext cx="5880617" cy="4731487"/>
+          </a:xfrm>
+          <a:solidFill>
+            <a:schemeClr val="bg1">
+              <a:lumMod val="95000"/>
+            </a:schemeClr>
+          </a:solidFill>
+        </p:spPr>
+        <p:txBody>
+          <a:bodyPr>
+            <a:normAutofit fontScale="77500" lnSpcReduction="20000"/>
+          </a:bodyPr>
+          <a:lstStyle/>
+          <a:p>
+            <a:pPr marL="0" indent="0">
+              <a:buNone/>
+            </a:pPr>
+            <a:r>
+              <a:rPr lang="en-US" dirty="0"/>
+              <a:t>&lt;html&gt;</a:t>
+            </a:r>
+          </a:p>
+          <a:p>
+            <a:pPr marL="0" indent="0">
+              <a:buNone/>
+            </a:pPr>
+            <a:r>
+              <a:rPr lang="en-US" dirty="0"/>
+              <a:t>   &lt;head&gt;</a:t>
+            </a:r>
+          </a:p>
+          <a:p>
+            <a:pPr marL="0" indent="0">
+              <a:buNone/>
+            </a:pPr>
+            <a:r>
+              <a:rPr lang="en-US" dirty="0"/>
+              <a:t>      &lt;title&gt;</a:t>
+            </a:r>
+          </a:p>
+          <a:p>
+            <a:pPr marL="0" indent="0">
+              <a:buNone/>
+            </a:pPr>
+            <a:r>
+              <a:rPr lang="en-US" dirty="0"/>
+              <a:t>         {% block title %}  Page Title   {% </a:t>
+            </a:r>
+            <a:r>
+              <a:rPr lang="en-US" dirty="0" err="1"/>
+              <a:t>endblock</a:t>
+            </a:r>
+            <a:r>
+              <a:rPr lang="en-US" dirty="0"/>
+              <a:t> %}</a:t>
+            </a:r>
+          </a:p>
+          <a:p>
+            <a:pPr marL="0" indent="0">
+              <a:buNone/>
+            </a:pPr>
+            <a:r>
+              <a:rPr lang="en-US" dirty="0"/>
+              <a:t>      &lt;/title&gt;</a:t>
+            </a:r>
+          </a:p>
+          <a:p>
+            <a:pPr marL="0" indent="0">
+              <a:buNone/>
+            </a:pPr>
+            <a:r>
+              <a:rPr lang="en-US" dirty="0"/>
+              <a:t>   &lt;/head&gt;</a:t>
+            </a:r>
+          </a:p>
+          <a:p>
+            <a:pPr marL="0" indent="0">
+              <a:buNone/>
+            </a:pPr>
+            <a:r>
+              <a:rPr lang="en-US" dirty="0"/>
+              <a:t>   &lt;body&gt;</a:t>
+            </a:r>
+          </a:p>
+          <a:p>
+            <a:pPr marL="0" indent="0">
+              <a:buNone/>
+            </a:pPr>
+            <a:r>
+              <a:rPr lang="en-US" dirty="0"/>
+              <a:t>      {% block content %}</a:t>
+            </a:r>
+          </a:p>
+          <a:p>
+            <a:pPr marL="0" indent="0">
+              <a:buNone/>
+            </a:pPr>
+            <a:r>
+              <a:rPr lang="en-US" dirty="0"/>
+              <a:t>         Body content</a:t>
+            </a:r>
+          </a:p>
+          <a:p>
+            <a:pPr marL="0" indent="0">
+              <a:buNone/>
+            </a:pPr>
+            <a:r>
+              <a:rPr lang="en-US" dirty="0"/>
+              <a:t>      {% </a:t>
+            </a:r>
+            <a:r>
+              <a:rPr lang="en-US" dirty="0" err="1"/>
+              <a:t>endblock</a:t>
+            </a:r>
+            <a:r>
+              <a:rPr lang="en-US" dirty="0"/>
+              <a:t> %}</a:t>
+            </a:r>
+          </a:p>
+          <a:p>
+            <a:pPr marL="0" indent="0">
+              <a:buNone/>
+            </a:pPr>
+            <a:r>
+              <a:rPr lang="en-US" dirty="0"/>
+              <a:t>   &lt;/body&gt;</a:t>
+            </a:r>
+          </a:p>
+          <a:p>
+            <a:pPr marL="0" indent="0">
+              <a:buNone/>
+            </a:pPr>
+            <a:r>
+              <a:rPr lang="en-US" dirty="0"/>
+              <a:t>&lt;/html&gt;</a:t>
+            </a:r>
+          </a:p>
+        </p:txBody>
+      </p:sp>
+      <p:sp>
+        <p:nvSpPr>
+          <p:cNvPr id="5" name="Text Placeholder 4">
+            <a:extLst>
+              <a:ext uri="{FF2B5EF4-FFF2-40B4-BE49-F238E27FC236}">
+                <a16:creationId xmlns:a16="http://schemas.microsoft.com/office/drawing/2014/main" id="{1E59FED6-EDA3-450F-8CEF-55ADDDB37534}"/>
+              </a:ext>
+            </a:extLst>
+          </p:cNvPr>
+          <p:cNvSpPr>
+            <a:spLocks noGrp="1"/>
+          </p:cNvSpPr>
+          <p:nvPr>
+            <p:ph type="body" sz="quarter" idx="3"/>
+          </p:nvPr>
+        </p:nvSpPr>
+        <p:spPr>
+          <a:xfrm>
+            <a:off x="6172200" y="1681163"/>
+            <a:ext cx="5183188" cy="445349"/>
+          </a:xfrm>
+          <a:solidFill>
+            <a:schemeClr val="accent3">
+              <a:lumMod val="40000"/>
+              <a:lumOff val="60000"/>
+            </a:schemeClr>
+          </a:solidFill>
+        </p:spPr>
+        <p:txBody>
+          <a:bodyPr/>
+          <a:lstStyle/>
+          <a:p>
+            <a:r>
+              <a:rPr lang="en-US" dirty="0"/>
+              <a:t>Body.html</a:t>
+            </a:r>
+          </a:p>
+        </p:txBody>
+      </p:sp>
+      <p:sp>
+        <p:nvSpPr>
+          <p:cNvPr id="6" name="Content Placeholder 5">
+            <a:extLst>
+              <a:ext uri="{FF2B5EF4-FFF2-40B4-BE49-F238E27FC236}">
+                <a16:creationId xmlns:a16="http://schemas.microsoft.com/office/drawing/2014/main" id="{14581D67-36A8-4448-8E10-9D439C406334}"/>
+              </a:ext>
+            </a:extLst>
+          </p:cNvPr>
+          <p:cNvSpPr>
+            <a:spLocks noGrp="1"/>
+          </p:cNvSpPr>
+          <p:nvPr>
+            <p:ph sz="quarter" idx="4"/>
+          </p:nvPr>
+        </p:nvSpPr>
+        <p:spPr>
+          <a:xfrm>
+            <a:off x="6172200" y="2126512"/>
+            <a:ext cx="5183188" cy="4635795"/>
+          </a:xfrm>
+          <a:solidFill>
+            <a:schemeClr val="accent6">
+              <a:lumMod val="20000"/>
+              <a:lumOff val="80000"/>
+            </a:schemeClr>
+          </a:solidFill>
+        </p:spPr>
+        <p:txBody>
+          <a:bodyPr>
+            <a:normAutofit fontScale="77500" lnSpcReduction="20000"/>
+          </a:bodyPr>
+          <a:lstStyle/>
+          <a:p>
+            <a:pPr marL="0" indent="0">
+              <a:buNone/>
+            </a:pPr>
+            <a:r>
+              <a:rPr lang="en-US" dirty="0"/>
+              <a:t>{% extends “Index.html" %}</a:t>
+            </a:r>
+            <a:br>
+              <a:rPr lang="en-US" dirty="0"/>
+            </a:br>
+            <a:endParaRPr lang="en-US" dirty="0"/>
+          </a:p>
+          <a:p>
+            <a:pPr marL="0" indent="0">
+              <a:buNone/>
+            </a:pPr>
+            <a:r>
+              <a:rPr lang="en-US" dirty="0"/>
+              <a:t>{% block title %}</a:t>
+            </a:r>
+          </a:p>
+          <a:p>
+            <a:pPr marL="0" indent="0">
+              <a:buNone/>
+            </a:pPr>
+            <a:r>
+              <a:rPr lang="en-US" dirty="0"/>
+              <a:t>    My Hello Page</a:t>
+            </a:r>
+          </a:p>
+          <a:p>
+            <a:pPr marL="0" indent="0">
+              <a:buNone/>
+            </a:pPr>
+            <a:r>
+              <a:rPr lang="en-US" dirty="0"/>
+              <a:t>{% </a:t>
+            </a:r>
+            <a:r>
+              <a:rPr lang="en-US" dirty="0" err="1"/>
+              <a:t>endblock</a:t>
+            </a:r>
+            <a:r>
+              <a:rPr lang="en-US" dirty="0"/>
+              <a:t> %}</a:t>
+            </a:r>
+          </a:p>
+          <a:p>
+            <a:pPr marL="0" indent="0">
+              <a:buNone/>
+            </a:pPr>
+            <a:endParaRPr lang="en-US" dirty="0"/>
+          </a:p>
+          <a:p>
+            <a:pPr marL="0" indent="0">
+              <a:buNone/>
+            </a:pPr>
+            <a:r>
+              <a:rPr lang="en-US" dirty="0"/>
+              <a:t>{% block content %}</a:t>
+            </a:r>
+          </a:p>
+          <a:p>
+            <a:pPr marL="0" indent="0">
+              <a:buNone/>
+            </a:pPr>
+            <a:r>
+              <a:rPr lang="en-US" dirty="0"/>
+              <a:t>    Hello World!!!</a:t>
+            </a:r>
+          </a:p>
+          <a:p>
+            <a:pPr marL="0" indent="0">
+              <a:buNone/>
+            </a:pPr>
+            <a:r>
+              <a:rPr lang="en-US" dirty="0"/>
+              <a:t>{% </a:t>
+            </a:r>
+            <a:r>
+              <a:rPr lang="en-US" dirty="0" err="1"/>
+              <a:t>endblock</a:t>
+            </a:r>
+            <a:r>
+              <a:rPr lang="en-US" dirty="0"/>
+              <a:t> %}</a:t>
+            </a:r>
+          </a:p>
+        </p:txBody>
+      </p:sp>
+    </p:spTree>
+    <p:extLst>
+      <p:ext uri="{BB962C8B-B14F-4D97-AF65-F5344CB8AC3E}">
+        <p14:creationId xmlns:p14="http://schemas.microsoft.com/office/powerpoint/2010/main" val="2799881191"/>
+      </p:ext>
+    </p:extLst>
+  </p:cSld>
+  <p:clrMapOvr>
+    <a:masterClrMapping/>
+  </p:clrMapOvr>
+</p:sld>
+</file>
+
+<file path=ppt/slides/slide11.xml><?xml version="1.0" encoding="utf-8"?>
+<p:sld xmlns:a="http://schemas.openxmlformats.org/drawingml/2006/main" xmlns:r="http://schemas.openxmlformats.org/officeDocument/2006/relationships" xmlns:p="http://schemas.openxmlformats.org/presentationml/2006/main">
+  <p:cSld>
+    <p:spTree>
+      <p:nvGrpSpPr>
+        <p:cNvPr id="1" name=""/>
+        <p:cNvGrpSpPr/>
+        <p:nvPr/>
+      </p:nvGrpSpPr>
+      <p:grpSpPr>
+        <a:xfrm>
+          <a:off x="0" y="0"/>
+          <a:ext cx="0" cy="0"/>
+          <a:chOff x="0" y="0"/>
+          <a:chExt cx="0" cy="0"/>
+        </a:xfrm>
+      </p:grpSpPr>
+      <p:sp>
+        <p:nvSpPr>
+          <p:cNvPr id="2" name="Title 1">
+            <a:extLst>
+              <a:ext uri="{FF2B5EF4-FFF2-40B4-BE49-F238E27FC236}">
+                <a16:creationId xmlns:a16="http://schemas.microsoft.com/office/drawing/2014/main" id="{1411B452-C639-40C5-B2A1-0B53F52847B7}"/>
+              </a:ext>
+            </a:extLst>
+          </p:cNvPr>
+          <p:cNvSpPr>
+            <a:spLocks noGrp="1"/>
+          </p:cNvSpPr>
+          <p:nvPr>
+            <p:ph type="title"/>
+          </p:nvPr>
+        </p:nvSpPr>
+        <p:spPr/>
+        <p:txBody>
+          <a:bodyPr/>
+          <a:lstStyle/>
+          <a:p>
+            <a:r>
+              <a:rPr lang="en-US" dirty="0">
+                <a:latin typeface="Arial Black" panose="020B0A04020102020204" pitchFamily="34" charset="0"/>
+              </a:rPr>
+              <a:t>IF/For statement in Template </a:t>
+            </a:r>
+          </a:p>
+        </p:txBody>
+      </p:sp>
+      <p:sp>
+        <p:nvSpPr>
+          <p:cNvPr id="3" name="Content Placeholder 2">
+            <a:extLst>
+              <a:ext uri="{FF2B5EF4-FFF2-40B4-BE49-F238E27FC236}">
+                <a16:creationId xmlns:a16="http://schemas.microsoft.com/office/drawing/2014/main" id="{ED5480AA-1746-472A-8ECA-5A2688A581BC}"/>
+              </a:ext>
+            </a:extLst>
+          </p:cNvPr>
+          <p:cNvSpPr>
+            <a:spLocks noGrp="1"/>
+          </p:cNvSpPr>
+          <p:nvPr>
+            <p:ph sz="half" idx="1"/>
+          </p:nvPr>
+        </p:nvSpPr>
+        <p:spPr>
+          <a:solidFill>
+            <a:schemeClr val="accent1">
+              <a:lumMod val="20000"/>
+              <a:lumOff val="80000"/>
+            </a:schemeClr>
+          </a:solidFill>
+        </p:spPr>
+        <p:txBody>
+          <a:bodyPr>
+            <a:normAutofit/>
+          </a:bodyPr>
+          <a:lstStyle/>
+          <a:p>
+            <a:pPr marL="0" indent="0">
+              <a:buNone/>
+            </a:pPr>
+            <a:r>
+              <a:rPr lang="en-US" dirty="0"/>
+              <a:t>{% if </a:t>
+            </a:r>
+            <a:r>
+              <a:rPr lang="en-US" dirty="0" err="1"/>
+              <a:t>today.day</a:t>
+            </a:r>
+            <a:r>
+              <a:rPr lang="en-US" dirty="0"/>
+              <a:t> == 1 %}</a:t>
+            </a:r>
+          </a:p>
+          <a:p>
+            <a:pPr marL="0" indent="0">
+              <a:buNone/>
+            </a:pPr>
+            <a:r>
+              <a:rPr lang="en-US" dirty="0"/>
+              <a:t>       the first day of month.</a:t>
+            </a:r>
+          </a:p>
+          <a:p>
+            <a:pPr marL="0" indent="0">
+              <a:buNone/>
+            </a:pPr>
+            <a:r>
+              <a:rPr lang="en-US" dirty="0"/>
+              <a:t>{% </a:t>
+            </a:r>
+            <a:r>
+              <a:rPr lang="en-US" dirty="0" err="1"/>
+              <a:t>elif</a:t>
+            </a:r>
+            <a:r>
+              <a:rPr lang="en-US" dirty="0"/>
+              <a:t> </a:t>
+            </a:r>
+            <a:r>
+              <a:rPr lang="en-US" dirty="0" err="1"/>
+              <a:t>today.day</a:t>
+            </a:r>
+            <a:r>
+              <a:rPr lang="en-US" dirty="0"/>
+              <a:t> == 30 %}</a:t>
+            </a:r>
+          </a:p>
+          <a:p>
+            <a:pPr marL="0" indent="0">
+              <a:buNone/>
+            </a:pPr>
+            <a:r>
+              <a:rPr lang="en-US" dirty="0"/>
+              <a:t>       the last day of month.</a:t>
+            </a:r>
+          </a:p>
+          <a:p>
+            <a:pPr marL="0" indent="0">
+              <a:buNone/>
+            </a:pPr>
+            <a:r>
+              <a:rPr lang="en-US" dirty="0"/>
+              <a:t>{% else %}</a:t>
+            </a:r>
+          </a:p>
+          <a:p>
+            <a:pPr marL="0" indent="0">
+              <a:buNone/>
+            </a:pPr>
+            <a:r>
+              <a:rPr lang="en-US" dirty="0"/>
+              <a:t>       I don't know.</a:t>
+            </a:r>
+          </a:p>
+          <a:p>
+            <a:pPr marL="0" indent="0">
+              <a:buNone/>
+            </a:pPr>
+            <a:r>
+              <a:rPr lang="en-US" dirty="0"/>
+              <a:t>{%endif%}</a:t>
+            </a:r>
+          </a:p>
+        </p:txBody>
+      </p:sp>
+      <p:sp>
+        <p:nvSpPr>
+          <p:cNvPr id="4" name="Content Placeholder 3">
+            <a:extLst>
+              <a:ext uri="{FF2B5EF4-FFF2-40B4-BE49-F238E27FC236}">
+                <a16:creationId xmlns:a16="http://schemas.microsoft.com/office/drawing/2014/main" id="{03CC2D10-3D6E-4BD9-83DB-03DE886726D9}"/>
+              </a:ext>
+            </a:extLst>
+          </p:cNvPr>
+          <p:cNvSpPr>
+            <a:spLocks noGrp="1"/>
+          </p:cNvSpPr>
+          <p:nvPr>
+            <p:ph sz="half" idx="2"/>
+          </p:nvPr>
+        </p:nvSpPr>
+        <p:spPr>
+          <a:solidFill>
+            <a:schemeClr val="accent6">
+              <a:lumMod val="20000"/>
+              <a:lumOff val="80000"/>
+            </a:schemeClr>
+          </a:solidFill>
+        </p:spPr>
+        <p:txBody>
+          <a:bodyPr>
+            <a:normAutofit/>
+          </a:bodyPr>
+          <a:lstStyle/>
+          <a:p>
+            <a:pPr marL="0" indent="0">
+              <a:buNone/>
+            </a:pPr>
+            <a:r>
+              <a:rPr lang="en-US" dirty="0"/>
+              <a:t>{% for number in range(10) %}</a:t>
+            </a:r>
+          </a:p>
+          <a:p>
+            <a:pPr marL="0" indent="0">
+              <a:buNone/>
+            </a:pPr>
+            <a:r>
+              <a:rPr lang="en-US" dirty="0"/>
+              <a:t>         {{number}}</a:t>
+            </a:r>
+          </a:p>
+          <a:p>
+            <a:pPr marL="0" indent="0">
+              <a:buNone/>
+            </a:pPr>
+            <a:r>
+              <a:rPr lang="en-US" dirty="0"/>
+              <a:t>{% </a:t>
+            </a:r>
+            <a:r>
+              <a:rPr lang="en-US" dirty="0" err="1"/>
+              <a:t>endfor</a:t>
+            </a:r>
+            <a:r>
+              <a:rPr lang="en-US" dirty="0"/>
+              <a:t> %}</a:t>
+            </a:r>
+          </a:p>
+        </p:txBody>
+      </p:sp>
+    </p:spTree>
+    <p:extLst>
+      <p:ext uri="{BB962C8B-B14F-4D97-AF65-F5344CB8AC3E}">
+        <p14:creationId xmlns:p14="http://schemas.microsoft.com/office/powerpoint/2010/main" val="4293902354"/>
+      </p:ext>
+    </p:extLst>
+  </p:cSld>
+  <p:clrMapOvr>
+    <a:masterClrMapping/>
+  </p:clrMapOvr>
+</p:sld>
+</file>
+
+<file path=ppt/slides/slide12.xml><?xml version="1.0" encoding="utf-8"?>
+<p:sld xmlns:a="http://schemas.openxmlformats.org/drawingml/2006/main" xmlns:r="http://schemas.openxmlformats.org/officeDocument/2006/relationships" xmlns:p="http://schemas.openxmlformats.org/presentationml/2006/main">
+  <p:cSld>
+    <p:spTree>
+      <p:nvGrpSpPr>
+        <p:cNvPr id="1" name=""/>
+        <p:cNvGrpSpPr/>
+        <p:nvPr/>
+      </p:nvGrpSpPr>
+      <p:grpSpPr>
+        <a:xfrm>
+          <a:off x="0" y="0"/>
+          <a:ext cx="0" cy="0"/>
+          <a:chOff x="0" y="0"/>
+          <a:chExt cx="0" cy="0"/>
+        </a:xfrm>
+      </p:grpSpPr>
+      <p:sp>
+        <p:nvSpPr>
+          <p:cNvPr id="2" name="Title 1">
+            <a:extLst>
+              <a:ext uri="{FF2B5EF4-FFF2-40B4-BE49-F238E27FC236}">
+                <a16:creationId xmlns:a16="http://schemas.microsoft.com/office/drawing/2014/main" id="{C951975F-79A1-47B2-94D2-235E05501271}"/>
+              </a:ext>
+            </a:extLst>
+          </p:cNvPr>
+          <p:cNvSpPr>
+            <a:spLocks noGrp="1"/>
+          </p:cNvSpPr>
+          <p:nvPr>
+            <p:ph type="title"/>
+          </p:nvPr>
+        </p:nvSpPr>
+        <p:spPr/>
+        <p:txBody>
+          <a:bodyPr>
+            <a:noAutofit/>
+          </a:bodyPr>
+          <a:lstStyle/>
+          <a:p>
+            <a:r>
+              <a:rPr lang="en-US" sz="2400" dirty="0">
+                <a:latin typeface="Arial Black" panose="020B0A04020102020204" pitchFamily="34" charset="0"/>
+              </a:rPr>
+              <a:t>How to Handle Static Files?</a:t>
+            </a:r>
+          </a:p>
+        </p:txBody>
+      </p:sp>
+      <p:sp>
+        <p:nvSpPr>
+          <p:cNvPr id="3" name="Content Placeholder 2">
+            <a:extLst>
+              <a:ext uri="{FF2B5EF4-FFF2-40B4-BE49-F238E27FC236}">
+                <a16:creationId xmlns:a16="http://schemas.microsoft.com/office/drawing/2014/main" id="{EA6B61B9-761D-4738-9508-68738355D2F9}"/>
+              </a:ext>
+            </a:extLst>
+          </p:cNvPr>
+          <p:cNvSpPr>
+            <a:spLocks noGrp="1"/>
+          </p:cNvSpPr>
+          <p:nvPr>
+            <p:ph idx="1"/>
+          </p:nvPr>
+        </p:nvSpPr>
+        <p:spPr/>
+        <p:txBody>
+          <a:bodyPr>
+            <a:normAutofit fontScale="85000" lnSpcReduction="20000"/>
+          </a:bodyPr>
+          <a:lstStyle/>
+          <a:p>
+            <a:pPr marL="0" indent="0">
+              <a:buNone/>
+            </a:pPr>
+            <a:endParaRPr lang="en-US" dirty="0"/>
+          </a:p>
+          <a:p>
+            <a:pPr marL="0" indent="0">
+              <a:buNone/>
+            </a:pPr>
+            <a:r>
+              <a:rPr lang="en-US" sz="2400" dirty="0">
+                <a:latin typeface="Arial Black" panose="020B0A04020102020204" pitchFamily="34" charset="0"/>
+              </a:rPr>
+              <a:t>STATIC_ROOT/STATIC_URL </a:t>
+            </a:r>
+            <a:r>
+              <a:rPr lang="en-US" dirty="0"/>
+              <a:t>handle system static files</a:t>
+            </a:r>
+          </a:p>
+          <a:p>
+            <a:pPr marL="0" indent="0">
+              <a:buNone/>
+            </a:pPr>
+            <a:endParaRPr lang="en-US" dirty="0"/>
+          </a:p>
+          <a:p>
+            <a:pPr marL="0" indent="0">
+              <a:buNone/>
+            </a:pPr>
+            <a:r>
+              <a:rPr lang="en-US" dirty="0"/>
+              <a:t>during development all static folders inside any App we create, will be accessible using static URL, but in run time we will write command </a:t>
+            </a:r>
+            <a:r>
+              <a:rPr lang="en-US" dirty="0">
+                <a:highlight>
+                  <a:srgbClr val="FFFF00"/>
+                </a:highlight>
+              </a:rPr>
+              <a:t>./manage.py </a:t>
+            </a:r>
+            <a:r>
+              <a:rPr lang="en-US" dirty="0" err="1">
+                <a:highlight>
+                  <a:srgbClr val="FFFF00"/>
+                </a:highlight>
+              </a:rPr>
+              <a:t>collectstatic</a:t>
+            </a:r>
+            <a:r>
+              <a:rPr lang="en-US" dirty="0">
+                <a:highlight>
+                  <a:srgbClr val="FFFF00"/>
+                </a:highlight>
+              </a:rPr>
+              <a:t> </a:t>
+            </a:r>
+            <a:r>
+              <a:rPr lang="en-US" dirty="0"/>
+              <a:t>to copy all static files from all app folders and put them to </a:t>
+            </a:r>
+            <a:r>
+              <a:rPr lang="en-US" b="1" dirty="0"/>
+              <a:t>STATIC_ROOT </a:t>
+            </a:r>
+            <a:r>
+              <a:rPr lang="en-US" dirty="0"/>
+              <a:t>folder</a:t>
+            </a:r>
+          </a:p>
+          <a:p>
+            <a:pPr marL="0" indent="0">
+              <a:buNone/>
+            </a:pPr>
+            <a:endParaRPr lang="en-US" dirty="0"/>
+          </a:p>
+          <a:p>
+            <a:pPr marL="0" indent="0">
+              <a:buNone/>
+            </a:pPr>
+            <a:r>
+              <a:rPr lang="en-US" dirty="0"/>
+              <a:t>_ROOT: means where these files are located on HD</a:t>
+            </a:r>
+          </a:p>
+          <a:p>
+            <a:pPr marL="0" indent="0">
+              <a:buNone/>
+            </a:pPr>
+            <a:r>
+              <a:rPr lang="en-US" dirty="0"/>
+              <a:t>_URL: means how you can call these files in the URL</a:t>
+            </a:r>
+          </a:p>
+          <a:p>
+            <a:pPr marL="0" indent="0">
+              <a:buNone/>
+            </a:pPr>
+            <a:endParaRPr lang="en-US" dirty="0"/>
+          </a:p>
+          <a:p>
+            <a:pPr marL="0" indent="0">
+              <a:buNone/>
+            </a:pPr>
+            <a:r>
+              <a:rPr lang="en-US" b="1" dirty="0"/>
+              <a:t>Add the next 2 line to settings.py</a:t>
+            </a:r>
+            <a:endParaRPr lang="en-US" dirty="0"/>
+          </a:p>
+          <a:p>
+            <a:pPr marL="457200" lvl="1" indent="0">
+              <a:buNone/>
+            </a:pPr>
+            <a:r>
+              <a:rPr lang="en-US" dirty="0"/>
+              <a:t>STATIC_URL = '/static/'</a:t>
+            </a:r>
+          </a:p>
+          <a:p>
+            <a:pPr marL="457200" lvl="1" indent="0">
+              <a:buNone/>
+            </a:pPr>
+            <a:r>
+              <a:rPr lang="en-US" dirty="0"/>
+              <a:t>STATIC_ROOT = </a:t>
+            </a:r>
+            <a:r>
+              <a:rPr lang="en-US" dirty="0" err="1"/>
+              <a:t>os.path.join</a:t>
+            </a:r>
+            <a:r>
+              <a:rPr lang="en-US" dirty="0"/>
+              <a:t>(BASE_DIR, 'static/')</a:t>
+            </a:r>
+          </a:p>
+        </p:txBody>
+      </p:sp>
+    </p:spTree>
+    <p:extLst>
+      <p:ext uri="{BB962C8B-B14F-4D97-AF65-F5344CB8AC3E}">
+        <p14:creationId xmlns:p14="http://schemas.microsoft.com/office/powerpoint/2010/main" val="3820541397"/>
+      </p:ext>
+    </p:extLst>
+  </p:cSld>
+  <p:clrMapOvr>
+    <a:masterClrMapping/>
+  </p:clrMapOvr>
+</p:sld>
+</file>
+
+<file path=ppt/slides/slide13.xml><?xml version="1.0" encoding="utf-8"?>
+<p:sld xmlns:a="http://schemas.openxmlformats.org/drawingml/2006/main" xmlns:r="http://schemas.openxmlformats.org/officeDocument/2006/relationships" xmlns:p="http://schemas.openxmlformats.org/presentationml/2006/main">
+  <p:cSld>
+    <p:spTree>
+      <p:nvGrpSpPr>
+        <p:cNvPr id="1" name=""/>
+        <p:cNvGrpSpPr/>
+        <p:nvPr/>
+      </p:nvGrpSpPr>
+      <p:grpSpPr>
+        <a:xfrm>
+          <a:off x="0" y="0"/>
+          <a:ext cx="0" cy="0"/>
+          <a:chOff x="0" y="0"/>
+          <a:chExt cx="0" cy="0"/>
+        </a:xfrm>
+      </p:grpSpPr>
+      <p:sp>
+        <p:nvSpPr>
+          <p:cNvPr id="2" name="Title 1">
+            <a:extLst>
+              <a:ext uri="{FF2B5EF4-FFF2-40B4-BE49-F238E27FC236}">
                 <a16:creationId xmlns:a16="http://schemas.microsoft.com/office/drawing/2014/main" id="{E5CD432B-35DC-492C-B074-E74F2E2C7604}"/>
               </a:ext>
             </a:extLst>
@@ -3408,7 +4307,7 @@
 </p:sld>
 </file>
 
-<file path=ppt/slides/slide11.xml><?xml version="1.0" encoding="utf-8"?>
+<file path=ppt/slides/slide14.xml><?xml version="1.0" encoding="utf-8"?>
 <p:sld xmlns:a="http://schemas.openxmlformats.org/drawingml/2006/main" xmlns:r="http://schemas.openxmlformats.org/officeDocument/2006/relationships" xmlns:p="http://schemas.openxmlformats.org/presentationml/2006/main">
   <p:cSld>
     <p:spTree>
@@ -3566,7 +4465,7 @@
 </p:sld>
 </file>
 
-<file path=ppt/slides/slide12.xml><?xml version="1.0" encoding="utf-8"?>
+<file path=ppt/slides/slide15.xml><?xml version="1.0" encoding="utf-8"?>
 <p:sld xmlns:a="http://schemas.openxmlformats.org/drawingml/2006/main" xmlns:r="http://schemas.openxmlformats.org/officeDocument/2006/relationships" xmlns:p="http://schemas.openxmlformats.org/presentationml/2006/main">
   <p:cSld>
     <p:spTree>
@@ -3716,7 +4615,7 @@
 </p:sld>
 </file>
 
-<file path=ppt/slides/slide13.xml><?xml version="1.0" encoding="utf-8"?>
+<file path=ppt/slides/slide16.xml><?xml version="1.0" encoding="utf-8"?>
 <p:sld xmlns:a="http://schemas.openxmlformats.org/drawingml/2006/main" xmlns:r="http://schemas.openxmlformats.org/officeDocument/2006/relationships" xmlns:p="http://schemas.openxmlformats.org/presentationml/2006/main">
   <p:cSld>
     <p:spTree>
@@ -4550,7 +5449,7 @@
 </p:sld>
 </file>
 
-<file path=ppt/slides/slide14.xml><?xml version="1.0" encoding="utf-8"?>
+<file path=ppt/slides/slide17.xml><?xml version="1.0" encoding="utf-8"?>
 <p:sld xmlns:a="http://schemas.openxmlformats.org/drawingml/2006/main" xmlns:r="http://schemas.openxmlformats.org/officeDocument/2006/relationships" xmlns:p="http://schemas.openxmlformats.org/presentationml/2006/main">
   <p:cSld>
     <p:spTree>
@@ -4635,7 +5534,7 @@
 </p:sld>
 </file>
 
-<file path=ppt/slides/slide15.xml><?xml version="1.0" encoding="utf-8"?>
+<file path=ppt/slides/slide18.xml><?xml version="1.0" encoding="utf-8"?>
 <p:sld xmlns:a="http://schemas.openxmlformats.org/drawingml/2006/main" xmlns:r="http://schemas.openxmlformats.org/officeDocument/2006/relationships" xmlns:p="http://schemas.openxmlformats.org/presentationml/2006/main">
   <p:cSld>
     <p:spTree>
@@ -4803,7 +5702,7 @@
 </p:sld>
 </file>
 
-<file path=ppt/slides/slide16.xml><?xml version="1.0" encoding="utf-8"?>
+<file path=ppt/slides/slide19.xml><?xml version="1.0" encoding="utf-8"?>
 <p:sld xmlns:a="http://schemas.openxmlformats.org/drawingml/2006/main" xmlns:r="http://schemas.openxmlformats.org/officeDocument/2006/relationships" xmlns:p="http://schemas.openxmlformats.org/presentationml/2006/main">
   <p:cSld>
     <p:spTree>
@@ -5007,1024 +5906,6 @@
     <p:extLst>
       <p:ext uri="{BB962C8B-B14F-4D97-AF65-F5344CB8AC3E}">
         <p14:creationId xmlns:p14="http://schemas.microsoft.com/office/powerpoint/2010/main" val="3108344116"/>
-      </p:ext>
-    </p:extLst>
-  </p:cSld>
-  <p:clrMapOvr>
-    <a:masterClrMapping/>
-  </p:clrMapOvr>
-</p:sld>
-</file>
-
-<file path=ppt/slides/slide17.xml><?xml version="1.0" encoding="utf-8"?>
-<p:sld xmlns:a="http://schemas.openxmlformats.org/drawingml/2006/main" xmlns:r="http://schemas.openxmlformats.org/officeDocument/2006/relationships" xmlns:p="http://schemas.openxmlformats.org/presentationml/2006/main">
-  <p:cSld>
-    <p:spTree>
-      <p:nvGrpSpPr>
-        <p:cNvPr id="1" name=""/>
-        <p:cNvGrpSpPr/>
-        <p:nvPr/>
-      </p:nvGrpSpPr>
-      <p:grpSpPr>
-        <a:xfrm>
-          <a:off x="0" y="0"/>
-          <a:ext cx="0" cy="0"/>
-          <a:chOff x="0" y="0"/>
-          <a:chExt cx="0" cy="0"/>
-        </a:xfrm>
-      </p:grpSpPr>
-      <p:sp>
-        <p:nvSpPr>
-          <p:cNvPr id="2" name="Title 1">
-            <a:extLst>
-              <a:ext uri="{FF2B5EF4-FFF2-40B4-BE49-F238E27FC236}">
-                <a16:creationId xmlns:a16="http://schemas.microsoft.com/office/drawing/2014/main" id="{04056CDE-67C3-4236-9BDE-BF6DB4CC558A}"/>
-              </a:ext>
-            </a:extLst>
-          </p:cNvPr>
-          <p:cNvSpPr>
-            <a:spLocks noGrp="1"/>
-          </p:cNvSpPr>
-          <p:nvPr>
-            <p:ph type="title"/>
-          </p:nvPr>
-        </p:nvSpPr>
-        <p:spPr>
-          <a:xfrm>
-            <a:off x="838200" y="777254"/>
-            <a:ext cx="10515600" cy="549284"/>
-          </a:xfrm>
-        </p:spPr>
-        <p:txBody>
-          <a:bodyPr>
-            <a:normAutofit/>
-          </a:bodyPr>
-          <a:lstStyle/>
-          <a:p>
-            <a:pPr algn="ctr"/>
-            <a:r>
-              <a:rPr lang="en-US" sz="2800" dirty="0">
-                <a:latin typeface="Arial Black" panose="020B0A04020102020204" pitchFamily="34" charset="0"/>
-              </a:rPr>
-              <a:t>View can be Method or Class</a:t>
-            </a:r>
-          </a:p>
-        </p:txBody>
-      </p:sp>
-      <p:sp>
-        <p:nvSpPr>
-          <p:cNvPr id="3" name="Content Placeholder 2">
-            <a:extLst>
-              <a:ext uri="{FF2B5EF4-FFF2-40B4-BE49-F238E27FC236}">
-                <a16:creationId xmlns:a16="http://schemas.microsoft.com/office/drawing/2014/main" id="{478FC3D0-63E3-4344-8951-36BC12DFD203}"/>
-              </a:ext>
-            </a:extLst>
-          </p:cNvPr>
-          <p:cNvSpPr>
-            <a:spLocks noGrp="1"/>
-          </p:cNvSpPr>
-          <p:nvPr>
-            <p:ph sz="half" idx="1"/>
-          </p:nvPr>
-        </p:nvSpPr>
-        <p:spPr>
-          <a:xfrm>
-            <a:off x="202019" y="2814464"/>
-            <a:ext cx="5817781" cy="4032910"/>
-          </a:xfrm>
-          <a:solidFill>
-            <a:schemeClr val="accent5">
-              <a:lumMod val="20000"/>
-              <a:lumOff val="80000"/>
-            </a:schemeClr>
-          </a:solidFill>
-        </p:spPr>
-        <p:txBody>
-          <a:bodyPr>
-            <a:noAutofit/>
-          </a:bodyPr>
-          <a:lstStyle/>
-          <a:p>
-            <a:pPr marL="0" indent="0">
-              <a:buNone/>
-            </a:pPr>
-            <a:r>
-              <a:rPr lang="en-US" sz="1600" b="1" dirty="0"/>
-              <a:t>def </a:t>
-            </a:r>
-            <a:r>
-              <a:rPr lang="en-US" sz="1600" b="1" dirty="0" err="1"/>
-              <a:t>myview</a:t>
-            </a:r>
-            <a:r>
-              <a:rPr lang="en-US" sz="1600" b="1" dirty="0"/>
-              <a:t>(request):</a:t>
-            </a:r>
-            <a:endParaRPr lang="en-US" sz="1600" dirty="0"/>
-          </a:p>
-          <a:p>
-            <a:pPr marL="0" indent="0">
-              <a:buNone/>
-            </a:pPr>
-            <a:r>
-              <a:rPr lang="en-US" sz="1600" dirty="0"/>
-              <a:t>    if </a:t>
-            </a:r>
-            <a:r>
-              <a:rPr lang="en-US" sz="1600" dirty="0" err="1"/>
-              <a:t>request.method</a:t>
-            </a:r>
-            <a:r>
-              <a:rPr lang="en-US" sz="1600" dirty="0"/>
-              <a:t> == "POST":</a:t>
-            </a:r>
-          </a:p>
-          <a:p>
-            <a:pPr marL="0" indent="0">
-              <a:buNone/>
-            </a:pPr>
-            <a:r>
-              <a:rPr lang="en-US" sz="1600" dirty="0"/>
-              <a:t>        form = </a:t>
-            </a:r>
-            <a:r>
-              <a:rPr lang="en-US" sz="1600" dirty="0" err="1"/>
-              <a:t>form_class</a:t>
-            </a:r>
-            <a:r>
-              <a:rPr lang="en-US" sz="1600" dirty="0"/>
-              <a:t>(</a:t>
-            </a:r>
-            <a:r>
-              <a:rPr lang="en-US" sz="1600" dirty="0" err="1"/>
-              <a:t>request.POST</a:t>
-            </a:r>
-            <a:r>
-              <a:rPr lang="en-US" sz="1600" dirty="0"/>
-              <a:t>)</a:t>
-            </a:r>
-          </a:p>
-          <a:p>
-            <a:pPr marL="0" indent="0">
-              <a:buNone/>
-            </a:pPr>
-            <a:r>
-              <a:rPr lang="en-US" sz="1600" dirty="0"/>
-              <a:t>        if </a:t>
-            </a:r>
-            <a:r>
-              <a:rPr lang="en-US" sz="1600" dirty="0" err="1"/>
-              <a:t>form.is_valid</a:t>
-            </a:r>
-            <a:r>
-              <a:rPr lang="en-US" sz="1600" dirty="0"/>
-              <a:t>():</a:t>
-            </a:r>
-          </a:p>
-          <a:p>
-            <a:pPr marL="0" indent="0">
-              <a:buNone/>
-            </a:pPr>
-            <a:r>
-              <a:rPr lang="en-US" sz="1600" dirty="0"/>
-              <a:t>            return </a:t>
-            </a:r>
-            <a:r>
-              <a:rPr lang="en-US" sz="1600" dirty="0" err="1"/>
-              <a:t>HttpResponseRedirect</a:t>
-            </a:r>
-            <a:r>
-              <a:rPr lang="en-US" sz="1600" dirty="0"/>
-              <a:t>('/success/')</a:t>
-            </a:r>
-          </a:p>
-          <a:p>
-            <a:pPr marL="0" indent="0">
-              <a:buNone/>
-            </a:pPr>
-            <a:r>
-              <a:rPr lang="en-US" sz="1600" dirty="0"/>
-              <a:t>    else:</a:t>
-            </a:r>
-          </a:p>
-          <a:p>
-            <a:pPr marL="0" indent="0">
-              <a:buNone/>
-            </a:pPr>
-            <a:r>
-              <a:rPr lang="en-US" sz="1600" dirty="0"/>
-              <a:t>        form = </a:t>
-            </a:r>
-            <a:r>
-              <a:rPr lang="en-US" sz="1600" dirty="0" err="1"/>
-              <a:t>MyForm</a:t>
-            </a:r>
-            <a:r>
-              <a:rPr lang="en-US" sz="1600" dirty="0"/>
-              <a:t>(initial={'key': 'value'})</a:t>
-            </a:r>
-          </a:p>
-          <a:p>
-            <a:pPr marL="0" indent="0">
-              <a:buNone/>
-            </a:pPr>
-            <a:endParaRPr lang="en-US" sz="1600" dirty="0"/>
-          </a:p>
-          <a:p>
-            <a:pPr marL="0" indent="0">
-              <a:buNone/>
-            </a:pPr>
-            <a:r>
-              <a:rPr lang="en-US" sz="1600" dirty="0"/>
-              <a:t>    return render(request, 'form_template.html', {'form': form})</a:t>
-            </a:r>
-          </a:p>
-        </p:txBody>
-      </p:sp>
-      <p:sp>
-        <p:nvSpPr>
-          <p:cNvPr id="4" name="Content Placeholder 3">
-            <a:extLst>
-              <a:ext uri="{FF2B5EF4-FFF2-40B4-BE49-F238E27FC236}">
-                <a16:creationId xmlns:a16="http://schemas.microsoft.com/office/drawing/2014/main" id="{C1A5F585-ED5E-4CE1-B26D-B6BD4DF3BBFA}"/>
-              </a:ext>
-            </a:extLst>
-          </p:cNvPr>
-          <p:cNvSpPr>
-            <a:spLocks noGrp="1"/>
-          </p:cNvSpPr>
-          <p:nvPr>
-            <p:ph sz="half" idx="2"/>
-          </p:nvPr>
-        </p:nvSpPr>
-        <p:spPr>
-          <a:xfrm>
-            <a:off x="6172200" y="2856989"/>
-            <a:ext cx="5817780" cy="4032911"/>
-          </a:xfrm>
-          <a:solidFill>
-            <a:schemeClr val="accent3">
-              <a:lumMod val="20000"/>
-              <a:lumOff val="80000"/>
-            </a:schemeClr>
-          </a:solidFill>
-        </p:spPr>
-        <p:txBody>
-          <a:bodyPr>
-            <a:normAutofit fontScale="55000" lnSpcReduction="20000"/>
-          </a:bodyPr>
-          <a:lstStyle/>
-          <a:p>
-            <a:pPr marL="0" indent="0">
-              <a:buNone/>
-            </a:pPr>
-            <a:r>
-              <a:rPr lang="en-US" dirty="0"/>
-              <a:t>from </a:t>
-            </a:r>
-            <a:r>
-              <a:rPr lang="en-US" dirty="0" err="1"/>
-              <a:t>django.views</a:t>
-            </a:r>
-            <a:r>
-              <a:rPr lang="en-US" dirty="0"/>
-              <a:t> </a:t>
-            </a:r>
-            <a:r>
-              <a:rPr lang="en-US"/>
-              <a:t>import View</a:t>
-            </a:r>
-            <a:br>
-              <a:rPr lang="en-US"/>
-            </a:br>
-            <a:br>
-              <a:rPr lang="en-US" b="1" dirty="0">
-                <a:highlight>
-                  <a:srgbClr val="FF00FF"/>
-                </a:highlight>
-              </a:rPr>
-            </a:br>
-            <a:br>
-              <a:rPr lang="en-US" b="1" dirty="0">
-                <a:highlight>
-                  <a:srgbClr val="FF00FF"/>
-                </a:highlight>
-              </a:rPr>
-            </a:br>
-            <a:r>
-              <a:rPr lang="en-US" b="1" dirty="0">
-                <a:highlight>
-                  <a:srgbClr val="FF00FF"/>
-                </a:highlight>
-              </a:rPr>
-              <a:t>class</a:t>
-            </a:r>
-            <a:r>
-              <a:rPr lang="en-US" b="1" dirty="0"/>
-              <a:t> </a:t>
-            </a:r>
-            <a:r>
-              <a:rPr lang="en-US" b="1" dirty="0" err="1"/>
-              <a:t>MyFormView</a:t>
-            </a:r>
-            <a:r>
-              <a:rPr lang="en-US" b="1" dirty="0"/>
-              <a:t>(View):</a:t>
-            </a:r>
-            <a:endParaRPr lang="en-US" dirty="0"/>
-          </a:p>
-          <a:p>
-            <a:pPr marL="0" indent="0">
-              <a:buNone/>
-            </a:pPr>
-            <a:r>
-              <a:rPr lang="en-US" dirty="0"/>
-              <a:t>    </a:t>
-            </a:r>
-            <a:r>
-              <a:rPr lang="en-US" dirty="0" err="1"/>
-              <a:t>template_name</a:t>
-            </a:r>
-            <a:r>
-              <a:rPr lang="en-US" dirty="0"/>
-              <a:t> = 'form_template.html’</a:t>
-            </a:r>
-          </a:p>
-          <a:p>
-            <a:pPr marL="0" indent="0">
-              <a:buNone/>
-            </a:pPr>
-            <a:br>
-              <a:rPr lang="en-US" dirty="0"/>
-            </a:br>
-            <a:r>
-              <a:rPr lang="en-US" dirty="0"/>
-              <a:t>    </a:t>
-            </a:r>
-            <a:r>
-              <a:rPr lang="en-US" b="1" dirty="0"/>
-              <a:t>def get(self, request):</a:t>
-            </a:r>
-            <a:endParaRPr lang="en-US" dirty="0"/>
-          </a:p>
-          <a:p>
-            <a:pPr marL="0" indent="0">
-              <a:buNone/>
-            </a:pPr>
-            <a:r>
-              <a:rPr lang="en-US" dirty="0"/>
-              <a:t>        return render(request, </a:t>
-            </a:r>
-            <a:r>
-              <a:rPr lang="en-US" dirty="0" err="1"/>
-              <a:t>self.template_name</a:t>
-            </a:r>
-            <a:r>
-              <a:rPr lang="en-US" dirty="0"/>
-              <a:t>, {'form': form})</a:t>
-            </a:r>
-          </a:p>
-          <a:p>
-            <a:pPr marL="0" indent="0">
-              <a:buNone/>
-            </a:pPr>
-            <a:br>
-              <a:rPr lang="en-US" dirty="0"/>
-            </a:br>
-            <a:endParaRPr lang="en-US" dirty="0"/>
-          </a:p>
-          <a:p>
-            <a:pPr marL="0" indent="0">
-              <a:buNone/>
-            </a:pPr>
-            <a:r>
-              <a:rPr lang="en-US" dirty="0"/>
-              <a:t>    </a:t>
-            </a:r>
-            <a:r>
-              <a:rPr lang="en-US" b="1" dirty="0"/>
-              <a:t>def post(self, request):</a:t>
-            </a:r>
-            <a:endParaRPr lang="en-US" dirty="0"/>
-          </a:p>
-          <a:p>
-            <a:pPr marL="0" indent="0">
-              <a:buNone/>
-            </a:pPr>
-            <a:r>
-              <a:rPr lang="en-US" dirty="0"/>
-              <a:t>        form = </a:t>
-            </a:r>
-            <a:r>
-              <a:rPr lang="en-US" dirty="0" err="1"/>
-              <a:t>form_class</a:t>
-            </a:r>
-            <a:r>
-              <a:rPr lang="en-US" dirty="0"/>
-              <a:t>(</a:t>
-            </a:r>
-            <a:r>
-              <a:rPr lang="en-US" dirty="0" err="1"/>
-              <a:t>request.POST</a:t>
-            </a:r>
-            <a:r>
-              <a:rPr lang="en-US" dirty="0"/>
-              <a:t>)</a:t>
-            </a:r>
-          </a:p>
-          <a:p>
-            <a:pPr marL="0" indent="0">
-              <a:buNone/>
-            </a:pPr>
-            <a:r>
-              <a:rPr lang="en-US" dirty="0"/>
-              <a:t>        if </a:t>
-            </a:r>
-            <a:r>
-              <a:rPr lang="en-US" dirty="0" err="1"/>
-              <a:t>form.is_valid</a:t>
-            </a:r>
-            <a:r>
-              <a:rPr lang="en-US" dirty="0"/>
-              <a:t>():</a:t>
-            </a:r>
-          </a:p>
-          <a:p>
-            <a:pPr marL="0" indent="0">
-              <a:buNone/>
-            </a:pPr>
-            <a:r>
-              <a:rPr lang="en-US" dirty="0"/>
-              <a:t>            return </a:t>
-            </a:r>
-            <a:r>
-              <a:rPr lang="en-US" dirty="0" err="1"/>
-              <a:t>HttpResponseRedirect</a:t>
-            </a:r>
-            <a:r>
-              <a:rPr lang="en-US" dirty="0"/>
-              <a:t>('/success/')</a:t>
-            </a:r>
-          </a:p>
-          <a:p>
-            <a:pPr marL="0" indent="0">
-              <a:buNone/>
-            </a:pPr>
-            <a:r>
-              <a:rPr lang="en-US" dirty="0"/>
-              <a:t>        return render(request, </a:t>
-            </a:r>
-            <a:r>
-              <a:rPr lang="en-US" dirty="0" err="1"/>
-              <a:t>self.template_name</a:t>
-            </a:r>
-            <a:r>
-              <a:rPr lang="en-US" dirty="0"/>
-              <a:t>, {'form': form})</a:t>
-            </a:r>
-          </a:p>
-        </p:txBody>
-      </p:sp>
-      <p:sp>
-        <p:nvSpPr>
-          <p:cNvPr id="5" name="TextBox 4">
-            <a:extLst>
-              <a:ext uri="{FF2B5EF4-FFF2-40B4-BE49-F238E27FC236}">
-                <a16:creationId xmlns:a16="http://schemas.microsoft.com/office/drawing/2014/main" id="{920DBCC8-177B-4594-8987-8DAC61AD29D1}"/>
-              </a:ext>
-            </a:extLst>
-          </p:cNvPr>
-          <p:cNvSpPr txBox="1"/>
-          <p:nvPr/>
-        </p:nvSpPr>
-        <p:spPr>
-          <a:xfrm>
-            <a:off x="202019" y="1555938"/>
-            <a:ext cx="11787961" cy="646331"/>
-          </a:xfrm>
-          <a:prstGeom prst="rect">
-            <a:avLst/>
-          </a:prstGeom>
-          <a:solidFill>
-            <a:schemeClr val="accent3">
-              <a:lumMod val="40000"/>
-              <a:lumOff val="60000"/>
-            </a:schemeClr>
-          </a:solidFill>
-        </p:spPr>
-        <p:txBody>
-          <a:bodyPr wrap="square" rtlCol="0">
-            <a:spAutoFit/>
-          </a:bodyPr>
-          <a:lstStyle/>
-          <a:p>
-            <a:r>
-              <a:rPr lang="en-US" dirty="0"/>
-              <a:t>path('Messages1/', </a:t>
-            </a:r>
-            <a:r>
-              <a:rPr lang="en-US" dirty="0" err="1"/>
-              <a:t>view.MyFormView</a:t>
-            </a:r>
-            <a:r>
-              <a:rPr lang="en-US" dirty="0" err="1">
-                <a:highlight>
-                  <a:srgbClr val="FF00FF"/>
-                </a:highlight>
-              </a:rPr>
-              <a:t>.as_view</a:t>
-            </a:r>
-            <a:r>
-              <a:rPr lang="en-US" dirty="0">
-                <a:highlight>
-                  <a:srgbClr val="FF00FF"/>
-                </a:highlight>
-              </a:rPr>
-              <a:t>()</a:t>
-            </a:r>
-            <a:r>
-              <a:rPr lang="en-US" dirty="0"/>
-              <a:t>, name='</a:t>
-            </a:r>
-            <a:r>
-              <a:rPr lang="en-US" dirty="0" err="1"/>
-              <a:t>MyFormView</a:t>
-            </a:r>
-            <a:r>
-              <a:rPr lang="en-US" dirty="0"/>
-              <a:t>'),</a:t>
-            </a:r>
-          </a:p>
-          <a:p>
-            <a:r>
-              <a:rPr lang="en-US" dirty="0"/>
-              <a:t>path('Messages2/', view. </a:t>
-            </a:r>
-            <a:r>
-              <a:rPr lang="en-US" dirty="0" err="1"/>
-              <a:t>myview</a:t>
-            </a:r>
-            <a:r>
-              <a:rPr lang="en-US" dirty="0"/>
-              <a:t>, name='</a:t>
-            </a:r>
-            <a:r>
-              <a:rPr lang="en-US" dirty="0" err="1"/>
-              <a:t>myview</a:t>
-            </a:r>
-            <a:r>
-              <a:rPr lang="en-US" dirty="0"/>
-              <a:t>'),</a:t>
-            </a:r>
-          </a:p>
-        </p:txBody>
-      </p:sp>
-      <p:sp>
-        <p:nvSpPr>
-          <p:cNvPr id="6" name="TextBox 5">
-            <a:extLst>
-              <a:ext uri="{FF2B5EF4-FFF2-40B4-BE49-F238E27FC236}">
-                <a16:creationId xmlns:a16="http://schemas.microsoft.com/office/drawing/2014/main" id="{741E2AFE-7103-4765-9FF5-F2988CA132F3}"/>
-              </a:ext>
-            </a:extLst>
-          </p:cNvPr>
-          <p:cNvSpPr txBox="1"/>
-          <p:nvPr/>
-        </p:nvSpPr>
-        <p:spPr>
-          <a:xfrm>
-            <a:off x="202019" y="1217629"/>
-            <a:ext cx="1733107" cy="369332"/>
-          </a:xfrm>
-          <a:prstGeom prst="rect">
-            <a:avLst/>
-          </a:prstGeom>
-          <a:solidFill>
-            <a:srgbClr val="FFFF00"/>
-          </a:solidFill>
-        </p:spPr>
-        <p:txBody>
-          <a:bodyPr wrap="square" rtlCol="0">
-            <a:spAutoFit/>
-          </a:bodyPr>
-          <a:lstStyle/>
-          <a:p>
-            <a:r>
-              <a:rPr lang="en-US" dirty="0">
-                <a:highlight>
-                  <a:srgbClr val="FFFF00"/>
-                </a:highlight>
-              </a:rPr>
-              <a:t>urls.py</a:t>
-            </a:r>
-          </a:p>
-        </p:txBody>
-      </p:sp>
-      <p:sp>
-        <p:nvSpPr>
-          <p:cNvPr id="7" name="TextBox 6">
-            <a:extLst>
-              <a:ext uri="{FF2B5EF4-FFF2-40B4-BE49-F238E27FC236}">
-                <a16:creationId xmlns:a16="http://schemas.microsoft.com/office/drawing/2014/main" id="{EC4F4DFB-CE5A-4536-B5E8-FD80889B0815}"/>
-              </a:ext>
-            </a:extLst>
-          </p:cNvPr>
-          <p:cNvSpPr txBox="1"/>
-          <p:nvPr/>
-        </p:nvSpPr>
-        <p:spPr>
-          <a:xfrm>
-            <a:off x="202020" y="2475821"/>
-            <a:ext cx="1811076" cy="369332"/>
-          </a:xfrm>
-          <a:prstGeom prst="rect">
-            <a:avLst/>
-          </a:prstGeom>
-          <a:solidFill>
-            <a:srgbClr val="FFFF00"/>
-          </a:solidFill>
-        </p:spPr>
-        <p:txBody>
-          <a:bodyPr wrap="square" rtlCol="0">
-            <a:spAutoFit/>
-          </a:bodyPr>
-          <a:lstStyle/>
-          <a:p>
-            <a:r>
-              <a:rPr lang="en-US" dirty="0">
-                <a:highlight>
-                  <a:srgbClr val="FFFF00"/>
-                </a:highlight>
-              </a:rPr>
-              <a:t>view.py</a:t>
-            </a:r>
-          </a:p>
-        </p:txBody>
-      </p:sp>
-      <p:sp>
-        <p:nvSpPr>
-          <p:cNvPr id="8" name="TextBox 7">
-            <a:extLst>
-              <a:ext uri="{FF2B5EF4-FFF2-40B4-BE49-F238E27FC236}">
-                <a16:creationId xmlns:a16="http://schemas.microsoft.com/office/drawing/2014/main" id="{E381FE3F-1493-447A-8F05-51F1F9CDF6A6}"/>
-              </a:ext>
-            </a:extLst>
-          </p:cNvPr>
-          <p:cNvSpPr txBox="1"/>
-          <p:nvPr/>
-        </p:nvSpPr>
-        <p:spPr>
-          <a:xfrm>
-            <a:off x="6172200" y="2468745"/>
-            <a:ext cx="1811076" cy="369332"/>
-          </a:xfrm>
-          <a:prstGeom prst="rect">
-            <a:avLst/>
-          </a:prstGeom>
-          <a:solidFill>
-            <a:srgbClr val="FFFF00"/>
-          </a:solidFill>
-        </p:spPr>
-        <p:txBody>
-          <a:bodyPr wrap="square" rtlCol="0">
-            <a:spAutoFit/>
-          </a:bodyPr>
-          <a:lstStyle/>
-          <a:p>
-            <a:r>
-              <a:rPr lang="en-US" dirty="0">
-                <a:highlight>
-                  <a:srgbClr val="FFFF00"/>
-                </a:highlight>
-              </a:rPr>
-              <a:t>view.py</a:t>
-            </a:r>
-          </a:p>
-        </p:txBody>
-      </p:sp>
-    </p:spTree>
-    <p:extLst>
-      <p:ext uri="{BB962C8B-B14F-4D97-AF65-F5344CB8AC3E}">
-        <p14:creationId xmlns:p14="http://schemas.microsoft.com/office/powerpoint/2010/main" val="4043301048"/>
-      </p:ext>
-    </p:extLst>
-  </p:cSld>
-  <p:clrMapOvr>
-    <a:masterClrMapping/>
-  </p:clrMapOvr>
-</p:sld>
-</file>
-
-<file path=ppt/slides/slide18.xml><?xml version="1.0" encoding="utf-8"?>
-<p:sld xmlns:a="http://schemas.openxmlformats.org/drawingml/2006/main" xmlns:r="http://schemas.openxmlformats.org/officeDocument/2006/relationships" xmlns:p="http://schemas.openxmlformats.org/presentationml/2006/main">
-  <p:cSld>
-    <p:spTree>
-      <p:nvGrpSpPr>
-        <p:cNvPr id="1" name=""/>
-        <p:cNvGrpSpPr/>
-        <p:nvPr/>
-      </p:nvGrpSpPr>
-      <p:grpSpPr>
-        <a:xfrm>
-          <a:off x="0" y="0"/>
-          <a:ext cx="0" cy="0"/>
-          <a:chOff x="0" y="0"/>
-          <a:chExt cx="0" cy="0"/>
-        </a:xfrm>
-      </p:grpSpPr>
-      <p:sp>
-        <p:nvSpPr>
-          <p:cNvPr id="2" name="Title 1">
-            <a:extLst>
-              <a:ext uri="{FF2B5EF4-FFF2-40B4-BE49-F238E27FC236}">
-                <a16:creationId xmlns:a16="http://schemas.microsoft.com/office/drawing/2014/main" id="{54F13504-4564-49F7-9D96-6604BFC6A01F}"/>
-              </a:ext>
-            </a:extLst>
-          </p:cNvPr>
-          <p:cNvSpPr>
-            <a:spLocks noGrp="1"/>
-          </p:cNvSpPr>
-          <p:nvPr>
-            <p:ph type="ctrTitle"/>
-          </p:nvPr>
-        </p:nvSpPr>
-        <p:spPr/>
-        <p:txBody>
-          <a:bodyPr/>
-          <a:lstStyle/>
-          <a:p>
-            <a:r>
-              <a:rPr lang="en-US" dirty="0">
-                <a:latin typeface="Arial Black" panose="020B0A04020102020204" pitchFamily="34" charset="0"/>
-              </a:rPr>
-              <a:t>Messages</a:t>
-            </a:r>
-          </a:p>
-        </p:txBody>
-      </p:sp>
-      <p:sp>
-        <p:nvSpPr>
-          <p:cNvPr id="3" name="Subtitle 2">
-            <a:extLst>
-              <a:ext uri="{FF2B5EF4-FFF2-40B4-BE49-F238E27FC236}">
-                <a16:creationId xmlns:a16="http://schemas.microsoft.com/office/drawing/2014/main" id="{EB541576-973B-4AD8-86E7-33ED6F999FD2}"/>
-              </a:ext>
-            </a:extLst>
-          </p:cNvPr>
-          <p:cNvSpPr>
-            <a:spLocks noGrp="1"/>
-          </p:cNvSpPr>
-          <p:nvPr>
-            <p:ph type="subTitle" idx="1"/>
-          </p:nvPr>
-        </p:nvSpPr>
-        <p:spPr/>
-        <p:txBody>
-          <a:bodyPr/>
-          <a:lstStyle/>
-          <a:p>
-            <a:endParaRPr lang="en-US"/>
-          </a:p>
-        </p:txBody>
-      </p:sp>
-    </p:spTree>
-    <p:extLst>
-      <p:ext uri="{BB962C8B-B14F-4D97-AF65-F5344CB8AC3E}">
-        <p14:creationId xmlns:p14="http://schemas.microsoft.com/office/powerpoint/2010/main" val="773002711"/>
-      </p:ext>
-    </p:extLst>
-  </p:cSld>
-  <p:clrMapOvr>
-    <a:masterClrMapping/>
-  </p:clrMapOvr>
-</p:sld>
-</file>
-
-<file path=ppt/slides/slide19.xml><?xml version="1.0" encoding="utf-8"?>
-<p:sld xmlns:a="http://schemas.openxmlformats.org/drawingml/2006/main" xmlns:r="http://schemas.openxmlformats.org/officeDocument/2006/relationships" xmlns:p="http://schemas.openxmlformats.org/presentationml/2006/main">
-  <p:cSld>
-    <p:spTree>
-      <p:nvGrpSpPr>
-        <p:cNvPr id="1" name=""/>
-        <p:cNvGrpSpPr/>
-        <p:nvPr/>
-      </p:nvGrpSpPr>
-      <p:grpSpPr>
-        <a:xfrm>
-          <a:off x="0" y="0"/>
-          <a:ext cx="0" cy="0"/>
-          <a:chOff x="0" y="0"/>
-          <a:chExt cx="0" cy="0"/>
-        </a:xfrm>
-      </p:grpSpPr>
-      <p:sp>
-        <p:nvSpPr>
-          <p:cNvPr id="2" name="Title 1">
-            <a:extLst>
-              <a:ext uri="{FF2B5EF4-FFF2-40B4-BE49-F238E27FC236}">
-                <a16:creationId xmlns:a16="http://schemas.microsoft.com/office/drawing/2014/main" id="{53F6E5F4-93AC-480A-8741-3F5C86EEC8AF}"/>
-              </a:ext>
-            </a:extLst>
-          </p:cNvPr>
-          <p:cNvSpPr>
-            <a:spLocks noGrp="1"/>
-          </p:cNvSpPr>
-          <p:nvPr>
-            <p:ph type="title"/>
-          </p:nvPr>
-        </p:nvSpPr>
-        <p:spPr/>
-        <p:txBody>
-          <a:bodyPr/>
-          <a:lstStyle/>
-          <a:p>
-            <a:r>
-              <a:rPr lang="en-US" dirty="0">
-                <a:latin typeface="Arial Black" panose="020B0A04020102020204" pitchFamily="34" charset="0"/>
-              </a:rPr>
-              <a:t>How to Use Messages</a:t>
-            </a:r>
-          </a:p>
-        </p:txBody>
-      </p:sp>
-      <p:sp>
-        <p:nvSpPr>
-          <p:cNvPr id="3" name="Content Placeholder 2">
-            <a:extLst>
-              <a:ext uri="{FF2B5EF4-FFF2-40B4-BE49-F238E27FC236}">
-                <a16:creationId xmlns:a16="http://schemas.microsoft.com/office/drawing/2014/main" id="{5C3B427C-4C12-4949-A942-4067A5CC775A}"/>
-              </a:ext>
-            </a:extLst>
-          </p:cNvPr>
-          <p:cNvSpPr>
-            <a:spLocks noGrp="1"/>
-          </p:cNvSpPr>
-          <p:nvPr>
-            <p:ph idx="1"/>
-          </p:nvPr>
-        </p:nvSpPr>
-        <p:spPr/>
-        <p:txBody>
-          <a:bodyPr>
-            <a:normAutofit fontScale="77500" lnSpcReduction="20000"/>
-          </a:bodyPr>
-          <a:lstStyle/>
-          <a:p>
-            <a:pPr marL="0" indent="0">
-              <a:buNone/>
-            </a:pPr>
-            <a:r>
-              <a:rPr lang="en-US" b="1" dirty="0"/>
-              <a:t>View</a:t>
-            </a:r>
-          </a:p>
-          <a:p>
-            <a:pPr marL="457200" lvl="1" indent="0">
-              <a:buNone/>
-            </a:pPr>
-            <a:r>
-              <a:rPr lang="en-US" dirty="0"/>
-              <a:t>from </a:t>
-            </a:r>
-            <a:r>
-              <a:rPr lang="en-US" dirty="0" err="1"/>
-              <a:t>django.contrib</a:t>
-            </a:r>
-            <a:r>
-              <a:rPr lang="en-US" dirty="0"/>
-              <a:t> import messages</a:t>
-            </a:r>
-          </a:p>
-          <a:p>
-            <a:pPr marL="457200" lvl="1" indent="0">
-              <a:buNone/>
-            </a:pPr>
-            <a:endParaRPr lang="en-US" dirty="0"/>
-          </a:p>
-          <a:p>
-            <a:pPr marL="457200" lvl="1" indent="0">
-              <a:buNone/>
-            </a:pPr>
-            <a:r>
-              <a:rPr lang="en-US" dirty="0" err="1"/>
-              <a:t>messages.success</a:t>
-            </a:r>
-            <a:r>
-              <a:rPr lang="en-US" dirty="0"/>
-              <a:t>(request, 'Your profile was successfully updated!')</a:t>
-            </a:r>
-          </a:p>
-          <a:p>
-            <a:pPr marL="457200" lvl="1" indent="0">
-              <a:buNone/>
-            </a:pPr>
-            <a:r>
-              <a:rPr lang="en-US" dirty="0" err="1"/>
-              <a:t>messages.error</a:t>
-            </a:r>
-            <a:r>
-              <a:rPr lang="en-US" dirty="0"/>
-              <a:t>(request, 'Please correct the error below.')</a:t>
-            </a:r>
-          </a:p>
-          <a:p>
-            <a:pPr marL="0" indent="0">
-              <a:buNone/>
-            </a:pPr>
-            <a:endParaRPr lang="en-US" dirty="0"/>
-          </a:p>
-          <a:p>
-            <a:pPr marL="0" indent="0">
-              <a:buNone/>
-            </a:pPr>
-            <a:r>
-              <a:rPr lang="en-US" b="1" dirty="0"/>
-              <a:t>Template</a:t>
-            </a:r>
-          </a:p>
-          <a:p>
-            <a:pPr marL="0" indent="0">
-              <a:buNone/>
-            </a:pPr>
-            <a:endParaRPr lang="en-US" dirty="0"/>
-          </a:p>
-          <a:p>
-            <a:pPr marL="457200" lvl="1" indent="0">
-              <a:buNone/>
-            </a:pPr>
-            <a:r>
-              <a:rPr lang="en-US" sz="2500" dirty="0"/>
-              <a:t>{% if messages %}</a:t>
-            </a:r>
-          </a:p>
-          <a:p>
-            <a:pPr marL="914400" lvl="2" indent="0">
-              <a:buNone/>
-            </a:pPr>
-            <a:r>
-              <a:rPr lang="en-US" sz="2500" dirty="0"/>
-              <a:t>&lt;div class="alert alert-secondary" role="alert"&gt;</a:t>
-            </a:r>
-          </a:p>
-          <a:p>
-            <a:pPr marL="1371600" lvl="3" indent="0">
-              <a:buNone/>
-            </a:pPr>
-            <a:r>
-              <a:rPr lang="en-US" sz="2700" dirty="0"/>
-              <a:t>{% for message in messages %}</a:t>
-            </a:r>
-          </a:p>
-          <a:p>
-            <a:pPr marL="1828800" lvl="4" indent="0">
-              <a:buNone/>
-            </a:pPr>
-            <a:r>
-              <a:rPr lang="en-US" sz="2900" dirty="0"/>
-              <a:t>{{ message }}</a:t>
-            </a:r>
-          </a:p>
-          <a:p>
-            <a:pPr marL="1371600" lvl="3" indent="0">
-              <a:buNone/>
-            </a:pPr>
-            <a:r>
-              <a:rPr lang="en-US" sz="2700" dirty="0"/>
-              <a:t>{% </a:t>
-            </a:r>
-            <a:r>
-              <a:rPr lang="en-US" sz="2700" dirty="0" err="1"/>
-              <a:t>endfor</a:t>
-            </a:r>
-            <a:r>
-              <a:rPr lang="en-US" sz="2700" dirty="0"/>
-              <a:t> %}</a:t>
-            </a:r>
-          </a:p>
-          <a:p>
-            <a:pPr marL="914400" lvl="2" indent="0">
-              <a:buNone/>
-            </a:pPr>
-            <a:r>
-              <a:rPr lang="en-US" sz="2500" dirty="0"/>
-              <a:t>&lt;/div&gt;</a:t>
-            </a:r>
-          </a:p>
-          <a:p>
-            <a:pPr marL="457200" lvl="1" indent="0">
-              <a:buNone/>
-            </a:pPr>
-            <a:r>
-              <a:rPr lang="en-US" sz="2500" dirty="0"/>
-              <a:t>{% endif %}</a:t>
-            </a:r>
-          </a:p>
-        </p:txBody>
-      </p:sp>
-    </p:spTree>
-    <p:extLst>
-      <p:ext uri="{BB962C8B-B14F-4D97-AF65-F5344CB8AC3E}">
-        <p14:creationId xmlns:p14="http://schemas.microsoft.com/office/powerpoint/2010/main" val="2709760670"/>
       </p:ext>
     </p:extLst>
   </p:cSld>
@@ -6116,7 +5997,7 @@
           <p:cNvPr id="2" name="Title 1">
             <a:extLst>
               <a:ext uri="{FF2B5EF4-FFF2-40B4-BE49-F238E27FC236}">
-                <a16:creationId xmlns:a16="http://schemas.microsoft.com/office/drawing/2014/main" id="{1C757B04-3CE9-4B41-81E5-64F2A504FDA8}"/>
+                <a16:creationId xmlns:a16="http://schemas.microsoft.com/office/drawing/2014/main" id="{04056CDE-67C3-4236-9BDE-BF6DB4CC558A}"/>
               </a:ext>
             </a:extLst>
           </p:cNvPr>
@@ -6124,29 +6005,37 @@
             <a:spLocks noGrp="1"/>
           </p:cNvSpPr>
           <p:nvPr>
-            <p:ph type="ctrTitle"/>
-          </p:nvPr>
-        </p:nvSpPr>
-        <p:spPr/>
-        <p:txBody>
-          <a:bodyPr/>
-          <a:lstStyle/>
-          <a:p>
-            <a:r>
-              <a:rPr lang="en-US" dirty="0">
+            <p:ph type="title"/>
+          </p:nvPr>
+        </p:nvSpPr>
+        <p:spPr>
+          <a:xfrm>
+            <a:off x="838200" y="777254"/>
+            <a:ext cx="10515600" cy="549284"/>
+          </a:xfrm>
+        </p:spPr>
+        <p:txBody>
+          <a:bodyPr>
+            <a:normAutofit/>
+          </a:bodyPr>
+          <a:lstStyle/>
+          <a:p>
+            <a:pPr algn="ctr"/>
+            <a:r>
+              <a:rPr lang="en-US" sz="2800" dirty="0">
                 <a:latin typeface="Arial Black" panose="020B0A04020102020204" pitchFamily="34" charset="0"/>
               </a:rPr>
-              <a:t>Sessions</a:t>
-            </a:r>
-          </a:p>
-        </p:txBody>
-      </p:sp>
-      <p:sp>
-        <p:nvSpPr>
-          <p:cNvPr id="3" name="Subtitle 2">
+              <a:t>View can be Method or Class</a:t>
+            </a:r>
+          </a:p>
+        </p:txBody>
+      </p:sp>
+      <p:sp>
+        <p:nvSpPr>
+          <p:cNvPr id="3" name="Content Placeholder 2">
             <a:extLst>
               <a:ext uri="{FF2B5EF4-FFF2-40B4-BE49-F238E27FC236}">
-                <a16:creationId xmlns:a16="http://schemas.microsoft.com/office/drawing/2014/main" id="{DFDE7126-5350-4C75-ACB0-47AF308CCB79}"/>
+                <a16:creationId xmlns:a16="http://schemas.microsoft.com/office/drawing/2014/main" id="{478FC3D0-63E3-4344-8951-36BC12DFD203}"/>
               </a:ext>
             </a:extLst>
           </p:cNvPr>
@@ -6154,22 +6043,628 @@
             <a:spLocks noGrp="1"/>
           </p:cNvSpPr>
           <p:nvPr>
-            <p:ph type="subTitle" idx="1"/>
-          </p:nvPr>
-        </p:nvSpPr>
-        <p:spPr/>
-        <p:txBody>
-          <a:bodyPr/>
-          <a:lstStyle/>
-          <a:p>
-            <a:endParaRPr lang="en-US"/>
+            <p:ph sz="half" idx="1"/>
+          </p:nvPr>
+        </p:nvSpPr>
+        <p:spPr>
+          <a:xfrm>
+            <a:off x="202019" y="2814464"/>
+            <a:ext cx="5817781" cy="4032910"/>
+          </a:xfrm>
+          <a:solidFill>
+            <a:schemeClr val="accent5">
+              <a:lumMod val="20000"/>
+              <a:lumOff val="80000"/>
+            </a:schemeClr>
+          </a:solidFill>
+        </p:spPr>
+        <p:txBody>
+          <a:bodyPr>
+            <a:noAutofit/>
+          </a:bodyPr>
+          <a:lstStyle/>
+          <a:p>
+            <a:pPr marL="0" indent="0">
+              <a:buNone/>
+            </a:pPr>
+            <a:r>
+              <a:rPr lang="en-US" sz="1600" b="1" dirty="0"/>
+              <a:t>def </a:t>
+            </a:r>
+            <a:r>
+              <a:rPr lang="en-US" sz="1600" b="1" dirty="0" err="1"/>
+              <a:t>myview</a:t>
+            </a:r>
+            <a:r>
+              <a:rPr lang="en-US" sz="1600" b="1" dirty="0"/>
+              <a:t>(request):</a:t>
+            </a:r>
+            <a:endParaRPr lang="en-US" sz="1600" dirty="0"/>
+          </a:p>
+          <a:p>
+            <a:pPr marL="0" indent="0">
+              <a:buNone/>
+            </a:pPr>
+            <a:r>
+              <a:rPr lang="en-US" sz="1600" dirty="0"/>
+              <a:t>    if </a:t>
+            </a:r>
+            <a:r>
+              <a:rPr lang="en-US" sz="1600" dirty="0" err="1"/>
+              <a:t>request.method</a:t>
+            </a:r>
+            <a:r>
+              <a:rPr lang="en-US" sz="1600" dirty="0"/>
+              <a:t> == "POST":</a:t>
+            </a:r>
+          </a:p>
+          <a:p>
+            <a:pPr marL="0" indent="0">
+              <a:buNone/>
+            </a:pPr>
+            <a:r>
+              <a:rPr lang="en-US" sz="1600" dirty="0"/>
+              <a:t>        form = </a:t>
+            </a:r>
+            <a:r>
+              <a:rPr lang="en-US" sz="1600" dirty="0" err="1"/>
+              <a:t>form_class</a:t>
+            </a:r>
+            <a:r>
+              <a:rPr lang="en-US" sz="1600" dirty="0"/>
+              <a:t>(</a:t>
+            </a:r>
+            <a:r>
+              <a:rPr lang="en-US" sz="1600" dirty="0" err="1"/>
+              <a:t>request.POST</a:t>
+            </a:r>
+            <a:r>
+              <a:rPr lang="en-US" sz="1600" dirty="0"/>
+              <a:t>)</a:t>
+            </a:r>
+          </a:p>
+          <a:p>
+            <a:pPr marL="0" indent="0">
+              <a:buNone/>
+            </a:pPr>
+            <a:r>
+              <a:rPr lang="en-US" sz="1600" dirty="0"/>
+              <a:t>        if </a:t>
+            </a:r>
+            <a:r>
+              <a:rPr lang="en-US" sz="1600" dirty="0" err="1"/>
+              <a:t>form.is_valid</a:t>
+            </a:r>
+            <a:r>
+              <a:rPr lang="en-US" sz="1600" dirty="0"/>
+              <a:t>():</a:t>
+            </a:r>
+          </a:p>
+          <a:p>
+            <a:pPr marL="0" indent="0">
+              <a:buNone/>
+            </a:pPr>
+            <a:r>
+              <a:rPr lang="en-US" sz="1600" dirty="0"/>
+              <a:t>            return </a:t>
+            </a:r>
+            <a:r>
+              <a:rPr lang="en-US" sz="1600" dirty="0" err="1"/>
+              <a:t>HttpResponseRedirect</a:t>
+            </a:r>
+            <a:r>
+              <a:rPr lang="en-US" sz="1600" dirty="0"/>
+              <a:t>('/success/')</a:t>
+            </a:r>
+          </a:p>
+          <a:p>
+            <a:pPr marL="0" indent="0">
+              <a:buNone/>
+            </a:pPr>
+            <a:r>
+              <a:rPr lang="en-US" sz="1600" dirty="0"/>
+              <a:t>    else:</a:t>
+            </a:r>
+          </a:p>
+          <a:p>
+            <a:pPr marL="0" indent="0">
+              <a:buNone/>
+            </a:pPr>
+            <a:r>
+              <a:rPr lang="en-US" sz="1600" dirty="0"/>
+              <a:t>        form = </a:t>
+            </a:r>
+            <a:r>
+              <a:rPr lang="en-US" sz="1600" dirty="0" err="1"/>
+              <a:t>MyForm</a:t>
+            </a:r>
+            <a:r>
+              <a:rPr lang="en-US" sz="1600" dirty="0"/>
+              <a:t>(initial={'key': 'value'})</a:t>
+            </a:r>
+          </a:p>
+          <a:p>
+            <a:pPr marL="0" indent="0">
+              <a:buNone/>
+            </a:pPr>
+            <a:endParaRPr lang="en-US" sz="1600" dirty="0"/>
+          </a:p>
+          <a:p>
+            <a:pPr marL="0" indent="0">
+              <a:buNone/>
+            </a:pPr>
+            <a:r>
+              <a:rPr lang="en-US" sz="1600" dirty="0"/>
+              <a:t>    return render(request, 'form_template.html', {'form': form})</a:t>
+            </a:r>
+          </a:p>
+        </p:txBody>
+      </p:sp>
+      <p:sp>
+        <p:nvSpPr>
+          <p:cNvPr id="4" name="Content Placeholder 3">
+            <a:extLst>
+              <a:ext uri="{FF2B5EF4-FFF2-40B4-BE49-F238E27FC236}">
+                <a16:creationId xmlns:a16="http://schemas.microsoft.com/office/drawing/2014/main" id="{C1A5F585-ED5E-4CE1-B26D-B6BD4DF3BBFA}"/>
+              </a:ext>
+            </a:extLst>
+          </p:cNvPr>
+          <p:cNvSpPr>
+            <a:spLocks noGrp="1"/>
+          </p:cNvSpPr>
+          <p:nvPr>
+            <p:ph sz="half" idx="2"/>
+          </p:nvPr>
+        </p:nvSpPr>
+        <p:spPr>
+          <a:xfrm>
+            <a:off x="6172200" y="2856989"/>
+            <a:ext cx="5817780" cy="4032911"/>
+          </a:xfrm>
+          <a:solidFill>
+            <a:schemeClr val="accent3">
+              <a:lumMod val="20000"/>
+              <a:lumOff val="80000"/>
+            </a:schemeClr>
+          </a:solidFill>
+        </p:spPr>
+        <p:txBody>
+          <a:bodyPr>
+            <a:normAutofit fontScale="55000" lnSpcReduction="20000"/>
+          </a:bodyPr>
+          <a:lstStyle/>
+          <a:p>
+            <a:pPr marL="0" indent="0">
+              <a:buNone/>
+            </a:pPr>
+            <a:r>
+              <a:rPr lang="en-US" dirty="0"/>
+              <a:t>from </a:t>
+            </a:r>
+            <a:r>
+              <a:rPr lang="en-US" dirty="0" err="1"/>
+              <a:t>django.views</a:t>
+            </a:r>
+            <a:r>
+              <a:rPr lang="en-US" dirty="0"/>
+              <a:t> </a:t>
+            </a:r>
+            <a:r>
+              <a:rPr lang="en-US"/>
+              <a:t>import View</a:t>
+            </a:r>
+            <a:br>
+              <a:rPr lang="en-US"/>
+            </a:br>
+            <a:br>
+              <a:rPr lang="en-US" b="1" dirty="0">
+                <a:highlight>
+                  <a:srgbClr val="FF00FF"/>
+                </a:highlight>
+              </a:rPr>
+            </a:br>
+            <a:br>
+              <a:rPr lang="en-US" b="1" dirty="0">
+                <a:highlight>
+                  <a:srgbClr val="FF00FF"/>
+                </a:highlight>
+              </a:rPr>
+            </a:br>
+            <a:r>
+              <a:rPr lang="en-US" b="1" dirty="0">
+                <a:highlight>
+                  <a:srgbClr val="FF00FF"/>
+                </a:highlight>
+              </a:rPr>
+              <a:t>class</a:t>
+            </a:r>
+            <a:r>
+              <a:rPr lang="en-US" b="1" dirty="0"/>
+              <a:t> </a:t>
+            </a:r>
+            <a:r>
+              <a:rPr lang="en-US" b="1" dirty="0" err="1"/>
+              <a:t>MyFormView</a:t>
+            </a:r>
+            <a:r>
+              <a:rPr lang="en-US" b="1" dirty="0"/>
+              <a:t>(View):</a:t>
+            </a:r>
+            <a:endParaRPr lang="en-US" dirty="0"/>
+          </a:p>
+          <a:p>
+            <a:pPr marL="0" indent="0">
+              <a:buNone/>
+            </a:pPr>
+            <a:r>
+              <a:rPr lang="en-US" dirty="0"/>
+              <a:t>    </a:t>
+            </a:r>
+            <a:r>
+              <a:rPr lang="en-US" dirty="0" err="1"/>
+              <a:t>template_name</a:t>
+            </a:r>
+            <a:r>
+              <a:rPr lang="en-US" dirty="0"/>
+              <a:t> = 'form_template.html’</a:t>
+            </a:r>
+          </a:p>
+          <a:p>
+            <a:pPr marL="0" indent="0">
+              <a:buNone/>
+            </a:pPr>
+            <a:br>
+              <a:rPr lang="en-US" dirty="0"/>
+            </a:br>
+            <a:r>
+              <a:rPr lang="en-US" dirty="0"/>
+              <a:t>    </a:t>
+            </a:r>
+            <a:r>
+              <a:rPr lang="en-US" b="1" dirty="0"/>
+              <a:t>def get(self, request):</a:t>
+            </a:r>
+            <a:endParaRPr lang="en-US" dirty="0"/>
+          </a:p>
+          <a:p>
+            <a:pPr marL="0" indent="0">
+              <a:buNone/>
+            </a:pPr>
+            <a:r>
+              <a:rPr lang="en-US" dirty="0"/>
+              <a:t>        return render(request, </a:t>
+            </a:r>
+            <a:r>
+              <a:rPr lang="en-US" dirty="0" err="1"/>
+              <a:t>self.template_name</a:t>
+            </a:r>
+            <a:r>
+              <a:rPr lang="en-US" dirty="0"/>
+              <a:t>, {'form': form})</a:t>
+            </a:r>
+          </a:p>
+          <a:p>
+            <a:pPr marL="0" indent="0">
+              <a:buNone/>
+            </a:pPr>
+            <a:br>
+              <a:rPr lang="en-US" dirty="0"/>
+            </a:br>
+            <a:endParaRPr lang="en-US" dirty="0"/>
+          </a:p>
+          <a:p>
+            <a:pPr marL="0" indent="0">
+              <a:buNone/>
+            </a:pPr>
+            <a:r>
+              <a:rPr lang="en-US" dirty="0"/>
+              <a:t>    </a:t>
+            </a:r>
+            <a:r>
+              <a:rPr lang="en-US" b="1" dirty="0"/>
+              <a:t>def post(self, request):</a:t>
+            </a:r>
+            <a:endParaRPr lang="en-US" dirty="0"/>
+          </a:p>
+          <a:p>
+            <a:pPr marL="0" indent="0">
+              <a:buNone/>
+            </a:pPr>
+            <a:r>
+              <a:rPr lang="en-US" dirty="0"/>
+              <a:t>        form = </a:t>
+            </a:r>
+            <a:r>
+              <a:rPr lang="en-US" dirty="0" err="1"/>
+              <a:t>form_class</a:t>
+            </a:r>
+            <a:r>
+              <a:rPr lang="en-US" dirty="0"/>
+              <a:t>(</a:t>
+            </a:r>
+            <a:r>
+              <a:rPr lang="en-US" dirty="0" err="1"/>
+              <a:t>request.POST</a:t>
+            </a:r>
+            <a:r>
+              <a:rPr lang="en-US" dirty="0"/>
+              <a:t>)</a:t>
+            </a:r>
+          </a:p>
+          <a:p>
+            <a:pPr marL="0" indent="0">
+              <a:buNone/>
+            </a:pPr>
+            <a:r>
+              <a:rPr lang="en-US" dirty="0"/>
+              <a:t>        if </a:t>
+            </a:r>
+            <a:r>
+              <a:rPr lang="en-US" dirty="0" err="1"/>
+              <a:t>form.is_valid</a:t>
+            </a:r>
+            <a:r>
+              <a:rPr lang="en-US" dirty="0"/>
+              <a:t>():</a:t>
+            </a:r>
+          </a:p>
+          <a:p>
+            <a:pPr marL="0" indent="0">
+              <a:buNone/>
+            </a:pPr>
+            <a:r>
+              <a:rPr lang="en-US" dirty="0"/>
+              <a:t>            return </a:t>
+            </a:r>
+            <a:r>
+              <a:rPr lang="en-US" dirty="0" err="1"/>
+              <a:t>HttpResponseRedirect</a:t>
+            </a:r>
+            <a:r>
+              <a:rPr lang="en-US" dirty="0"/>
+              <a:t>('/success/')</a:t>
+            </a:r>
+          </a:p>
+          <a:p>
+            <a:pPr marL="0" indent="0">
+              <a:buNone/>
+            </a:pPr>
+            <a:r>
+              <a:rPr lang="en-US" dirty="0"/>
+              <a:t>        return render(request, </a:t>
+            </a:r>
+            <a:r>
+              <a:rPr lang="en-US" dirty="0" err="1"/>
+              <a:t>self.template_name</a:t>
+            </a:r>
+            <a:r>
+              <a:rPr lang="en-US" dirty="0"/>
+              <a:t>, {'form': form})</a:t>
+            </a:r>
+          </a:p>
+        </p:txBody>
+      </p:sp>
+      <p:sp>
+        <p:nvSpPr>
+          <p:cNvPr id="5" name="TextBox 4">
+            <a:extLst>
+              <a:ext uri="{FF2B5EF4-FFF2-40B4-BE49-F238E27FC236}">
+                <a16:creationId xmlns:a16="http://schemas.microsoft.com/office/drawing/2014/main" id="{920DBCC8-177B-4594-8987-8DAC61AD29D1}"/>
+              </a:ext>
+            </a:extLst>
+          </p:cNvPr>
+          <p:cNvSpPr txBox="1"/>
+          <p:nvPr/>
+        </p:nvSpPr>
+        <p:spPr>
+          <a:xfrm>
+            <a:off x="202019" y="1555938"/>
+            <a:ext cx="11787961" cy="646331"/>
+          </a:xfrm>
+          <a:prstGeom prst="rect">
+            <a:avLst/>
+          </a:prstGeom>
+          <a:solidFill>
+            <a:schemeClr val="accent3">
+              <a:lumMod val="40000"/>
+              <a:lumOff val="60000"/>
+            </a:schemeClr>
+          </a:solidFill>
+        </p:spPr>
+        <p:txBody>
+          <a:bodyPr wrap="square" rtlCol="0">
+            <a:spAutoFit/>
+          </a:bodyPr>
+          <a:lstStyle/>
+          <a:p>
+            <a:r>
+              <a:rPr lang="en-US" dirty="0"/>
+              <a:t>path('Messages1/', </a:t>
+            </a:r>
+            <a:r>
+              <a:rPr lang="en-US" dirty="0" err="1"/>
+              <a:t>view.MyFormView</a:t>
+            </a:r>
+            <a:r>
+              <a:rPr lang="en-US" dirty="0" err="1">
+                <a:highlight>
+                  <a:srgbClr val="FF00FF"/>
+                </a:highlight>
+              </a:rPr>
+              <a:t>.as_view</a:t>
+            </a:r>
+            <a:r>
+              <a:rPr lang="en-US" dirty="0">
+                <a:highlight>
+                  <a:srgbClr val="FF00FF"/>
+                </a:highlight>
+              </a:rPr>
+              <a:t>()</a:t>
+            </a:r>
+            <a:r>
+              <a:rPr lang="en-US" dirty="0"/>
+              <a:t>, name='</a:t>
+            </a:r>
+            <a:r>
+              <a:rPr lang="en-US" dirty="0" err="1"/>
+              <a:t>MyFormView</a:t>
+            </a:r>
+            <a:r>
+              <a:rPr lang="en-US" dirty="0"/>
+              <a:t>'),</a:t>
+            </a:r>
+          </a:p>
+          <a:p>
+            <a:r>
+              <a:rPr lang="en-US" dirty="0"/>
+              <a:t>path('Messages2/', view. </a:t>
+            </a:r>
+            <a:r>
+              <a:rPr lang="en-US" dirty="0" err="1"/>
+              <a:t>myview</a:t>
+            </a:r>
+            <a:r>
+              <a:rPr lang="en-US" dirty="0"/>
+              <a:t>, name='</a:t>
+            </a:r>
+            <a:r>
+              <a:rPr lang="en-US" dirty="0" err="1"/>
+              <a:t>myview</a:t>
+            </a:r>
+            <a:r>
+              <a:rPr lang="en-US" dirty="0"/>
+              <a:t>'),</a:t>
+            </a:r>
+          </a:p>
+        </p:txBody>
+      </p:sp>
+      <p:sp>
+        <p:nvSpPr>
+          <p:cNvPr id="6" name="TextBox 5">
+            <a:extLst>
+              <a:ext uri="{FF2B5EF4-FFF2-40B4-BE49-F238E27FC236}">
+                <a16:creationId xmlns:a16="http://schemas.microsoft.com/office/drawing/2014/main" id="{741E2AFE-7103-4765-9FF5-F2988CA132F3}"/>
+              </a:ext>
+            </a:extLst>
+          </p:cNvPr>
+          <p:cNvSpPr txBox="1"/>
+          <p:nvPr/>
+        </p:nvSpPr>
+        <p:spPr>
+          <a:xfrm>
+            <a:off x="202019" y="1217629"/>
+            <a:ext cx="1733107" cy="369332"/>
+          </a:xfrm>
+          <a:prstGeom prst="rect">
+            <a:avLst/>
+          </a:prstGeom>
+          <a:solidFill>
+            <a:srgbClr val="FFFF00"/>
+          </a:solidFill>
+        </p:spPr>
+        <p:txBody>
+          <a:bodyPr wrap="square" rtlCol="0">
+            <a:spAutoFit/>
+          </a:bodyPr>
+          <a:lstStyle/>
+          <a:p>
+            <a:r>
+              <a:rPr lang="en-US" dirty="0">
+                <a:highlight>
+                  <a:srgbClr val="FFFF00"/>
+                </a:highlight>
+              </a:rPr>
+              <a:t>urls.py</a:t>
+            </a:r>
+          </a:p>
+        </p:txBody>
+      </p:sp>
+      <p:sp>
+        <p:nvSpPr>
+          <p:cNvPr id="7" name="TextBox 6">
+            <a:extLst>
+              <a:ext uri="{FF2B5EF4-FFF2-40B4-BE49-F238E27FC236}">
+                <a16:creationId xmlns:a16="http://schemas.microsoft.com/office/drawing/2014/main" id="{EC4F4DFB-CE5A-4536-B5E8-FD80889B0815}"/>
+              </a:ext>
+            </a:extLst>
+          </p:cNvPr>
+          <p:cNvSpPr txBox="1"/>
+          <p:nvPr/>
+        </p:nvSpPr>
+        <p:spPr>
+          <a:xfrm>
+            <a:off x="202020" y="2475821"/>
+            <a:ext cx="1811076" cy="369332"/>
+          </a:xfrm>
+          <a:prstGeom prst="rect">
+            <a:avLst/>
+          </a:prstGeom>
+          <a:solidFill>
+            <a:srgbClr val="FFFF00"/>
+          </a:solidFill>
+        </p:spPr>
+        <p:txBody>
+          <a:bodyPr wrap="square" rtlCol="0">
+            <a:spAutoFit/>
+          </a:bodyPr>
+          <a:lstStyle/>
+          <a:p>
+            <a:r>
+              <a:rPr lang="en-US" dirty="0">
+                <a:highlight>
+                  <a:srgbClr val="FFFF00"/>
+                </a:highlight>
+              </a:rPr>
+              <a:t>view.py</a:t>
+            </a:r>
+          </a:p>
+        </p:txBody>
+      </p:sp>
+      <p:sp>
+        <p:nvSpPr>
+          <p:cNvPr id="8" name="TextBox 7">
+            <a:extLst>
+              <a:ext uri="{FF2B5EF4-FFF2-40B4-BE49-F238E27FC236}">
+                <a16:creationId xmlns:a16="http://schemas.microsoft.com/office/drawing/2014/main" id="{E381FE3F-1493-447A-8F05-51F1F9CDF6A6}"/>
+              </a:ext>
+            </a:extLst>
+          </p:cNvPr>
+          <p:cNvSpPr txBox="1"/>
+          <p:nvPr/>
+        </p:nvSpPr>
+        <p:spPr>
+          <a:xfrm>
+            <a:off x="6172200" y="2468745"/>
+            <a:ext cx="1811076" cy="369332"/>
+          </a:xfrm>
+          <a:prstGeom prst="rect">
+            <a:avLst/>
+          </a:prstGeom>
+          <a:solidFill>
+            <a:srgbClr val="FFFF00"/>
+          </a:solidFill>
+        </p:spPr>
+        <p:txBody>
+          <a:bodyPr wrap="square" rtlCol="0">
+            <a:spAutoFit/>
+          </a:bodyPr>
+          <a:lstStyle/>
+          <a:p>
+            <a:r>
+              <a:rPr lang="en-US" dirty="0">
+                <a:highlight>
+                  <a:srgbClr val="FFFF00"/>
+                </a:highlight>
+              </a:rPr>
+              <a:t>view.py</a:t>
+            </a:r>
           </a:p>
         </p:txBody>
       </p:sp>
     </p:spTree>
     <p:extLst>
       <p:ext uri="{BB962C8B-B14F-4D97-AF65-F5344CB8AC3E}">
-        <p14:creationId xmlns:p14="http://schemas.microsoft.com/office/powerpoint/2010/main" val="3982906631"/>
+        <p14:creationId xmlns:p14="http://schemas.microsoft.com/office/powerpoint/2010/main" val="4043301048"/>
       </p:ext>
     </p:extLst>
   </p:cSld>
@@ -6201,7 +6696,7 @@
           <p:cNvPr id="2" name="Title 1">
             <a:extLst>
               <a:ext uri="{FF2B5EF4-FFF2-40B4-BE49-F238E27FC236}">
-                <a16:creationId xmlns:a16="http://schemas.microsoft.com/office/drawing/2014/main" id="{B01C4B15-238D-4B55-AC27-C32EF7E68A4C}"/>
+                <a16:creationId xmlns:a16="http://schemas.microsoft.com/office/drawing/2014/main" id="{54F13504-4564-49F7-9D96-6604BFC6A01F}"/>
               </a:ext>
             </a:extLst>
           </p:cNvPr>
@@ -6209,7 +6704,7 @@
             <a:spLocks noGrp="1"/>
           </p:cNvSpPr>
           <p:nvPr>
-            <p:ph type="title"/>
+            <p:ph type="ctrTitle"/>
           </p:nvPr>
         </p:nvSpPr>
         <p:spPr/>
@@ -6221,17 +6716,17 @@
               <a:rPr lang="en-US" dirty="0">
                 <a:latin typeface="Arial Black" panose="020B0A04020102020204" pitchFamily="34" charset="0"/>
               </a:rPr>
-              <a:t>Set/Get Session</a:t>
-            </a:r>
-          </a:p>
-        </p:txBody>
-      </p:sp>
-      <p:sp>
-        <p:nvSpPr>
-          <p:cNvPr id="3" name="Content Placeholder 2">
+              <a:t>Messages</a:t>
+            </a:r>
+          </a:p>
+        </p:txBody>
+      </p:sp>
+      <p:sp>
+        <p:nvSpPr>
+          <p:cNvPr id="3" name="Subtitle 2">
             <a:extLst>
               <a:ext uri="{FF2B5EF4-FFF2-40B4-BE49-F238E27FC236}">
-                <a16:creationId xmlns:a16="http://schemas.microsoft.com/office/drawing/2014/main" id="{46607C2B-C7A3-49F3-9309-C84694DB4DD6}"/>
+                <a16:creationId xmlns:a16="http://schemas.microsoft.com/office/drawing/2014/main" id="{EB541576-973B-4AD8-86E7-33ED6F999FD2}"/>
               </a:ext>
             </a:extLst>
           </p:cNvPr>
@@ -6239,7 +6734,7 @@
             <a:spLocks noGrp="1"/>
           </p:cNvSpPr>
           <p:nvPr>
-            <p:ph idx="1"/>
+            <p:ph type="subTitle" idx="1"/>
           </p:nvPr>
         </p:nvSpPr>
         <p:spPr/>
@@ -6247,80 +6742,14 @@
           <a:bodyPr/>
           <a:lstStyle/>
           <a:p>
-            <a:pPr marL="0" indent="0">
-              <a:buNone/>
-            </a:pPr>
-            <a:r>
-              <a:rPr lang="en-US" dirty="0"/>
-              <a:t>#Set Session</a:t>
-            </a:r>
-            <a:br>
-              <a:rPr lang="en-US" dirty="0"/>
-            </a:br>
-            <a:r>
-              <a:rPr lang="en-US" dirty="0" err="1"/>
-              <a:t>request.session</a:t>
-            </a:r>
-            <a:r>
-              <a:rPr lang="en-US" dirty="0"/>
-              <a:t>['username'] = “username”</a:t>
-            </a:r>
-          </a:p>
-          <a:p>
-            <a:pPr marL="0" indent="0">
-              <a:buNone/>
-            </a:pPr>
-            <a:endParaRPr lang="en-US" dirty="0"/>
-          </a:p>
-          <a:p>
-            <a:pPr marL="0" indent="0">
-              <a:buNone/>
-            </a:pPr>
-            <a:r>
-              <a:rPr lang="en-US" dirty="0"/>
-              <a:t>#Get Session</a:t>
-            </a:r>
-          </a:p>
-          <a:p>
-            <a:pPr marL="0" indent="0">
-              <a:buNone/>
-            </a:pPr>
-            <a:r>
-              <a:rPr lang="en-US" dirty="0"/>
-              <a:t>if </a:t>
-            </a:r>
-            <a:r>
-              <a:rPr lang="en-US" dirty="0" err="1"/>
-              <a:t>request.session.has_key</a:t>
-            </a:r>
-            <a:r>
-              <a:rPr lang="en-US" dirty="0"/>
-              <a:t>('username'):</a:t>
-            </a:r>
-          </a:p>
-          <a:p>
-            <a:pPr marL="0" indent="0">
-              <a:buNone/>
-            </a:pPr>
-            <a:r>
-              <a:rPr lang="en-US" dirty="0"/>
-              <a:t>      username = </a:t>
-            </a:r>
-            <a:r>
-              <a:rPr lang="en-US" dirty="0" err="1"/>
-              <a:t>request.session</a:t>
-            </a:r>
-            <a:r>
-              <a:rPr lang="en-US" dirty="0"/>
-              <a:t>['username']</a:t>
-            </a:r>
+            <a:endParaRPr lang="en-US"/>
           </a:p>
         </p:txBody>
       </p:sp>
     </p:spTree>
     <p:extLst>
       <p:ext uri="{BB962C8B-B14F-4D97-AF65-F5344CB8AC3E}">
-        <p14:creationId xmlns:p14="http://schemas.microsoft.com/office/powerpoint/2010/main" val="801859236"/>
+        <p14:creationId xmlns:p14="http://schemas.microsoft.com/office/powerpoint/2010/main" val="773002711"/>
       </p:ext>
     </p:extLst>
   </p:cSld>
@@ -6352,6 +6781,476 @@
           <p:cNvPr id="2" name="Title 1">
             <a:extLst>
               <a:ext uri="{FF2B5EF4-FFF2-40B4-BE49-F238E27FC236}">
+                <a16:creationId xmlns:a16="http://schemas.microsoft.com/office/drawing/2014/main" id="{53F6E5F4-93AC-480A-8741-3F5C86EEC8AF}"/>
+              </a:ext>
+            </a:extLst>
+          </p:cNvPr>
+          <p:cNvSpPr>
+            <a:spLocks noGrp="1"/>
+          </p:cNvSpPr>
+          <p:nvPr>
+            <p:ph type="title"/>
+          </p:nvPr>
+        </p:nvSpPr>
+        <p:spPr/>
+        <p:txBody>
+          <a:bodyPr/>
+          <a:lstStyle/>
+          <a:p>
+            <a:r>
+              <a:rPr lang="en-US" dirty="0">
+                <a:latin typeface="Arial Black" panose="020B0A04020102020204" pitchFamily="34" charset="0"/>
+              </a:rPr>
+              <a:t>How to Use Messages</a:t>
+            </a:r>
+          </a:p>
+        </p:txBody>
+      </p:sp>
+      <p:sp>
+        <p:nvSpPr>
+          <p:cNvPr id="3" name="Content Placeholder 2">
+            <a:extLst>
+              <a:ext uri="{FF2B5EF4-FFF2-40B4-BE49-F238E27FC236}">
+                <a16:creationId xmlns:a16="http://schemas.microsoft.com/office/drawing/2014/main" id="{5C3B427C-4C12-4949-A942-4067A5CC775A}"/>
+              </a:ext>
+            </a:extLst>
+          </p:cNvPr>
+          <p:cNvSpPr>
+            <a:spLocks noGrp="1"/>
+          </p:cNvSpPr>
+          <p:nvPr>
+            <p:ph idx="1"/>
+          </p:nvPr>
+        </p:nvSpPr>
+        <p:spPr/>
+        <p:txBody>
+          <a:bodyPr>
+            <a:normAutofit fontScale="77500" lnSpcReduction="20000"/>
+          </a:bodyPr>
+          <a:lstStyle/>
+          <a:p>
+            <a:pPr marL="0" indent="0">
+              <a:buNone/>
+            </a:pPr>
+            <a:r>
+              <a:rPr lang="en-US" b="1" dirty="0"/>
+              <a:t>View</a:t>
+            </a:r>
+          </a:p>
+          <a:p>
+            <a:pPr marL="457200" lvl="1" indent="0">
+              <a:buNone/>
+            </a:pPr>
+            <a:r>
+              <a:rPr lang="en-US" dirty="0"/>
+              <a:t>from </a:t>
+            </a:r>
+            <a:r>
+              <a:rPr lang="en-US" dirty="0" err="1"/>
+              <a:t>django.contrib</a:t>
+            </a:r>
+            <a:r>
+              <a:rPr lang="en-US" dirty="0"/>
+              <a:t> import messages</a:t>
+            </a:r>
+          </a:p>
+          <a:p>
+            <a:pPr marL="457200" lvl="1" indent="0">
+              <a:buNone/>
+            </a:pPr>
+            <a:endParaRPr lang="en-US" dirty="0"/>
+          </a:p>
+          <a:p>
+            <a:pPr marL="457200" lvl="1" indent="0">
+              <a:buNone/>
+            </a:pPr>
+            <a:r>
+              <a:rPr lang="en-US" dirty="0" err="1"/>
+              <a:t>messages.success</a:t>
+            </a:r>
+            <a:r>
+              <a:rPr lang="en-US" dirty="0"/>
+              <a:t>(request, 'Your profile was successfully updated!')</a:t>
+            </a:r>
+          </a:p>
+          <a:p>
+            <a:pPr marL="457200" lvl="1" indent="0">
+              <a:buNone/>
+            </a:pPr>
+            <a:r>
+              <a:rPr lang="en-US" dirty="0" err="1"/>
+              <a:t>messages.error</a:t>
+            </a:r>
+            <a:r>
+              <a:rPr lang="en-US" dirty="0"/>
+              <a:t>(request, 'Please correct the error below.')</a:t>
+            </a:r>
+          </a:p>
+          <a:p>
+            <a:pPr marL="0" indent="0">
+              <a:buNone/>
+            </a:pPr>
+            <a:endParaRPr lang="en-US" dirty="0"/>
+          </a:p>
+          <a:p>
+            <a:pPr marL="0" indent="0">
+              <a:buNone/>
+            </a:pPr>
+            <a:r>
+              <a:rPr lang="en-US" b="1" dirty="0"/>
+              <a:t>Template</a:t>
+            </a:r>
+          </a:p>
+          <a:p>
+            <a:pPr marL="0" indent="0">
+              <a:buNone/>
+            </a:pPr>
+            <a:endParaRPr lang="en-US" dirty="0"/>
+          </a:p>
+          <a:p>
+            <a:pPr marL="457200" lvl="1" indent="0">
+              <a:buNone/>
+            </a:pPr>
+            <a:r>
+              <a:rPr lang="en-US" sz="2500" dirty="0"/>
+              <a:t>{% if messages %}</a:t>
+            </a:r>
+          </a:p>
+          <a:p>
+            <a:pPr marL="914400" lvl="2" indent="0">
+              <a:buNone/>
+            </a:pPr>
+            <a:r>
+              <a:rPr lang="en-US" sz="2500" dirty="0"/>
+              <a:t>&lt;div class="alert alert-secondary" role="alert"&gt;</a:t>
+            </a:r>
+          </a:p>
+          <a:p>
+            <a:pPr marL="1371600" lvl="3" indent="0">
+              <a:buNone/>
+            </a:pPr>
+            <a:r>
+              <a:rPr lang="en-US" sz="2700" dirty="0"/>
+              <a:t>{% for message in messages %}</a:t>
+            </a:r>
+          </a:p>
+          <a:p>
+            <a:pPr marL="1828800" lvl="4" indent="0">
+              <a:buNone/>
+            </a:pPr>
+            <a:r>
+              <a:rPr lang="en-US" sz="2900" dirty="0"/>
+              <a:t>{{ message }}</a:t>
+            </a:r>
+          </a:p>
+          <a:p>
+            <a:pPr marL="1371600" lvl="3" indent="0">
+              <a:buNone/>
+            </a:pPr>
+            <a:r>
+              <a:rPr lang="en-US" sz="2700" dirty="0"/>
+              <a:t>{% </a:t>
+            </a:r>
+            <a:r>
+              <a:rPr lang="en-US" sz="2700" dirty="0" err="1"/>
+              <a:t>endfor</a:t>
+            </a:r>
+            <a:r>
+              <a:rPr lang="en-US" sz="2700" dirty="0"/>
+              <a:t> %}</a:t>
+            </a:r>
+          </a:p>
+          <a:p>
+            <a:pPr marL="914400" lvl="2" indent="0">
+              <a:buNone/>
+            </a:pPr>
+            <a:r>
+              <a:rPr lang="en-US" sz="2500" dirty="0"/>
+              <a:t>&lt;/div&gt;</a:t>
+            </a:r>
+          </a:p>
+          <a:p>
+            <a:pPr marL="457200" lvl="1" indent="0">
+              <a:buNone/>
+            </a:pPr>
+            <a:r>
+              <a:rPr lang="en-US" sz="2500" dirty="0"/>
+              <a:t>{% endif %}</a:t>
+            </a:r>
+          </a:p>
+        </p:txBody>
+      </p:sp>
+    </p:spTree>
+    <p:extLst>
+      <p:ext uri="{BB962C8B-B14F-4D97-AF65-F5344CB8AC3E}">
+        <p14:creationId xmlns:p14="http://schemas.microsoft.com/office/powerpoint/2010/main" val="2709760670"/>
+      </p:ext>
+    </p:extLst>
+  </p:cSld>
+  <p:clrMapOvr>
+    <a:masterClrMapping/>
+  </p:clrMapOvr>
+</p:sld>
+</file>
+
+<file path=ppt/slides/slide23.xml><?xml version="1.0" encoding="utf-8"?>
+<p:sld xmlns:a="http://schemas.openxmlformats.org/drawingml/2006/main" xmlns:r="http://schemas.openxmlformats.org/officeDocument/2006/relationships" xmlns:p="http://schemas.openxmlformats.org/presentationml/2006/main">
+  <p:cSld>
+    <p:spTree>
+      <p:nvGrpSpPr>
+        <p:cNvPr id="1" name=""/>
+        <p:cNvGrpSpPr/>
+        <p:nvPr/>
+      </p:nvGrpSpPr>
+      <p:grpSpPr>
+        <a:xfrm>
+          <a:off x="0" y="0"/>
+          <a:ext cx="0" cy="0"/>
+          <a:chOff x="0" y="0"/>
+          <a:chExt cx="0" cy="0"/>
+        </a:xfrm>
+      </p:grpSpPr>
+      <p:sp>
+        <p:nvSpPr>
+          <p:cNvPr id="2" name="Title 1">
+            <a:extLst>
+              <a:ext uri="{FF2B5EF4-FFF2-40B4-BE49-F238E27FC236}">
+                <a16:creationId xmlns:a16="http://schemas.microsoft.com/office/drawing/2014/main" id="{1C757B04-3CE9-4B41-81E5-64F2A504FDA8}"/>
+              </a:ext>
+            </a:extLst>
+          </p:cNvPr>
+          <p:cNvSpPr>
+            <a:spLocks noGrp="1"/>
+          </p:cNvSpPr>
+          <p:nvPr>
+            <p:ph type="ctrTitle"/>
+          </p:nvPr>
+        </p:nvSpPr>
+        <p:spPr/>
+        <p:txBody>
+          <a:bodyPr/>
+          <a:lstStyle/>
+          <a:p>
+            <a:r>
+              <a:rPr lang="en-US" dirty="0">
+                <a:latin typeface="Arial Black" panose="020B0A04020102020204" pitchFamily="34" charset="0"/>
+              </a:rPr>
+              <a:t>Sessions</a:t>
+            </a:r>
+          </a:p>
+        </p:txBody>
+      </p:sp>
+      <p:sp>
+        <p:nvSpPr>
+          <p:cNvPr id="3" name="Subtitle 2">
+            <a:extLst>
+              <a:ext uri="{FF2B5EF4-FFF2-40B4-BE49-F238E27FC236}">
+                <a16:creationId xmlns:a16="http://schemas.microsoft.com/office/drawing/2014/main" id="{DFDE7126-5350-4C75-ACB0-47AF308CCB79}"/>
+              </a:ext>
+            </a:extLst>
+          </p:cNvPr>
+          <p:cNvSpPr>
+            <a:spLocks noGrp="1"/>
+          </p:cNvSpPr>
+          <p:nvPr>
+            <p:ph type="subTitle" idx="1"/>
+          </p:nvPr>
+        </p:nvSpPr>
+        <p:spPr/>
+        <p:txBody>
+          <a:bodyPr/>
+          <a:lstStyle/>
+          <a:p>
+            <a:endParaRPr lang="en-US"/>
+          </a:p>
+        </p:txBody>
+      </p:sp>
+    </p:spTree>
+    <p:extLst>
+      <p:ext uri="{BB962C8B-B14F-4D97-AF65-F5344CB8AC3E}">
+        <p14:creationId xmlns:p14="http://schemas.microsoft.com/office/powerpoint/2010/main" val="3982906631"/>
+      </p:ext>
+    </p:extLst>
+  </p:cSld>
+  <p:clrMapOvr>
+    <a:masterClrMapping/>
+  </p:clrMapOvr>
+</p:sld>
+</file>
+
+<file path=ppt/slides/slide24.xml><?xml version="1.0" encoding="utf-8"?>
+<p:sld xmlns:a="http://schemas.openxmlformats.org/drawingml/2006/main" xmlns:r="http://schemas.openxmlformats.org/officeDocument/2006/relationships" xmlns:p="http://schemas.openxmlformats.org/presentationml/2006/main">
+  <p:cSld>
+    <p:spTree>
+      <p:nvGrpSpPr>
+        <p:cNvPr id="1" name=""/>
+        <p:cNvGrpSpPr/>
+        <p:nvPr/>
+      </p:nvGrpSpPr>
+      <p:grpSpPr>
+        <a:xfrm>
+          <a:off x="0" y="0"/>
+          <a:ext cx="0" cy="0"/>
+          <a:chOff x="0" y="0"/>
+          <a:chExt cx="0" cy="0"/>
+        </a:xfrm>
+      </p:grpSpPr>
+      <p:sp>
+        <p:nvSpPr>
+          <p:cNvPr id="2" name="Title 1">
+            <a:extLst>
+              <a:ext uri="{FF2B5EF4-FFF2-40B4-BE49-F238E27FC236}">
+                <a16:creationId xmlns:a16="http://schemas.microsoft.com/office/drawing/2014/main" id="{B01C4B15-238D-4B55-AC27-C32EF7E68A4C}"/>
+              </a:ext>
+            </a:extLst>
+          </p:cNvPr>
+          <p:cNvSpPr>
+            <a:spLocks noGrp="1"/>
+          </p:cNvSpPr>
+          <p:nvPr>
+            <p:ph type="title"/>
+          </p:nvPr>
+        </p:nvSpPr>
+        <p:spPr/>
+        <p:txBody>
+          <a:bodyPr/>
+          <a:lstStyle/>
+          <a:p>
+            <a:r>
+              <a:rPr lang="en-US" dirty="0">
+                <a:latin typeface="Arial Black" panose="020B0A04020102020204" pitchFamily="34" charset="0"/>
+              </a:rPr>
+              <a:t>Set/Get Session</a:t>
+            </a:r>
+          </a:p>
+        </p:txBody>
+      </p:sp>
+      <p:sp>
+        <p:nvSpPr>
+          <p:cNvPr id="3" name="Content Placeholder 2">
+            <a:extLst>
+              <a:ext uri="{FF2B5EF4-FFF2-40B4-BE49-F238E27FC236}">
+                <a16:creationId xmlns:a16="http://schemas.microsoft.com/office/drawing/2014/main" id="{46607C2B-C7A3-49F3-9309-C84694DB4DD6}"/>
+              </a:ext>
+            </a:extLst>
+          </p:cNvPr>
+          <p:cNvSpPr>
+            <a:spLocks noGrp="1"/>
+          </p:cNvSpPr>
+          <p:nvPr>
+            <p:ph idx="1"/>
+          </p:nvPr>
+        </p:nvSpPr>
+        <p:spPr/>
+        <p:txBody>
+          <a:bodyPr/>
+          <a:lstStyle/>
+          <a:p>
+            <a:pPr marL="0" indent="0">
+              <a:buNone/>
+            </a:pPr>
+            <a:r>
+              <a:rPr lang="en-US" dirty="0"/>
+              <a:t>#Set Session</a:t>
+            </a:r>
+            <a:br>
+              <a:rPr lang="en-US" dirty="0"/>
+            </a:br>
+            <a:r>
+              <a:rPr lang="en-US" dirty="0" err="1"/>
+              <a:t>request.session</a:t>
+            </a:r>
+            <a:r>
+              <a:rPr lang="en-US" dirty="0"/>
+              <a:t>['username'] = “username”</a:t>
+            </a:r>
+          </a:p>
+          <a:p>
+            <a:pPr marL="0" indent="0">
+              <a:buNone/>
+            </a:pPr>
+            <a:endParaRPr lang="en-US" dirty="0"/>
+          </a:p>
+          <a:p>
+            <a:pPr marL="0" indent="0">
+              <a:buNone/>
+            </a:pPr>
+            <a:r>
+              <a:rPr lang="en-US" dirty="0"/>
+              <a:t>#Get Session</a:t>
+            </a:r>
+          </a:p>
+          <a:p>
+            <a:pPr marL="0" indent="0">
+              <a:buNone/>
+            </a:pPr>
+            <a:r>
+              <a:rPr lang="en-US" dirty="0"/>
+              <a:t>if </a:t>
+            </a:r>
+            <a:r>
+              <a:rPr lang="en-US" dirty="0" err="1"/>
+              <a:t>request.session.has_key</a:t>
+            </a:r>
+            <a:r>
+              <a:rPr lang="en-US" dirty="0"/>
+              <a:t>('username'):</a:t>
+            </a:r>
+          </a:p>
+          <a:p>
+            <a:pPr marL="0" indent="0">
+              <a:buNone/>
+            </a:pPr>
+            <a:r>
+              <a:rPr lang="en-US" dirty="0"/>
+              <a:t>      username = </a:t>
+            </a:r>
+            <a:r>
+              <a:rPr lang="en-US" dirty="0" err="1"/>
+              <a:t>request.session</a:t>
+            </a:r>
+            <a:r>
+              <a:rPr lang="en-US" dirty="0"/>
+              <a:t>['username']</a:t>
+            </a:r>
+          </a:p>
+        </p:txBody>
+      </p:sp>
+    </p:spTree>
+    <p:extLst>
+      <p:ext uri="{BB962C8B-B14F-4D97-AF65-F5344CB8AC3E}">
+        <p14:creationId xmlns:p14="http://schemas.microsoft.com/office/powerpoint/2010/main" val="801859236"/>
+      </p:ext>
+    </p:extLst>
+  </p:cSld>
+  <p:clrMapOvr>
+    <a:masterClrMapping/>
+  </p:clrMapOvr>
+</p:sld>
+</file>
+
+<file path=ppt/slides/slide25.xml><?xml version="1.0" encoding="utf-8"?>
+<p:sld xmlns:a="http://schemas.openxmlformats.org/drawingml/2006/main" xmlns:r="http://schemas.openxmlformats.org/officeDocument/2006/relationships" xmlns:p="http://schemas.openxmlformats.org/presentationml/2006/main">
+  <p:cSld>
+    <p:spTree>
+      <p:nvGrpSpPr>
+        <p:cNvPr id="1" name=""/>
+        <p:cNvGrpSpPr/>
+        <p:nvPr/>
+      </p:nvGrpSpPr>
+      <p:grpSpPr>
+        <a:xfrm>
+          <a:off x="0" y="0"/>
+          <a:ext cx="0" cy="0"/>
+          <a:chOff x="0" y="0"/>
+          <a:chExt cx="0" cy="0"/>
+        </a:xfrm>
+      </p:grpSpPr>
+      <p:sp>
+        <p:nvSpPr>
+          <p:cNvPr id="2" name="Title 1">
+            <a:extLst>
+              <a:ext uri="{FF2B5EF4-FFF2-40B4-BE49-F238E27FC236}">
                 <a16:creationId xmlns:a16="http://schemas.microsoft.com/office/drawing/2014/main" id="{A95C25CA-EB1D-4EB4-81C7-A1B0B0223CD7}"/>
               </a:ext>
             </a:extLst>
@@ -6418,7 +7317,7 @@
 </p:sld>
 </file>
 
-<file path=ppt/slides/slide23.xml><?xml version="1.0" encoding="utf-8"?>
+<file path=ppt/slides/slide26.xml><?xml version="1.0" encoding="utf-8"?>
 <p:sld xmlns:a="http://schemas.openxmlformats.org/drawingml/2006/main" xmlns:r="http://schemas.openxmlformats.org/officeDocument/2006/relationships" xmlns:p="http://schemas.openxmlformats.org/presentationml/2006/main">
   <p:cSld>
     <p:spTree>
@@ -6528,7 +7427,7 @@
 </p:sld>
 </file>
 
-<file path=ppt/slides/slide24.xml><?xml version="1.0" encoding="utf-8"?>
+<file path=ppt/slides/slide27.xml><?xml version="1.0" encoding="utf-8"?>
 <p:sld xmlns:a="http://schemas.openxmlformats.org/drawingml/2006/main" xmlns:r="http://schemas.openxmlformats.org/officeDocument/2006/relationships" xmlns:p="http://schemas.openxmlformats.org/presentationml/2006/main">
   <p:cSld>
     <p:spTree>
@@ -6633,7 +7532,7 @@
 </p:sld>
 </file>
 
-<file path=ppt/slides/slide25.xml><?xml version="1.0" encoding="utf-8"?>
+<file path=ppt/slides/slide28.xml><?xml version="1.0" encoding="utf-8"?>
 <p:sld xmlns:a="http://schemas.openxmlformats.org/drawingml/2006/main" xmlns:r="http://schemas.openxmlformats.org/officeDocument/2006/relationships" xmlns:p="http://schemas.openxmlformats.org/presentationml/2006/main">
   <p:cSld>
     <p:spTree>
@@ -6721,7 +7620,7 @@
 </p:sld>
 </file>
 
-<file path=ppt/slides/slide26.xml><?xml version="1.0" encoding="utf-8"?>
+<file path=ppt/slides/slide29.xml><?xml version="1.0" encoding="utf-8"?>
 <p:sld xmlns:a="http://schemas.openxmlformats.org/drawingml/2006/main" xmlns:r="http://schemas.openxmlformats.org/officeDocument/2006/relationships" xmlns:p="http://schemas.openxmlformats.org/presentationml/2006/main">
   <p:cSld>
     <p:spTree>
@@ -6918,7 +7817,355 @@
 </p:sld>
 </file>
 
-<file path=ppt/slides/slide27.xml><?xml version="1.0" encoding="utf-8"?>
+<file path=ppt/slides/slide3.xml><?xml version="1.0" encoding="utf-8"?>
+<p:sld xmlns:a="http://schemas.openxmlformats.org/drawingml/2006/main" xmlns:r="http://schemas.openxmlformats.org/officeDocument/2006/relationships" xmlns:p="http://schemas.openxmlformats.org/presentationml/2006/main">
+  <p:cSld>
+    <p:spTree>
+      <p:nvGrpSpPr>
+        <p:cNvPr id="1" name=""/>
+        <p:cNvGrpSpPr/>
+        <p:nvPr/>
+      </p:nvGrpSpPr>
+      <p:grpSpPr>
+        <a:xfrm>
+          <a:off x="0" y="0"/>
+          <a:ext cx="0" cy="0"/>
+          <a:chOff x="0" y="0"/>
+          <a:chExt cx="0" cy="0"/>
+        </a:xfrm>
+      </p:grpSpPr>
+      <p:sp>
+        <p:nvSpPr>
+          <p:cNvPr id="2" name="Title 1">
+            <a:extLst>
+              <a:ext uri="{FF2B5EF4-FFF2-40B4-BE49-F238E27FC236}">
+                <a16:creationId xmlns:a16="http://schemas.microsoft.com/office/drawing/2014/main" id="{7469BEB3-542B-4FD1-82F2-4B54557DC354}"/>
+              </a:ext>
+            </a:extLst>
+          </p:cNvPr>
+          <p:cNvSpPr>
+            <a:spLocks noGrp="1"/>
+          </p:cNvSpPr>
+          <p:nvPr>
+            <p:ph type="title"/>
+          </p:nvPr>
+        </p:nvSpPr>
+        <p:spPr/>
+        <p:txBody>
+          <a:bodyPr/>
+          <a:lstStyle/>
+          <a:p>
+            <a:r>
+              <a:rPr lang="en-US" dirty="0">
+                <a:latin typeface="Arial Black" panose="020B0A04020102020204" pitchFamily="34" charset="0"/>
+              </a:rPr>
+              <a:t>Prepare machine for Django</a:t>
+            </a:r>
+          </a:p>
+        </p:txBody>
+      </p:sp>
+      <p:sp>
+        <p:nvSpPr>
+          <p:cNvPr id="3" name="Content Placeholder 2">
+            <a:extLst>
+              <a:ext uri="{FF2B5EF4-FFF2-40B4-BE49-F238E27FC236}">
+                <a16:creationId xmlns:a16="http://schemas.microsoft.com/office/drawing/2014/main" id="{2E4118BA-AAF0-4788-8672-CF85547E1BF9}"/>
+              </a:ext>
+            </a:extLst>
+          </p:cNvPr>
+          <p:cNvSpPr>
+            <a:spLocks noGrp="1"/>
+          </p:cNvSpPr>
+          <p:nvPr>
+            <p:ph idx="1"/>
+          </p:nvPr>
+        </p:nvSpPr>
+        <p:spPr>
+          <a:xfrm>
+            <a:off x="838200" y="1623704"/>
+            <a:ext cx="10515600" cy="5074807"/>
+          </a:xfrm>
+        </p:spPr>
+        <p:txBody>
+          <a:bodyPr>
+            <a:normAutofit fontScale="47500" lnSpcReduction="20000"/>
+          </a:bodyPr>
+          <a:lstStyle/>
+          <a:p>
+            <a:pPr marL="0" indent="0">
+              <a:buNone/>
+            </a:pPr>
+            <a:r>
+              <a:rPr lang="en-US" dirty="0"/>
+              <a:t>to setup your machine to run </a:t>
+            </a:r>
+            <a:r>
+              <a:rPr lang="en-US" dirty="0" err="1"/>
+              <a:t>django</a:t>
+            </a:r>
+            <a:endParaRPr lang="en-US" dirty="0"/>
+          </a:p>
+          <a:p>
+            <a:pPr marL="0" indent="0">
+              <a:buNone/>
+            </a:pPr>
+            <a:r>
+              <a:rPr lang="en-US" dirty="0"/>
+              <a:t>1) set latest python 3.7 with Pip support (Django 2.xx needs Python version &gt; 3.4)</a:t>
+            </a:r>
+          </a:p>
+          <a:p>
+            <a:pPr marL="0" indent="0">
+              <a:buNone/>
+            </a:pPr>
+            <a:r>
+              <a:rPr lang="en-US" dirty="0"/>
+              <a:t>2) Install </a:t>
+            </a:r>
+            <a:r>
+              <a:rPr lang="en-US" dirty="0" err="1"/>
+              <a:t>Pipenv</a:t>
+            </a:r>
+            <a:endParaRPr lang="en-US" dirty="0"/>
+          </a:p>
+          <a:p>
+            <a:pPr marL="0" indent="0">
+              <a:buNone/>
+            </a:pPr>
+            <a:r>
+              <a:rPr lang="en-US" b="1" dirty="0"/>
+              <a:t>         </a:t>
+            </a:r>
+            <a:r>
+              <a:rPr lang="en-US" b="1" dirty="0">
+                <a:highlight>
+                  <a:srgbClr val="FFFF00"/>
+                </a:highlight>
+              </a:rPr>
+              <a:t>  pip install </a:t>
+            </a:r>
+            <a:r>
+              <a:rPr lang="en-US" b="1" dirty="0" err="1">
+                <a:highlight>
+                  <a:srgbClr val="FFFF00"/>
+                </a:highlight>
+              </a:rPr>
+              <a:t>pipenv</a:t>
+            </a:r>
+            <a:r>
+              <a:rPr lang="en-US" b="1" dirty="0">
+                <a:highlight>
+                  <a:srgbClr val="FFFF00"/>
+                </a:highlight>
+              </a:rPr>
+              <a:t>   </a:t>
+            </a:r>
+          </a:p>
+          <a:p>
+            <a:pPr marL="0" indent="0">
+              <a:buNone/>
+            </a:pPr>
+            <a:endParaRPr lang="en-US" dirty="0"/>
+          </a:p>
+          <a:p>
+            <a:pPr marL="0" indent="0">
+              <a:buNone/>
+            </a:pPr>
+            <a:endParaRPr lang="en-US" dirty="0"/>
+          </a:p>
+          <a:p>
+            <a:pPr marL="0" indent="0">
+              <a:buNone/>
+            </a:pPr>
+            <a:endParaRPr lang="en-US" dirty="0"/>
+          </a:p>
+          <a:p>
+            <a:pPr marL="0" indent="0">
+              <a:buNone/>
+            </a:pPr>
+            <a:endParaRPr lang="en-US" dirty="0"/>
+          </a:p>
+          <a:p>
+            <a:pPr marL="0" indent="0">
+              <a:buNone/>
+            </a:pPr>
+            <a:endParaRPr lang="en-US" dirty="0"/>
+          </a:p>
+          <a:p>
+            <a:pPr marL="0" indent="0">
+              <a:buNone/>
+            </a:pPr>
+            <a:r>
+              <a:rPr lang="en-US" b="1" dirty="0"/>
+              <a:t>Notes:</a:t>
+            </a:r>
+          </a:p>
+          <a:p>
+            <a:pPr marL="0" indent="0">
+              <a:buNone/>
+            </a:pPr>
+            <a:r>
+              <a:rPr lang="en-US" b="1" dirty="0" err="1"/>
+              <a:t>Pipenv</a:t>
+            </a:r>
+            <a:r>
+              <a:rPr lang="en-US" b="1" dirty="0"/>
+              <a:t> used to install python packages:</a:t>
+            </a:r>
+          </a:p>
+          <a:p>
+            <a:pPr marL="0" indent="0">
+              <a:buNone/>
+            </a:pPr>
+            <a:r>
+              <a:rPr lang="en-US" dirty="0"/>
+              <a:t>$ </a:t>
+            </a:r>
+            <a:r>
+              <a:rPr lang="en-US" dirty="0" err="1"/>
+              <a:t>pipenv</a:t>
+            </a:r>
+            <a:r>
+              <a:rPr lang="en-US" dirty="0"/>
+              <a:t> install [package names]</a:t>
+            </a:r>
+          </a:p>
+          <a:p>
+            <a:pPr marL="0" indent="0">
+              <a:buNone/>
+            </a:pPr>
+            <a:r>
+              <a:rPr lang="en-US" u="sng" dirty="0"/>
+              <a:t>The user can provide these additional parameters:</a:t>
+            </a:r>
+          </a:p>
+          <a:p>
+            <a:pPr marL="0" indent="0">
+              <a:buNone/>
+            </a:pPr>
+            <a:r>
+              <a:rPr lang="en-US" dirty="0"/>
+              <a:t>--two — Performs the installation in a </a:t>
+            </a:r>
+            <a:r>
+              <a:rPr lang="en-US" dirty="0" err="1"/>
+              <a:t>virtualenv</a:t>
+            </a:r>
+            <a:r>
+              <a:rPr lang="en-US" dirty="0"/>
+              <a:t> using the system python2 link.</a:t>
+            </a:r>
+          </a:p>
+          <a:p>
+            <a:pPr marL="0" indent="0">
+              <a:buNone/>
+            </a:pPr>
+            <a:r>
+              <a:rPr lang="en-US" dirty="0"/>
+              <a:t>--three — Performs the installation in a </a:t>
+            </a:r>
+            <a:r>
+              <a:rPr lang="en-US" dirty="0" err="1"/>
+              <a:t>virtualenv</a:t>
+            </a:r>
+            <a:r>
+              <a:rPr lang="en-US" dirty="0"/>
+              <a:t> using the system python3 link.</a:t>
+            </a:r>
+          </a:p>
+          <a:p>
+            <a:pPr marL="0" indent="0">
+              <a:buNone/>
+            </a:pPr>
+            <a:r>
+              <a:rPr lang="en-US" dirty="0"/>
+              <a:t>--python — Performs the installation in a specific Python version, </a:t>
+            </a:r>
+            <a:r>
+              <a:rPr lang="en-US" dirty="0" err="1"/>
+              <a:t>ie</a:t>
+            </a:r>
+            <a:r>
+              <a:rPr lang="en-US" dirty="0"/>
+              <a:t>, </a:t>
+            </a:r>
+            <a:r>
+              <a:rPr lang="en-US" dirty="0" err="1"/>
+              <a:t>pipenv</a:t>
+            </a:r>
+            <a:r>
+              <a:rPr lang="en-US" dirty="0"/>
+              <a:t> --python 3.6</a:t>
+            </a:r>
+          </a:p>
+          <a:p>
+            <a:pPr marL="0" indent="0">
+              <a:buNone/>
+            </a:pPr>
+            <a:endParaRPr lang="en-US" dirty="0"/>
+          </a:p>
+          <a:p>
+            <a:pPr marL="0" indent="0">
+              <a:buNone/>
+            </a:pPr>
+            <a:r>
+              <a:rPr lang="en-US" dirty="0"/>
+              <a:t>(for more information about </a:t>
+            </a:r>
+            <a:r>
+              <a:rPr lang="en-US" dirty="0" err="1"/>
+              <a:t>pipenv</a:t>
+            </a:r>
+            <a:r>
+              <a:rPr lang="en-US" dirty="0"/>
+              <a:t> check https://realpython.com/pipenv-guide/)</a:t>
+            </a:r>
+          </a:p>
+        </p:txBody>
+      </p:sp>
+      <p:pic>
+        <p:nvPicPr>
+          <p:cNvPr id="4" name="Picture 3">
+            <a:extLst>
+              <a:ext uri="{FF2B5EF4-FFF2-40B4-BE49-F238E27FC236}">
+                <a16:creationId xmlns:a16="http://schemas.microsoft.com/office/drawing/2014/main" id="{0240E0B9-A3E3-4EED-AEFD-1C00D157BBDC}"/>
+              </a:ext>
+            </a:extLst>
+          </p:cNvPr>
+          <p:cNvPicPr>
+            <a:picLocks noChangeAspect="1"/>
+          </p:cNvPicPr>
+          <p:nvPr/>
+        </p:nvPicPr>
+        <p:blipFill rotWithShape="1">
+          <a:blip r:embed="rId2"/>
+          <a:srcRect r="41766"/>
+          <a:stretch/>
+        </p:blipFill>
+        <p:spPr>
+          <a:xfrm>
+            <a:off x="6761725" y="2266286"/>
+            <a:ext cx="5430275" cy="2495550"/>
+          </a:xfrm>
+          <a:prstGeom prst="rect">
+            <a:avLst/>
+          </a:prstGeom>
+        </p:spPr>
+      </p:pic>
+    </p:spTree>
+    <p:extLst>
+      <p:ext uri="{BB962C8B-B14F-4D97-AF65-F5344CB8AC3E}">
+        <p14:creationId xmlns:p14="http://schemas.microsoft.com/office/powerpoint/2010/main" val="2027999821"/>
+      </p:ext>
+    </p:extLst>
+  </p:cSld>
+  <p:clrMapOvr>
+    <a:masterClrMapping/>
+  </p:clrMapOvr>
+</p:sld>
+</file>
+
+<file path=ppt/slides/slide30.xml><?xml version="1.0" encoding="utf-8"?>
 <p:sld xmlns:a="http://schemas.openxmlformats.org/drawingml/2006/main" xmlns:r="http://schemas.openxmlformats.org/officeDocument/2006/relationships" xmlns:p="http://schemas.openxmlformats.org/presentationml/2006/main">
   <p:cSld>
     <p:spTree>
@@ -7086,7 +8333,7 @@
 </p:sld>
 </file>
 
-<file path=ppt/slides/slide28.xml><?xml version="1.0" encoding="utf-8"?>
+<file path=ppt/slides/slide31.xml><?xml version="1.0" encoding="utf-8"?>
 <p:sld xmlns:a="http://schemas.openxmlformats.org/drawingml/2006/main" xmlns:r="http://schemas.openxmlformats.org/officeDocument/2006/relationships" xmlns:p="http://schemas.openxmlformats.org/presentationml/2006/main">
   <p:cSld>
     <p:spTree>
@@ -7320,7 +8567,7 @@
 </p:sld>
 </file>
 
-<file path=ppt/slides/slide29.xml><?xml version="1.0" encoding="utf-8"?>
+<file path=ppt/slides/slide32.xml><?xml version="1.0" encoding="utf-8"?>
 <p:sld xmlns:a="http://schemas.openxmlformats.org/drawingml/2006/main" xmlns:r="http://schemas.openxmlformats.org/officeDocument/2006/relationships" xmlns:p="http://schemas.openxmlformats.org/presentationml/2006/main">
   <p:cSld>
     <p:spTree>
@@ -7489,7 +8736,7 @@
 </p:sld>
 </file>
 
-<file path=ppt/slides/slide3.xml><?xml version="1.0" encoding="utf-8"?>
+<file path=ppt/slides/slide33.xml><?xml version="1.0" encoding="utf-8"?>
 <p:sld xmlns:a="http://schemas.openxmlformats.org/drawingml/2006/main" xmlns:r="http://schemas.openxmlformats.org/officeDocument/2006/relationships" xmlns:p="http://schemas.openxmlformats.org/presentationml/2006/main">
   <p:cSld>
     <p:spTree>
@@ -7511,354 +8758,6 @@
           <p:cNvPr id="2" name="Title 1">
             <a:extLst>
               <a:ext uri="{FF2B5EF4-FFF2-40B4-BE49-F238E27FC236}">
-                <a16:creationId xmlns:a16="http://schemas.microsoft.com/office/drawing/2014/main" id="{7469BEB3-542B-4FD1-82F2-4B54557DC354}"/>
-              </a:ext>
-            </a:extLst>
-          </p:cNvPr>
-          <p:cNvSpPr>
-            <a:spLocks noGrp="1"/>
-          </p:cNvSpPr>
-          <p:nvPr>
-            <p:ph type="title"/>
-          </p:nvPr>
-        </p:nvSpPr>
-        <p:spPr/>
-        <p:txBody>
-          <a:bodyPr/>
-          <a:lstStyle/>
-          <a:p>
-            <a:r>
-              <a:rPr lang="en-US" dirty="0">
-                <a:latin typeface="Arial Black" panose="020B0A04020102020204" pitchFamily="34" charset="0"/>
-              </a:rPr>
-              <a:t>Prepare machine for Django</a:t>
-            </a:r>
-          </a:p>
-        </p:txBody>
-      </p:sp>
-      <p:sp>
-        <p:nvSpPr>
-          <p:cNvPr id="3" name="Content Placeholder 2">
-            <a:extLst>
-              <a:ext uri="{FF2B5EF4-FFF2-40B4-BE49-F238E27FC236}">
-                <a16:creationId xmlns:a16="http://schemas.microsoft.com/office/drawing/2014/main" id="{2E4118BA-AAF0-4788-8672-CF85547E1BF9}"/>
-              </a:ext>
-            </a:extLst>
-          </p:cNvPr>
-          <p:cNvSpPr>
-            <a:spLocks noGrp="1"/>
-          </p:cNvSpPr>
-          <p:nvPr>
-            <p:ph idx="1"/>
-          </p:nvPr>
-        </p:nvSpPr>
-        <p:spPr>
-          <a:xfrm>
-            <a:off x="838200" y="1623704"/>
-            <a:ext cx="10515600" cy="5074807"/>
-          </a:xfrm>
-        </p:spPr>
-        <p:txBody>
-          <a:bodyPr>
-            <a:normAutofit fontScale="47500" lnSpcReduction="20000"/>
-          </a:bodyPr>
-          <a:lstStyle/>
-          <a:p>
-            <a:pPr marL="0" indent="0">
-              <a:buNone/>
-            </a:pPr>
-            <a:r>
-              <a:rPr lang="en-US" dirty="0"/>
-              <a:t>to setup your machine to run </a:t>
-            </a:r>
-            <a:r>
-              <a:rPr lang="en-US" dirty="0" err="1"/>
-              <a:t>django</a:t>
-            </a:r>
-            <a:endParaRPr lang="en-US" dirty="0"/>
-          </a:p>
-          <a:p>
-            <a:pPr marL="0" indent="0">
-              <a:buNone/>
-            </a:pPr>
-            <a:r>
-              <a:rPr lang="en-US" dirty="0"/>
-              <a:t>1) set latest python 3.7 with Pip support (Django 2.xx needs Python version &gt; 3.4)</a:t>
-            </a:r>
-          </a:p>
-          <a:p>
-            <a:pPr marL="0" indent="0">
-              <a:buNone/>
-            </a:pPr>
-            <a:r>
-              <a:rPr lang="en-US" dirty="0"/>
-              <a:t>2) Install </a:t>
-            </a:r>
-            <a:r>
-              <a:rPr lang="en-US" dirty="0" err="1"/>
-              <a:t>Pipenv</a:t>
-            </a:r>
-            <a:endParaRPr lang="en-US" dirty="0"/>
-          </a:p>
-          <a:p>
-            <a:pPr marL="0" indent="0">
-              <a:buNone/>
-            </a:pPr>
-            <a:r>
-              <a:rPr lang="en-US" b="1" dirty="0"/>
-              <a:t>         </a:t>
-            </a:r>
-            <a:r>
-              <a:rPr lang="en-US" b="1" dirty="0">
-                <a:highlight>
-                  <a:srgbClr val="FFFF00"/>
-                </a:highlight>
-              </a:rPr>
-              <a:t>  pip install </a:t>
-            </a:r>
-            <a:r>
-              <a:rPr lang="en-US" b="1" dirty="0" err="1">
-                <a:highlight>
-                  <a:srgbClr val="FFFF00"/>
-                </a:highlight>
-              </a:rPr>
-              <a:t>pipenv</a:t>
-            </a:r>
-            <a:r>
-              <a:rPr lang="en-US" b="1" dirty="0">
-                <a:highlight>
-                  <a:srgbClr val="FFFF00"/>
-                </a:highlight>
-              </a:rPr>
-              <a:t>   </a:t>
-            </a:r>
-          </a:p>
-          <a:p>
-            <a:pPr marL="0" indent="0">
-              <a:buNone/>
-            </a:pPr>
-            <a:endParaRPr lang="en-US" dirty="0"/>
-          </a:p>
-          <a:p>
-            <a:pPr marL="0" indent="0">
-              <a:buNone/>
-            </a:pPr>
-            <a:endParaRPr lang="en-US" dirty="0"/>
-          </a:p>
-          <a:p>
-            <a:pPr marL="0" indent="0">
-              <a:buNone/>
-            </a:pPr>
-            <a:endParaRPr lang="en-US" dirty="0"/>
-          </a:p>
-          <a:p>
-            <a:pPr marL="0" indent="0">
-              <a:buNone/>
-            </a:pPr>
-            <a:endParaRPr lang="en-US" dirty="0"/>
-          </a:p>
-          <a:p>
-            <a:pPr marL="0" indent="0">
-              <a:buNone/>
-            </a:pPr>
-            <a:endParaRPr lang="en-US" dirty="0"/>
-          </a:p>
-          <a:p>
-            <a:pPr marL="0" indent="0">
-              <a:buNone/>
-            </a:pPr>
-            <a:r>
-              <a:rPr lang="en-US" b="1" dirty="0"/>
-              <a:t>Notes:</a:t>
-            </a:r>
-          </a:p>
-          <a:p>
-            <a:pPr marL="0" indent="0">
-              <a:buNone/>
-            </a:pPr>
-            <a:r>
-              <a:rPr lang="en-US" b="1" dirty="0" err="1"/>
-              <a:t>Pipenv</a:t>
-            </a:r>
-            <a:r>
-              <a:rPr lang="en-US" b="1" dirty="0"/>
-              <a:t> used to install python packages:</a:t>
-            </a:r>
-          </a:p>
-          <a:p>
-            <a:pPr marL="0" indent="0">
-              <a:buNone/>
-            </a:pPr>
-            <a:r>
-              <a:rPr lang="en-US" dirty="0"/>
-              <a:t>$ </a:t>
-            </a:r>
-            <a:r>
-              <a:rPr lang="en-US" dirty="0" err="1"/>
-              <a:t>pipenv</a:t>
-            </a:r>
-            <a:r>
-              <a:rPr lang="en-US" dirty="0"/>
-              <a:t> install [package names]</a:t>
-            </a:r>
-          </a:p>
-          <a:p>
-            <a:pPr marL="0" indent="0">
-              <a:buNone/>
-            </a:pPr>
-            <a:r>
-              <a:rPr lang="en-US" u="sng" dirty="0"/>
-              <a:t>The user can provide these additional parameters:</a:t>
-            </a:r>
-          </a:p>
-          <a:p>
-            <a:pPr marL="0" indent="0">
-              <a:buNone/>
-            </a:pPr>
-            <a:r>
-              <a:rPr lang="en-US" dirty="0"/>
-              <a:t>--two — Performs the installation in a </a:t>
-            </a:r>
-            <a:r>
-              <a:rPr lang="en-US" dirty="0" err="1"/>
-              <a:t>virtualenv</a:t>
-            </a:r>
-            <a:r>
-              <a:rPr lang="en-US" dirty="0"/>
-              <a:t> using the system python2 link.</a:t>
-            </a:r>
-          </a:p>
-          <a:p>
-            <a:pPr marL="0" indent="0">
-              <a:buNone/>
-            </a:pPr>
-            <a:r>
-              <a:rPr lang="en-US" dirty="0"/>
-              <a:t>--three — Performs the installation in a </a:t>
-            </a:r>
-            <a:r>
-              <a:rPr lang="en-US" dirty="0" err="1"/>
-              <a:t>virtualenv</a:t>
-            </a:r>
-            <a:r>
-              <a:rPr lang="en-US" dirty="0"/>
-              <a:t> using the system python3 link.</a:t>
-            </a:r>
-          </a:p>
-          <a:p>
-            <a:pPr marL="0" indent="0">
-              <a:buNone/>
-            </a:pPr>
-            <a:r>
-              <a:rPr lang="en-US" dirty="0"/>
-              <a:t>--python — Performs the installation in a specific Python version, </a:t>
-            </a:r>
-            <a:r>
-              <a:rPr lang="en-US" dirty="0" err="1"/>
-              <a:t>ie</a:t>
-            </a:r>
-            <a:r>
-              <a:rPr lang="en-US" dirty="0"/>
-              <a:t>, </a:t>
-            </a:r>
-            <a:r>
-              <a:rPr lang="en-US" dirty="0" err="1"/>
-              <a:t>pipenv</a:t>
-            </a:r>
-            <a:r>
-              <a:rPr lang="en-US" dirty="0"/>
-              <a:t> --python 3.6</a:t>
-            </a:r>
-          </a:p>
-          <a:p>
-            <a:pPr marL="0" indent="0">
-              <a:buNone/>
-            </a:pPr>
-            <a:endParaRPr lang="en-US" dirty="0"/>
-          </a:p>
-          <a:p>
-            <a:pPr marL="0" indent="0">
-              <a:buNone/>
-            </a:pPr>
-            <a:r>
-              <a:rPr lang="en-US" dirty="0"/>
-              <a:t>(for more information about </a:t>
-            </a:r>
-            <a:r>
-              <a:rPr lang="en-US" dirty="0" err="1"/>
-              <a:t>pipenv</a:t>
-            </a:r>
-            <a:r>
-              <a:rPr lang="en-US" dirty="0"/>
-              <a:t> check https://realpython.com/pipenv-guide/)</a:t>
-            </a:r>
-          </a:p>
-        </p:txBody>
-      </p:sp>
-      <p:pic>
-        <p:nvPicPr>
-          <p:cNvPr id="4" name="Picture 3">
-            <a:extLst>
-              <a:ext uri="{FF2B5EF4-FFF2-40B4-BE49-F238E27FC236}">
-                <a16:creationId xmlns:a16="http://schemas.microsoft.com/office/drawing/2014/main" id="{0240E0B9-A3E3-4EED-AEFD-1C00D157BBDC}"/>
-              </a:ext>
-            </a:extLst>
-          </p:cNvPr>
-          <p:cNvPicPr>
-            <a:picLocks noChangeAspect="1"/>
-          </p:cNvPicPr>
-          <p:nvPr/>
-        </p:nvPicPr>
-        <p:blipFill rotWithShape="1">
-          <a:blip r:embed="rId2"/>
-          <a:srcRect r="41766"/>
-          <a:stretch/>
-        </p:blipFill>
-        <p:spPr>
-          <a:xfrm>
-            <a:off x="6761725" y="2266286"/>
-            <a:ext cx="5430275" cy="2495550"/>
-          </a:xfrm>
-          <a:prstGeom prst="rect">
-            <a:avLst/>
-          </a:prstGeom>
-        </p:spPr>
-      </p:pic>
-    </p:spTree>
-    <p:extLst>
-      <p:ext uri="{BB962C8B-B14F-4D97-AF65-F5344CB8AC3E}">
-        <p14:creationId xmlns:p14="http://schemas.microsoft.com/office/powerpoint/2010/main" val="2027999821"/>
-      </p:ext>
-    </p:extLst>
-  </p:cSld>
-  <p:clrMapOvr>
-    <a:masterClrMapping/>
-  </p:clrMapOvr>
-</p:sld>
-</file>
-
-<file path=ppt/slides/slide30.xml><?xml version="1.0" encoding="utf-8"?>
-<p:sld xmlns:a="http://schemas.openxmlformats.org/drawingml/2006/main" xmlns:r="http://schemas.openxmlformats.org/officeDocument/2006/relationships" xmlns:p="http://schemas.openxmlformats.org/presentationml/2006/main">
-  <p:cSld>
-    <p:spTree>
-      <p:nvGrpSpPr>
-        <p:cNvPr id="1" name=""/>
-        <p:cNvGrpSpPr/>
-        <p:nvPr/>
-      </p:nvGrpSpPr>
-      <p:grpSpPr>
-        <a:xfrm>
-          <a:off x="0" y="0"/>
-          <a:ext cx="0" cy="0"/>
-          <a:chOff x="0" y="0"/>
-          <a:chExt cx="0" cy="0"/>
-        </a:xfrm>
-      </p:grpSpPr>
-      <p:sp>
-        <p:nvSpPr>
-          <p:cNvPr id="2" name="Title 1">
-            <a:extLst>
-              <a:ext uri="{FF2B5EF4-FFF2-40B4-BE49-F238E27FC236}">
                 <a16:creationId xmlns:a16="http://schemas.microsoft.com/office/drawing/2014/main" id="{D1051966-1982-4923-A54E-32C9CA5AE7A6}"/>
               </a:ext>
             </a:extLst>
@@ -8036,7 +8935,7 @@
 </p:sld>
 </file>
 
-<file path=ppt/slides/slide31.xml><?xml version="1.0" encoding="utf-8"?>
+<file path=ppt/slides/slide34.xml><?xml version="1.0" encoding="utf-8"?>
 <p:sld xmlns:a="http://schemas.openxmlformats.org/drawingml/2006/main" xmlns:r="http://schemas.openxmlformats.org/officeDocument/2006/relationships" xmlns:p="http://schemas.openxmlformats.org/presentationml/2006/main">
   <p:cSld>
     <p:spTree>
@@ -8224,7 +9123,7 @@
 </p:sld>
 </file>
 
-<file path=ppt/slides/slide32.xml><?xml version="1.0" encoding="utf-8"?>
+<file path=ppt/slides/slide35.xml><?xml version="1.0" encoding="utf-8"?>
 <p:sld xmlns:a="http://schemas.openxmlformats.org/drawingml/2006/main" xmlns:r="http://schemas.openxmlformats.org/officeDocument/2006/relationships" xmlns:p="http://schemas.openxmlformats.org/presentationml/2006/main">
   <p:cSld>
     <p:spTree>
@@ -8503,7 +9402,7 @@
 </p:sld>
 </file>
 
-<file path=ppt/slides/slide33.xml><?xml version="1.0" encoding="utf-8"?>
+<file path=ppt/slides/slide36.xml><?xml version="1.0" encoding="utf-8"?>
 <p:sld xmlns:a="http://schemas.openxmlformats.org/drawingml/2006/main" xmlns:r="http://schemas.openxmlformats.org/officeDocument/2006/relationships" xmlns:p="http://schemas.openxmlformats.org/presentationml/2006/main">
   <p:cSld>
     <p:spTree>
@@ -8591,7 +9490,7 @@
 </p:sld>
 </file>
 
-<file path=ppt/slides/slide34.xml><?xml version="1.0" encoding="utf-8"?>
+<file path=ppt/slides/slide37.xml><?xml version="1.0" encoding="utf-8"?>
 <p:sld xmlns:a="http://schemas.openxmlformats.org/drawingml/2006/main" xmlns:r="http://schemas.openxmlformats.org/officeDocument/2006/relationships" xmlns:p="http://schemas.openxmlformats.org/presentationml/2006/main">
   <p:cSld>
     <p:spTree>
@@ -9245,1073 +10144,6 @@
 </p:sld>
 </file>
 
-<file path=ppt/slides/slide35.xml><?xml version="1.0" encoding="utf-8"?>
-<p:sld xmlns:a="http://schemas.openxmlformats.org/drawingml/2006/main" xmlns:r="http://schemas.openxmlformats.org/officeDocument/2006/relationships" xmlns:p="http://schemas.openxmlformats.org/presentationml/2006/main">
-  <p:cSld>
-    <p:spTree>
-      <p:nvGrpSpPr>
-        <p:cNvPr id="1" name=""/>
-        <p:cNvGrpSpPr/>
-        <p:nvPr/>
-      </p:nvGrpSpPr>
-      <p:grpSpPr>
-        <a:xfrm>
-          <a:off x="0" y="0"/>
-          <a:ext cx="0" cy="0"/>
-          <a:chOff x="0" y="0"/>
-          <a:chExt cx="0" cy="0"/>
-        </a:xfrm>
-      </p:grpSpPr>
-      <p:sp>
-        <p:nvSpPr>
-          <p:cNvPr id="2" name="Title 1">
-            <a:extLst>
-              <a:ext uri="{FF2B5EF4-FFF2-40B4-BE49-F238E27FC236}">
-                <a16:creationId xmlns:a16="http://schemas.microsoft.com/office/drawing/2014/main" id="{A87120D3-BEF3-4CBA-AA68-FF3F2A3F044B}"/>
-              </a:ext>
-            </a:extLst>
-          </p:cNvPr>
-          <p:cNvSpPr>
-            <a:spLocks noGrp="1"/>
-          </p:cNvSpPr>
-          <p:nvPr>
-            <p:ph type="title"/>
-          </p:nvPr>
-        </p:nvSpPr>
-        <p:spPr/>
-        <p:txBody>
-          <a:bodyPr/>
-          <a:lstStyle/>
-          <a:p>
-            <a:r>
-              <a:rPr lang="en-US" b="1" dirty="0">
-                <a:latin typeface="Arial Black" panose="020B0A04020102020204" pitchFamily="34" charset="0"/>
-              </a:rPr>
-              <a:t>Select From DB Table</a:t>
-            </a:r>
-          </a:p>
-        </p:txBody>
-      </p:sp>
-      <p:sp>
-        <p:nvSpPr>
-          <p:cNvPr id="3" name="Content Placeholder 2">
-            <a:extLst>
-              <a:ext uri="{FF2B5EF4-FFF2-40B4-BE49-F238E27FC236}">
-                <a16:creationId xmlns:a16="http://schemas.microsoft.com/office/drawing/2014/main" id="{54B5F7F4-85AE-4CCC-B404-884BD88B37C7}"/>
-              </a:ext>
-            </a:extLst>
-          </p:cNvPr>
-          <p:cNvSpPr>
-            <a:spLocks noGrp="1"/>
-          </p:cNvSpPr>
-          <p:nvPr>
-            <p:ph idx="1"/>
-          </p:nvPr>
-        </p:nvSpPr>
-        <p:spPr/>
-        <p:txBody>
-          <a:bodyPr>
-            <a:normAutofit fontScale="77500" lnSpcReduction="20000"/>
-          </a:bodyPr>
-          <a:lstStyle/>
-          <a:p>
-            <a:pPr marL="0" indent="0">
-              <a:buNone/>
-            </a:pPr>
-            <a:r>
-              <a:rPr lang="en-US" dirty="0">
-                <a:highlight>
-                  <a:srgbClr val="FFFF00"/>
-                </a:highlight>
-              </a:rPr>
-              <a:t>#Select All Records</a:t>
-            </a:r>
-          </a:p>
-          <a:p>
-            <a:pPr marL="0" indent="0">
-              <a:buNone/>
-            </a:pPr>
-            <a:r>
-              <a:rPr lang="en-US" dirty="0" err="1"/>
-              <a:t>RecordType</a:t>
-            </a:r>
-            <a:r>
-              <a:rPr lang="en-US" dirty="0"/>
-              <a:t>=</a:t>
-            </a:r>
-            <a:r>
-              <a:rPr lang="en-US" dirty="0" err="1"/>
-              <a:t>MarcRecordType.objects.all</a:t>
-            </a:r>
-            <a:r>
-              <a:rPr lang="en-US" dirty="0"/>
-              <a:t>()</a:t>
-            </a:r>
-          </a:p>
-          <a:p>
-            <a:pPr marL="0" indent="0">
-              <a:buNone/>
-            </a:pPr>
-            <a:br>
-              <a:rPr lang="en-US" dirty="0"/>
-            </a:br>
-            <a:r>
-              <a:rPr lang="en-US" dirty="0">
-                <a:highlight>
-                  <a:srgbClr val="FFFF00"/>
-                </a:highlight>
-              </a:rPr>
-              <a:t>#Select One Record  </a:t>
-            </a:r>
-          </a:p>
-          <a:p>
-            <a:pPr marL="0" indent="0">
-              <a:buNone/>
-            </a:pPr>
-            <a:r>
-              <a:rPr lang="en-US" dirty="0"/>
-              <a:t>bibliographies = </a:t>
-            </a:r>
-            <a:r>
-              <a:rPr lang="en-US" dirty="0" err="1"/>
-              <a:t>marc_bibliographies.objects.get</a:t>
-            </a:r>
-            <a:r>
-              <a:rPr lang="en-US" dirty="0"/>
-              <a:t>(pk=100)</a:t>
-            </a:r>
-          </a:p>
-          <a:p>
-            <a:pPr marL="0" indent="0">
-              <a:buNone/>
-            </a:pPr>
-            <a:br>
-              <a:rPr lang="en-US" dirty="0"/>
-            </a:br>
-            <a:r>
-              <a:rPr lang="en-US" dirty="0">
-                <a:highlight>
-                  <a:srgbClr val="FFFF00"/>
-                </a:highlight>
-              </a:rPr>
-              <a:t>#Select Record with condition</a:t>
-            </a:r>
-          </a:p>
-          <a:p>
-            <a:pPr marL="0" indent="0">
-              <a:buNone/>
-            </a:pPr>
-            <a:r>
-              <a:rPr lang="en-US" dirty="0"/>
-              <a:t>Marc = </a:t>
-            </a:r>
-            <a:r>
-              <a:rPr lang="en-US" dirty="0" err="1"/>
-              <a:t>RawMarc.objects.filter</a:t>
-            </a:r>
-            <a:r>
-              <a:rPr lang="en-US" dirty="0"/>
-              <a:t>(</a:t>
-            </a:r>
-            <a:r>
-              <a:rPr lang="en-US" dirty="0" err="1"/>
-              <a:t>BibID</a:t>
-            </a:r>
-            <a:r>
-              <a:rPr lang="en-US" dirty="0"/>
-              <a:t>=</a:t>
-            </a:r>
-            <a:r>
-              <a:rPr lang="en-US" dirty="0" err="1"/>
-              <a:t>BibID</a:t>
-            </a:r>
-            <a:r>
-              <a:rPr lang="en-US" dirty="0"/>
-              <a:t>).</a:t>
-            </a:r>
-            <a:r>
-              <a:rPr lang="en-US" dirty="0" err="1"/>
-              <a:t>order_by</a:t>
-            </a:r>
-            <a:r>
-              <a:rPr lang="en-US" dirty="0"/>
-              <a:t>('</a:t>
-            </a:r>
-            <a:r>
-              <a:rPr lang="en-US" dirty="0" err="1"/>
-              <a:t>Treeid</a:t>
-            </a:r>
-            <a:r>
-              <a:rPr lang="en-US" dirty="0"/>
-              <a:t>')   </a:t>
-            </a:r>
-          </a:p>
-          <a:p>
-            <a:pPr marL="0" indent="0">
-              <a:buNone/>
-            </a:pPr>
-            <a:r>
-              <a:rPr lang="en-US" dirty="0"/>
-              <a:t>if </a:t>
-            </a:r>
-            <a:r>
-              <a:rPr lang="en-US" dirty="0" err="1"/>
-              <a:t>Marc.count</a:t>
-            </a:r>
-            <a:r>
-              <a:rPr lang="en-US" dirty="0"/>
-              <a:t>()&lt;=0:</a:t>
-            </a:r>
-          </a:p>
-          <a:p>
-            <a:pPr marL="0" indent="0">
-              <a:buNone/>
-            </a:pPr>
-            <a:r>
-              <a:rPr lang="en-US" dirty="0"/>
-              <a:t>    print('No records')</a:t>
-            </a:r>
-          </a:p>
-          <a:p>
-            <a:pPr marL="0" indent="0">
-              <a:buNone/>
-            </a:pPr>
-            <a:br>
-              <a:rPr lang="en-US" dirty="0"/>
-            </a:br>
-            <a:r>
-              <a:rPr lang="en-US" dirty="0">
-                <a:highlight>
-                  <a:srgbClr val="FFFF00"/>
-                </a:highlight>
-              </a:rPr>
-              <a:t>#Select row using SQL</a:t>
-            </a:r>
-          </a:p>
-          <a:p>
-            <a:pPr marL="0" indent="0">
-              <a:buNone/>
-            </a:pPr>
-            <a:r>
-              <a:rPr lang="en-US" dirty="0"/>
-              <a:t>people = </a:t>
-            </a:r>
-            <a:r>
-              <a:rPr lang="en-US" dirty="0" err="1"/>
-              <a:t>Person.objects.raw</a:t>
-            </a:r>
-            <a:r>
-              <a:rPr lang="en-US" dirty="0"/>
-              <a:t>('SELECT id, </a:t>
-            </a:r>
-            <a:r>
-              <a:rPr lang="en-US" dirty="0" err="1"/>
-              <a:t>first_name,age</a:t>
-            </a:r>
-            <a:r>
-              <a:rPr lang="en-US" dirty="0"/>
-              <a:t> FROM </a:t>
-            </a:r>
-            <a:r>
-              <a:rPr lang="en-US" dirty="0" err="1"/>
-              <a:t>myapp_person</a:t>
-            </a:r>
-            <a:r>
-              <a:rPr lang="en-US" dirty="0"/>
-              <a:t>')</a:t>
-            </a:r>
-          </a:p>
-          <a:p>
-            <a:pPr marL="0" indent="0">
-              <a:buNone/>
-            </a:pPr>
-            <a:endParaRPr lang="en-US" dirty="0"/>
-          </a:p>
-        </p:txBody>
-      </p:sp>
-    </p:spTree>
-    <p:extLst>
-      <p:ext uri="{BB962C8B-B14F-4D97-AF65-F5344CB8AC3E}">
-        <p14:creationId xmlns:p14="http://schemas.microsoft.com/office/powerpoint/2010/main" val="2464203807"/>
-      </p:ext>
-    </p:extLst>
-  </p:cSld>
-  <p:clrMapOvr>
-    <a:masterClrMapping/>
-  </p:clrMapOvr>
-</p:sld>
-</file>
-
-<file path=ppt/slides/slide36.xml><?xml version="1.0" encoding="utf-8"?>
-<p:sld xmlns:a="http://schemas.openxmlformats.org/drawingml/2006/main" xmlns:r="http://schemas.openxmlformats.org/officeDocument/2006/relationships" xmlns:p="http://schemas.openxmlformats.org/presentationml/2006/main">
-  <p:cSld>
-    <p:spTree>
-      <p:nvGrpSpPr>
-        <p:cNvPr id="1" name=""/>
-        <p:cNvGrpSpPr/>
-        <p:nvPr/>
-      </p:nvGrpSpPr>
-      <p:grpSpPr>
-        <a:xfrm>
-          <a:off x="0" y="0"/>
-          <a:ext cx="0" cy="0"/>
-          <a:chOff x="0" y="0"/>
-          <a:chExt cx="0" cy="0"/>
-        </a:xfrm>
-      </p:grpSpPr>
-      <p:sp>
-        <p:nvSpPr>
-          <p:cNvPr id="2" name="Title 1">
-            <a:extLst>
-              <a:ext uri="{FF2B5EF4-FFF2-40B4-BE49-F238E27FC236}">
-                <a16:creationId xmlns:a16="http://schemas.microsoft.com/office/drawing/2014/main" id="{E7445D1E-54F8-43F1-87EF-E2D91B46B36A}"/>
-              </a:ext>
-            </a:extLst>
-          </p:cNvPr>
-          <p:cNvSpPr>
-            <a:spLocks noGrp="1"/>
-          </p:cNvSpPr>
-          <p:nvPr>
-            <p:ph type="title"/>
-          </p:nvPr>
-        </p:nvSpPr>
-        <p:spPr>
-          <a:xfrm>
-            <a:off x="372140" y="777254"/>
-            <a:ext cx="10981660" cy="832606"/>
-          </a:xfrm>
-        </p:spPr>
-        <p:txBody>
-          <a:bodyPr/>
-          <a:lstStyle/>
-          <a:p>
-            <a:r>
-              <a:rPr lang="en-US" dirty="0">
-                <a:latin typeface="Arial Black" panose="020B0A04020102020204" pitchFamily="34" charset="0"/>
-              </a:rPr>
-              <a:t>Insert / Update / Delete  </a:t>
-            </a:r>
-          </a:p>
-        </p:txBody>
-      </p:sp>
-      <p:sp>
-        <p:nvSpPr>
-          <p:cNvPr id="3" name="Content Placeholder 2">
-            <a:extLst>
-              <a:ext uri="{FF2B5EF4-FFF2-40B4-BE49-F238E27FC236}">
-                <a16:creationId xmlns:a16="http://schemas.microsoft.com/office/drawing/2014/main" id="{0BBD8348-3DB6-4B1E-8B83-6689EB6A9062}"/>
-              </a:ext>
-            </a:extLst>
-          </p:cNvPr>
-          <p:cNvSpPr>
-            <a:spLocks noGrp="1"/>
-          </p:cNvSpPr>
-          <p:nvPr>
-            <p:ph idx="1"/>
-          </p:nvPr>
-        </p:nvSpPr>
-        <p:spPr>
-          <a:xfrm>
-            <a:off x="372140" y="1623705"/>
-            <a:ext cx="10981660" cy="5106704"/>
-          </a:xfrm>
-        </p:spPr>
-        <p:txBody>
-          <a:bodyPr>
-            <a:normAutofit fontScale="62500" lnSpcReduction="20000"/>
-          </a:bodyPr>
-          <a:lstStyle/>
-          <a:p>
-            <a:pPr marL="0" indent="0">
-              <a:buNone/>
-            </a:pPr>
-            <a:r>
-              <a:rPr lang="en-US" dirty="0">
-                <a:highlight>
-                  <a:srgbClr val="FFFF00"/>
-                </a:highlight>
-              </a:rPr>
-              <a:t>#Insert in two tables in Transaction</a:t>
-            </a:r>
-          </a:p>
-          <a:p>
-            <a:pPr marL="0" indent="0">
-              <a:buNone/>
-            </a:pPr>
-            <a:r>
-              <a:rPr lang="en-US" dirty="0"/>
-              <a:t>with </a:t>
-            </a:r>
-            <a:r>
-              <a:rPr lang="en-US" dirty="0" err="1"/>
-              <a:t>transaction.atomic</a:t>
-            </a:r>
-            <a:r>
-              <a:rPr lang="en-US" dirty="0"/>
-              <a:t>():</a:t>
-            </a:r>
-          </a:p>
-          <a:p>
-            <a:pPr marL="0" indent="0">
-              <a:buNone/>
-            </a:pPr>
-            <a:r>
-              <a:rPr lang="en-US" dirty="0"/>
-              <a:t>    </a:t>
-            </a:r>
-            <a:r>
-              <a:rPr lang="en-US" dirty="0" err="1"/>
-              <a:t>rootObj</a:t>
-            </a:r>
-            <a:r>
-              <a:rPr lang="en-US" dirty="0"/>
-              <a:t> = Table1.objects.create(</a:t>
-            </a:r>
-            <a:r>
-              <a:rPr lang="en-US" dirty="0" err="1"/>
-              <a:t>title_ar</a:t>
-            </a:r>
-            <a:r>
-              <a:rPr lang="en-US" dirty="0"/>
-              <a:t>='',price=</a:t>
-            </a:r>
-            <a:r>
-              <a:rPr lang="en-US" dirty="0" err="1"/>
-              <a:t>price,source_id</a:t>
-            </a:r>
-            <a:r>
-              <a:rPr lang="en-US" dirty="0"/>
-              <a:t>=</a:t>
-            </a:r>
-            <a:r>
-              <a:rPr lang="en-US" dirty="0" err="1"/>
-              <a:t>Providerid,created_by</a:t>
-            </a:r>
-            <a:r>
-              <a:rPr lang="en-US" dirty="0"/>
-              <a:t>=</a:t>
-            </a:r>
-            <a:r>
-              <a:rPr lang="en-US" dirty="0" err="1"/>
-              <a:t>userid</a:t>
-            </a:r>
-            <a:r>
-              <a:rPr lang="en-US" dirty="0"/>
-              <a:t>)</a:t>
-            </a:r>
-          </a:p>
-          <a:p>
-            <a:pPr marL="0" indent="0">
-              <a:buNone/>
-            </a:pPr>
-            <a:r>
-              <a:rPr lang="en-US" dirty="0"/>
-              <a:t>    </a:t>
-            </a:r>
-            <a:r>
-              <a:rPr lang="en-US" dirty="0" err="1"/>
-              <a:t>rootObj.save</a:t>
-            </a:r>
-            <a:r>
-              <a:rPr lang="en-US" dirty="0"/>
-              <a:t>()</a:t>
-            </a:r>
-          </a:p>
-          <a:p>
-            <a:pPr marL="0" indent="0">
-              <a:buNone/>
-            </a:pPr>
-            <a:br>
-              <a:rPr lang="en-US" dirty="0"/>
-            </a:br>
-            <a:br>
-              <a:rPr lang="en-US" dirty="0"/>
-            </a:br>
-            <a:r>
-              <a:rPr lang="en-US" dirty="0"/>
-              <a:t>    marc=Table2.objects.create(</a:t>
-            </a:r>
-            <a:r>
-              <a:rPr lang="en-US" dirty="0" err="1"/>
-              <a:t>BibID</a:t>
-            </a:r>
-            <a:r>
-              <a:rPr lang="en-US" dirty="0"/>
-              <a:t>=</a:t>
-            </a:r>
-            <a:r>
-              <a:rPr lang="en-US" dirty="0" err="1"/>
-              <a:t>rootObj.pk,Type</a:t>
-            </a:r>
-            <a:r>
-              <a:rPr lang="en-US" dirty="0"/>
-              <a:t>='0',Treeid=str(</a:t>
-            </a:r>
-            <a:r>
-              <a:rPr lang="en-US" dirty="0" err="1"/>
-              <a:t>Treeid</a:t>
-            </a:r>
-            <a:r>
-              <a:rPr lang="en-US" dirty="0"/>
-              <a:t>),Key=</a:t>
-            </a:r>
-            <a:r>
-              <a:rPr lang="en-US" dirty="0" err="1"/>
-              <a:t>tags.tag,Value</a:t>
-            </a:r>
-            <a:r>
-              <a:rPr lang="en-US" dirty="0"/>
-              <a:t>=</a:t>
-            </a:r>
-            <a:r>
-              <a:rPr lang="en-US" dirty="0" err="1"/>
-              <a:t>tags.data</a:t>
-            </a:r>
-            <a:r>
-              <a:rPr lang="en-US" dirty="0"/>
-              <a:t>)</a:t>
-            </a:r>
-          </a:p>
-          <a:p>
-            <a:pPr marL="0" indent="0">
-              <a:buNone/>
-            </a:pPr>
-            <a:r>
-              <a:rPr lang="en-US" dirty="0"/>
-              <a:t>    </a:t>
-            </a:r>
-            <a:r>
-              <a:rPr lang="en-US" dirty="0" err="1"/>
-              <a:t>marc.save</a:t>
-            </a:r>
-            <a:r>
-              <a:rPr lang="en-US" dirty="0"/>
-              <a:t>() </a:t>
-            </a:r>
-          </a:p>
-          <a:p>
-            <a:pPr marL="0" indent="0">
-              <a:buNone/>
-            </a:pPr>
-            <a:br>
-              <a:rPr lang="en-US" dirty="0"/>
-            </a:br>
-            <a:r>
-              <a:rPr lang="en-US" dirty="0">
-                <a:highlight>
-                  <a:srgbClr val="FFFF00"/>
-                </a:highlight>
-              </a:rPr>
-              <a:t>#Update Record</a:t>
-            </a:r>
-          </a:p>
-          <a:p>
-            <a:pPr marL="0" indent="0">
-              <a:buNone/>
-            </a:pPr>
-            <a:r>
-              <a:rPr lang="en-US" dirty="0" err="1"/>
-              <a:t>rootObj</a:t>
-            </a:r>
-            <a:r>
-              <a:rPr lang="en-US" dirty="0"/>
-              <a:t> = </a:t>
-            </a:r>
-            <a:r>
-              <a:rPr lang="en-US" dirty="0" err="1"/>
-              <a:t>marc_bibliographies.objects.get</a:t>
-            </a:r>
-            <a:r>
-              <a:rPr lang="en-US" dirty="0"/>
-              <a:t>(pk=</a:t>
-            </a:r>
-            <a:r>
-              <a:rPr lang="en-US" dirty="0" err="1"/>
-              <a:t>BibID</a:t>
-            </a:r>
-            <a:r>
-              <a:rPr lang="en-US" dirty="0"/>
-              <a:t>)</a:t>
-            </a:r>
-          </a:p>
-          <a:p>
-            <a:pPr marL="0" indent="0">
-              <a:buNone/>
-            </a:pPr>
-            <a:r>
-              <a:rPr lang="en-US" dirty="0" err="1"/>
-              <a:t>rootObj.price</a:t>
-            </a:r>
-            <a:r>
-              <a:rPr lang="en-US" dirty="0"/>
-              <a:t>=price</a:t>
-            </a:r>
-          </a:p>
-          <a:p>
-            <a:pPr marL="0" indent="0">
-              <a:buNone/>
-            </a:pPr>
-            <a:r>
-              <a:rPr lang="en-US" dirty="0" err="1"/>
-              <a:t>rootObj.parent_id</a:t>
-            </a:r>
-            <a:r>
-              <a:rPr lang="en-US" dirty="0"/>
-              <a:t>=</a:t>
-            </a:r>
-            <a:r>
-              <a:rPr lang="en-US" dirty="0" err="1"/>
-              <a:t>parent_id</a:t>
-            </a:r>
-            <a:endParaRPr lang="en-US" dirty="0"/>
-          </a:p>
-          <a:p>
-            <a:pPr marL="0" indent="0">
-              <a:buNone/>
-            </a:pPr>
-            <a:r>
-              <a:rPr lang="en-US" dirty="0" err="1"/>
-              <a:t>rootObj.save</a:t>
-            </a:r>
-            <a:r>
-              <a:rPr lang="en-US" dirty="0"/>
-              <a:t>()</a:t>
-            </a:r>
-            <a:br>
-              <a:rPr lang="en-US" dirty="0"/>
-            </a:br>
-            <a:endParaRPr lang="en-US" dirty="0"/>
-          </a:p>
-          <a:p>
-            <a:pPr marL="0" indent="0">
-              <a:buNone/>
-            </a:pPr>
-            <a:r>
-              <a:rPr lang="en-US" dirty="0">
-                <a:highlight>
-                  <a:srgbClr val="FFFF00"/>
-                </a:highlight>
-              </a:rPr>
-              <a:t>#Delete Record</a:t>
-            </a:r>
-          </a:p>
-          <a:p>
-            <a:pPr marL="0" indent="0">
-              <a:buNone/>
-            </a:pPr>
-            <a:r>
-              <a:rPr lang="en-US" dirty="0" err="1"/>
-              <a:t>marc_Dump.objects.filter</a:t>
-            </a:r>
-            <a:r>
-              <a:rPr lang="en-US" dirty="0"/>
-              <a:t>(</a:t>
-            </a:r>
-            <a:r>
-              <a:rPr lang="en-US" dirty="0" err="1"/>
-              <a:t>BibID</a:t>
-            </a:r>
-            <a:r>
-              <a:rPr lang="en-US" dirty="0"/>
-              <a:t>=</a:t>
-            </a:r>
-            <a:r>
-              <a:rPr lang="en-US" dirty="0" err="1"/>
-              <a:t>BibID</a:t>
-            </a:r>
-            <a:r>
-              <a:rPr lang="en-US" dirty="0"/>
-              <a:t>).delete()</a:t>
-            </a:r>
-          </a:p>
-          <a:p>
-            <a:pPr marL="0" indent="0">
-              <a:buNone/>
-            </a:pPr>
-            <a:endParaRPr lang="en-US" dirty="0"/>
-          </a:p>
-        </p:txBody>
-      </p:sp>
-    </p:spTree>
-    <p:extLst>
-      <p:ext uri="{BB962C8B-B14F-4D97-AF65-F5344CB8AC3E}">
-        <p14:creationId xmlns:p14="http://schemas.microsoft.com/office/powerpoint/2010/main" val="2295913545"/>
-      </p:ext>
-    </p:extLst>
-  </p:cSld>
-  <p:clrMapOvr>
-    <a:masterClrMapping/>
-  </p:clrMapOvr>
-</p:sld>
-</file>
-
-<file path=ppt/slides/slide37.xml><?xml version="1.0" encoding="utf-8"?>
-<p:sld xmlns:a="http://schemas.openxmlformats.org/drawingml/2006/main" xmlns:r="http://schemas.openxmlformats.org/officeDocument/2006/relationships" xmlns:p="http://schemas.openxmlformats.org/presentationml/2006/main">
-  <p:cSld>
-    <p:spTree>
-      <p:nvGrpSpPr>
-        <p:cNvPr id="1" name=""/>
-        <p:cNvGrpSpPr/>
-        <p:nvPr/>
-      </p:nvGrpSpPr>
-      <p:grpSpPr>
-        <a:xfrm>
-          <a:off x="0" y="0"/>
-          <a:ext cx="0" cy="0"/>
-          <a:chOff x="0" y="0"/>
-          <a:chExt cx="0" cy="0"/>
-        </a:xfrm>
-      </p:grpSpPr>
-      <p:sp>
-        <p:nvSpPr>
-          <p:cNvPr id="2" name="Title 1">
-            <a:extLst>
-              <a:ext uri="{FF2B5EF4-FFF2-40B4-BE49-F238E27FC236}">
-                <a16:creationId xmlns:a16="http://schemas.microsoft.com/office/drawing/2014/main" id="{AE47A23C-532D-42C2-9288-95750D034B37}"/>
-              </a:ext>
-            </a:extLst>
-          </p:cNvPr>
-          <p:cNvSpPr>
-            <a:spLocks noGrp="1"/>
-          </p:cNvSpPr>
-          <p:nvPr>
-            <p:ph type="title"/>
-          </p:nvPr>
-        </p:nvSpPr>
-        <p:spPr/>
-        <p:txBody>
-          <a:bodyPr/>
-          <a:lstStyle/>
-          <a:p>
-            <a:r>
-              <a:rPr lang="en-US" dirty="0">
-                <a:latin typeface="Arial Black" panose="020B0A04020102020204" pitchFamily="34" charset="0"/>
-              </a:rPr>
-              <a:t>Transaction</a:t>
-            </a:r>
-          </a:p>
-        </p:txBody>
-      </p:sp>
-      <p:sp>
-        <p:nvSpPr>
-          <p:cNvPr id="3" name="Content Placeholder 2">
-            <a:extLst>
-              <a:ext uri="{FF2B5EF4-FFF2-40B4-BE49-F238E27FC236}">
-                <a16:creationId xmlns:a16="http://schemas.microsoft.com/office/drawing/2014/main" id="{2D864394-981F-4AC3-B52B-DCB80C41E070}"/>
-              </a:ext>
-            </a:extLst>
-          </p:cNvPr>
-          <p:cNvSpPr>
-            <a:spLocks noGrp="1"/>
-          </p:cNvSpPr>
-          <p:nvPr>
-            <p:ph idx="1"/>
-          </p:nvPr>
-        </p:nvSpPr>
-        <p:spPr/>
-        <p:txBody>
-          <a:bodyPr>
-            <a:normAutofit fontScale="62500" lnSpcReduction="20000"/>
-          </a:bodyPr>
-          <a:lstStyle/>
-          <a:p>
-            <a:pPr marL="0" indent="0">
-              <a:buNone/>
-            </a:pPr>
-            <a:r>
-              <a:rPr lang="en-US" dirty="0"/>
-              <a:t>from </a:t>
-            </a:r>
-            <a:r>
-              <a:rPr lang="en-US" dirty="0" err="1"/>
-              <a:t>django.db</a:t>
-            </a:r>
-            <a:r>
-              <a:rPr lang="en-US" dirty="0"/>
-              <a:t> import transaction</a:t>
-            </a:r>
-            <a:br>
-              <a:rPr lang="en-US" dirty="0"/>
-            </a:br>
-            <a:br>
-              <a:rPr lang="en-US" dirty="0"/>
-            </a:br>
-            <a:br>
-              <a:rPr lang="en-US" dirty="0"/>
-            </a:br>
-            <a:r>
-              <a:rPr lang="en-US" dirty="0">
-                <a:solidFill>
-                  <a:schemeClr val="accent6">
-                    <a:lumMod val="50000"/>
-                  </a:schemeClr>
-                </a:solidFill>
-              </a:rPr>
-              <a:t>#put all function inside transaction</a:t>
-            </a:r>
-          </a:p>
-          <a:p>
-            <a:pPr marL="0" indent="0">
-              <a:buNone/>
-            </a:pPr>
-            <a:r>
-              <a:rPr lang="en-US" dirty="0">
-                <a:highlight>
-                  <a:srgbClr val="00FFFF"/>
-                </a:highlight>
-              </a:rPr>
-              <a:t>@</a:t>
-            </a:r>
-            <a:r>
-              <a:rPr lang="en-US" dirty="0" err="1">
-                <a:highlight>
-                  <a:srgbClr val="00FFFF"/>
-                </a:highlight>
-              </a:rPr>
-              <a:t>transaction.atomic</a:t>
-            </a:r>
-            <a:endParaRPr lang="en-US" dirty="0">
-              <a:highlight>
-                <a:srgbClr val="00FFFF"/>
-              </a:highlight>
-            </a:endParaRPr>
-          </a:p>
-          <a:p>
-            <a:pPr marL="0" indent="0">
-              <a:buNone/>
-            </a:pPr>
-            <a:r>
-              <a:rPr lang="en-US" dirty="0"/>
-              <a:t>def </a:t>
-            </a:r>
-            <a:r>
-              <a:rPr lang="en-US" dirty="0" err="1"/>
-              <a:t>NewUser</a:t>
-            </a:r>
-            <a:r>
-              <a:rPr lang="en-US" dirty="0"/>
-              <a:t>(request):</a:t>
-            </a:r>
-          </a:p>
-          <a:p>
-            <a:pPr marL="0" indent="0">
-              <a:buNone/>
-            </a:pPr>
-            <a:r>
-              <a:rPr lang="en-US" dirty="0"/>
-              <a:t>        pass</a:t>
-            </a:r>
-          </a:p>
-          <a:p>
-            <a:pPr marL="0" indent="0">
-              <a:buNone/>
-            </a:pPr>
-            <a:r>
-              <a:rPr lang="en-US" dirty="0"/>
-              <a:t>################################################</a:t>
-            </a:r>
-          </a:p>
-          <a:p>
-            <a:pPr marL="0" indent="0">
-              <a:buNone/>
-            </a:pPr>
-            <a:r>
-              <a:rPr lang="en-US" sz="2900" dirty="0">
-                <a:solidFill>
-                  <a:schemeClr val="accent6">
-                    <a:lumMod val="50000"/>
-                  </a:schemeClr>
-                </a:solidFill>
-              </a:rPr>
-              <a:t>#Insert rows in two tables in Transaction</a:t>
-            </a:r>
-          </a:p>
-          <a:p>
-            <a:pPr marL="0" indent="0">
-              <a:buNone/>
-            </a:pPr>
-            <a:r>
-              <a:rPr lang="en-US" dirty="0">
-                <a:highlight>
-                  <a:srgbClr val="00FFFF"/>
-                </a:highlight>
-              </a:rPr>
-              <a:t>with </a:t>
-            </a:r>
-            <a:r>
-              <a:rPr lang="en-US" dirty="0" err="1">
-                <a:highlight>
-                  <a:srgbClr val="00FFFF"/>
-                </a:highlight>
-              </a:rPr>
-              <a:t>transaction.atomic</a:t>
-            </a:r>
-            <a:r>
-              <a:rPr lang="en-US" dirty="0">
-                <a:highlight>
-                  <a:srgbClr val="00FFFF"/>
-                </a:highlight>
-              </a:rPr>
-              <a:t>():</a:t>
-            </a:r>
-          </a:p>
-          <a:p>
-            <a:pPr marL="0" indent="0">
-              <a:buNone/>
-            </a:pPr>
-            <a:r>
-              <a:rPr lang="en-US" dirty="0"/>
-              <a:t>    </a:t>
-            </a:r>
-            <a:r>
-              <a:rPr lang="en-US" dirty="0" err="1"/>
-              <a:t>rootObj</a:t>
-            </a:r>
-            <a:r>
-              <a:rPr lang="en-US" dirty="0"/>
-              <a:t> = </a:t>
-            </a:r>
-            <a:r>
-              <a:rPr lang="en-US" dirty="0" err="1"/>
-              <a:t>marc_bibliographies.objects.create</a:t>
-            </a:r>
-            <a:r>
-              <a:rPr lang="en-US" dirty="0"/>
-              <a:t>(</a:t>
-            </a:r>
-            <a:r>
-              <a:rPr lang="en-US" dirty="0" err="1"/>
-              <a:t>title_ar</a:t>
-            </a:r>
-            <a:r>
-              <a:rPr lang="en-US" dirty="0"/>
-              <a:t>='',price=</a:t>
-            </a:r>
-            <a:r>
-              <a:rPr lang="en-US" dirty="0" err="1"/>
-              <a:t>price,source_id</a:t>
-            </a:r>
-            <a:r>
-              <a:rPr lang="en-US" dirty="0"/>
-              <a:t>=</a:t>
-            </a:r>
-            <a:r>
-              <a:rPr lang="en-US" dirty="0" err="1"/>
-              <a:t>Providerid</a:t>
-            </a:r>
-            <a:r>
-              <a:rPr lang="en-US" dirty="0"/>
-              <a:t>)</a:t>
-            </a:r>
-          </a:p>
-          <a:p>
-            <a:pPr marL="0" indent="0">
-              <a:buNone/>
-            </a:pPr>
-            <a:r>
-              <a:rPr lang="en-US" dirty="0"/>
-              <a:t>    </a:t>
-            </a:r>
-            <a:r>
-              <a:rPr lang="en-US" dirty="0" err="1"/>
-              <a:t>rootObj.save</a:t>
-            </a:r>
-            <a:r>
-              <a:rPr lang="en-US" dirty="0"/>
-              <a:t>()</a:t>
-            </a:r>
-          </a:p>
-          <a:p>
-            <a:pPr marL="0" indent="0">
-              <a:buNone/>
-            </a:pPr>
-            <a:br>
-              <a:rPr lang="en-US" dirty="0"/>
-            </a:br>
-            <a:br>
-              <a:rPr lang="en-US" dirty="0"/>
-            </a:br>
-            <a:r>
-              <a:rPr lang="en-US" dirty="0"/>
-              <a:t>    marc=</a:t>
-            </a:r>
-            <a:r>
-              <a:rPr lang="en-US" dirty="0" err="1"/>
-              <a:t>RawMarc.objects.create</a:t>
-            </a:r>
-            <a:r>
-              <a:rPr lang="en-US" dirty="0"/>
-              <a:t>(</a:t>
-            </a:r>
-            <a:r>
-              <a:rPr lang="en-US" dirty="0" err="1"/>
-              <a:t>BibID</a:t>
-            </a:r>
-            <a:r>
-              <a:rPr lang="en-US" dirty="0"/>
-              <a:t>=rootObj.pk, Key=</a:t>
-            </a:r>
-            <a:r>
-              <a:rPr lang="en-US" dirty="0" err="1"/>
-              <a:t>tags.tag,Value</a:t>
-            </a:r>
-            <a:r>
-              <a:rPr lang="en-US" dirty="0"/>
-              <a:t>=</a:t>
-            </a:r>
-            <a:r>
-              <a:rPr lang="en-US" dirty="0" err="1"/>
-              <a:t>tags.data</a:t>
-            </a:r>
-            <a:r>
-              <a:rPr lang="en-US" dirty="0"/>
-              <a:t>)</a:t>
-            </a:r>
-          </a:p>
-          <a:p>
-            <a:pPr marL="0" indent="0">
-              <a:buNone/>
-            </a:pPr>
-            <a:r>
-              <a:rPr lang="en-US" dirty="0"/>
-              <a:t>    </a:t>
-            </a:r>
-            <a:r>
-              <a:rPr lang="en-US" dirty="0" err="1"/>
-              <a:t>marc.save</a:t>
-            </a:r>
-            <a:r>
-              <a:rPr lang="en-US" dirty="0"/>
-              <a:t>() </a:t>
-            </a:r>
-          </a:p>
-          <a:p>
-            <a:pPr marL="0" indent="0">
-              <a:buNone/>
-            </a:pPr>
-            <a:endParaRPr lang="en-US" dirty="0"/>
-          </a:p>
-          <a:p>
-            <a:pPr marL="0" indent="0">
-              <a:buNone/>
-            </a:pPr>
-            <a:endParaRPr lang="en-US" dirty="0"/>
-          </a:p>
-        </p:txBody>
-      </p:sp>
-    </p:spTree>
-    <p:extLst>
-      <p:ext uri="{BB962C8B-B14F-4D97-AF65-F5344CB8AC3E}">
-        <p14:creationId xmlns:p14="http://schemas.microsoft.com/office/powerpoint/2010/main" val="4246078991"/>
-      </p:ext>
-    </p:extLst>
-  </p:cSld>
-  <p:clrMapOvr>
-    <a:masterClrMapping/>
-  </p:clrMapOvr>
-</p:sld>
-</file>
-
 <file path=ppt/slides/slide38.xml><?xml version="1.0" encoding="utf-8"?>
 <p:sld xmlns:a="http://schemas.openxmlformats.org/drawingml/2006/main" xmlns:r="http://schemas.openxmlformats.org/officeDocument/2006/relationships" xmlns:p="http://schemas.openxmlformats.org/presentationml/2006/main">
   <p:cSld>
@@ -10334,7 +10166,7 @@
           <p:cNvPr id="2" name="Title 1">
             <a:extLst>
               <a:ext uri="{FF2B5EF4-FFF2-40B4-BE49-F238E27FC236}">
-                <a16:creationId xmlns:a16="http://schemas.microsoft.com/office/drawing/2014/main" id="{8BA215AB-547B-4E1F-8F5A-9AB62C6E02E2}"/>
+                <a16:creationId xmlns:a16="http://schemas.microsoft.com/office/drawing/2014/main" id="{A87120D3-BEF3-4CBA-AA68-FF3F2A3F044B}"/>
               </a:ext>
             </a:extLst>
           </p:cNvPr>
@@ -10342,7 +10174,7 @@
             <a:spLocks noGrp="1"/>
           </p:cNvSpPr>
           <p:nvPr>
-            <p:ph type="ctrTitle"/>
+            <p:ph type="title"/>
           </p:nvPr>
         </p:nvSpPr>
         <p:spPr/>
@@ -10351,20 +10183,20 @@
           <a:lstStyle/>
           <a:p>
             <a:r>
-              <a:rPr lang="en-US" dirty="0">
+              <a:rPr lang="en-US" b="1" dirty="0">
                 <a:latin typeface="Arial Black" panose="020B0A04020102020204" pitchFamily="34" charset="0"/>
               </a:rPr>
-              <a:t>Django Free DB SQL</a:t>
-            </a:r>
-          </a:p>
-        </p:txBody>
-      </p:sp>
-      <p:sp>
-        <p:nvSpPr>
-          <p:cNvPr id="3" name="Subtitle 2">
+              <a:t>Select From DB Table</a:t>
+            </a:r>
+          </a:p>
+        </p:txBody>
+      </p:sp>
+      <p:sp>
+        <p:nvSpPr>
+          <p:cNvPr id="3" name="Content Placeholder 2">
             <a:extLst>
               <a:ext uri="{FF2B5EF4-FFF2-40B4-BE49-F238E27FC236}">
-                <a16:creationId xmlns:a16="http://schemas.microsoft.com/office/drawing/2014/main" id="{A8EC6D59-A8D6-4D28-95A6-2C9A8D0CEBA6}"/>
+                <a16:creationId xmlns:a16="http://schemas.microsoft.com/office/drawing/2014/main" id="{54B5F7F4-85AE-4CCC-B404-884BD88B37C7}"/>
               </a:ext>
             </a:extLst>
           </p:cNvPr>
@@ -10372,33 +10204,234 @@
             <a:spLocks noGrp="1"/>
           </p:cNvSpPr>
           <p:nvPr>
-            <p:ph type="subTitle" idx="1"/>
+            <p:ph idx="1"/>
           </p:nvPr>
         </p:nvSpPr>
         <p:spPr/>
         <p:txBody>
-          <a:bodyPr/>
-          <a:lstStyle/>
-          <a:p>
-            <a:r>
-              <a:rPr lang="en-US" dirty="0"/>
-              <a:t>How to write free </a:t>
-            </a:r>
+          <a:bodyPr>
+            <a:normAutofit fontScale="77500" lnSpcReduction="20000"/>
+          </a:bodyPr>
+          <a:lstStyle/>
+          <a:p>
+            <a:pPr marL="0" indent="0">
+              <a:buNone/>
+            </a:pPr>
+            <a:r>
+              <a:rPr lang="en-US" dirty="0">
+                <a:highlight>
+                  <a:srgbClr val="FFFF00"/>
+                </a:highlight>
+              </a:rPr>
+              <a:t>#Select All Records</a:t>
+            </a:r>
+          </a:p>
+          <a:p>
+            <a:pPr marL="0" indent="0">
+              <a:buNone/>
+            </a:pPr>
             <a:r>
               <a:rPr lang="en-US" dirty="0" err="1"/>
-              <a:t>sql</a:t>
-            </a:r>
-            <a:r>
-              <a:rPr lang="en-US" dirty="0"/>
-              <a:t> commands to update DB inside view.py</a:t>
-            </a:r>
+              <a:t>RecordType</a:t>
+            </a:r>
+            <a:r>
+              <a:rPr lang="en-US" dirty="0"/>
+              <a:t>=</a:t>
+            </a:r>
+            <a:r>
+              <a:rPr lang="en-US" dirty="0" err="1"/>
+              <a:t>MarcRecordType.objects.all</a:t>
+            </a:r>
+            <a:r>
+              <a:rPr lang="en-US" dirty="0"/>
+              <a:t>()</a:t>
+            </a:r>
+          </a:p>
+          <a:p>
+            <a:pPr marL="0" indent="0">
+              <a:buNone/>
+            </a:pPr>
+            <a:br>
+              <a:rPr lang="en-US" dirty="0"/>
+            </a:br>
+            <a:r>
+              <a:rPr lang="en-US" dirty="0">
+                <a:highlight>
+                  <a:srgbClr val="FFFF00"/>
+                </a:highlight>
+              </a:rPr>
+              <a:t>#Select One Record  </a:t>
+            </a:r>
+          </a:p>
+          <a:p>
+            <a:pPr marL="0" indent="0">
+              <a:buNone/>
+            </a:pPr>
+            <a:r>
+              <a:rPr lang="en-US" dirty="0"/>
+              <a:t>bibliographies = </a:t>
+            </a:r>
+            <a:r>
+              <a:rPr lang="en-US" dirty="0" err="1"/>
+              <a:t>marc_bibliographies.objects.get</a:t>
+            </a:r>
+            <a:r>
+              <a:rPr lang="en-US" dirty="0"/>
+              <a:t>(pk=100)</a:t>
+            </a:r>
+          </a:p>
+          <a:p>
+            <a:pPr marL="0" indent="0">
+              <a:buNone/>
+            </a:pPr>
+            <a:br>
+              <a:rPr lang="en-US" dirty="0"/>
+            </a:br>
+            <a:r>
+              <a:rPr lang="en-US" dirty="0">
+                <a:highlight>
+                  <a:srgbClr val="FFFF00"/>
+                </a:highlight>
+              </a:rPr>
+              <a:t>#Select Record with condition</a:t>
+            </a:r>
+          </a:p>
+          <a:p>
+            <a:pPr marL="0" indent="0">
+              <a:buNone/>
+            </a:pPr>
+            <a:r>
+              <a:rPr lang="en-US" dirty="0"/>
+              <a:t>Marc = </a:t>
+            </a:r>
+            <a:r>
+              <a:rPr lang="en-US" dirty="0" err="1"/>
+              <a:t>RawMarc.objects.filter</a:t>
+            </a:r>
+            <a:r>
+              <a:rPr lang="en-US" dirty="0"/>
+              <a:t>(</a:t>
+            </a:r>
+            <a:r>
+              <a:rPr lang="en-US" dirty="0" err="1"/>
+              <a:t>BibID</a:t>
+            </a:r>
+            <a:r>
+              <a:rPr lang="en-US" dirty="0"/>
+              <a:t>=</a:t>
+            </a:r>
+            <a:r>
+              <a:rPr lang="en-US" dirty="0" err="1"/>
+              <a:t>BibID</a:t>
+            </a:r>
+            <a:r>
+              <a:rPr lang="en-US" dirty="0"/>
+              <a:t>).</a:t>
+            </a:r>
+            <a:r>
+              <a:rPr lang="en-US" dirty="0" err="1"/>
+              <a:t>order_by</a:t>
+            </a:r>
+            <a:r>
+              <a:rPr lang="en-US" dirty="0"/>
+              <a:t>('</a:t>
+            </a:r>
+            <a:r>
+              <a:rPr lang="en-US" dirty="0" err="1"/>
+              <a:t>Treeid</a:t>
+            </a:r>
+            <a:r>
+              <a:rPr lang="en-US" dirty="0"/>
+              <a:t>')   </a:t>
+            </a:r>
+          </a:p>
+          <a:p>
+            <a:pPr marL="0" indent="0">
+              <a:buNone/>
+            </a:pPr>
+            <a:r>
+              <a:rPr lang="en-US" dirty="0"/>
+              <a:t>if </a:t>
+            </a:r>
+            <a:r>
+              <a:rPr lang="en-US" dirty="0" err="1"/>
+              <a:t>Marc.count</a:t>
+            </a:r>
+            <a:r>
+              <a:rPr lang="en-US" dirty="0"/>
+              <a:t>()&lt;=0:</a:t>
+            </a:r>
+          </a:p>
+          <a:p>
+            <a:pPr marL="0" indent="0">
+              <a:buNone/>
+            </a:pPr>
+            <a:r>
+              <a:rPr lang="en-US" dirty="0"/>
+              <a:t>    print('No records')</a:t>
+            </a:r>
+          </a:p>
+          <a:p>
+            <a:pPr marL="0" indent="0">
+              <a:buNone/>
+            </a:pPr>
+            <a:br>
+              <a:rPr lang="en-US" dirty="0"/>
+            </a:br>
+            <a:r>
+              <a:rPr lang="en-US" dirty="0">
+                <a:highlight>
+                  <a:srgbClr val="FFFF00"/>
+                </a:highlight>
+              </a:rPr>
+              <a:t>#Select row using SQL</a:t>
+            </a:r>
+          </a:p>
+          <a:p>
+            <a:pPr marL="0" indent="0">
+              <a:buNone/>
+            </a:pPr>
+            <a:r>
+              <a:rPr lang="en-US" dirty="0"/>
+              <a:t>people = </a:t>
+            </a:r>
+            <a:r>
+              <a:rPr lang="en-US" dirty="0" err="1"/>
+              <a:t>Person.objects.raw</a:t>
+            </a:r>
+            <a:r>
+              <a:rPr lang="en-US" dirty="0"/>
+              <a:t>('SELECT id, </a:t>
+            </a:r>
+            <a:r>
+              <a:rPr lang="en-US" dirty="0" err="1"/>
+              <a:t>first_name,age</a:t>
+            </a:r>
+            <a:r>
+              <a:rPr lang="en-US" dirty="0"/>
+              <a:t> FROM </a:t>
+            </a:r>
+            <a:r>
+              <a:rPr lang="en-US" dirty="0" err="1"/>
+              <a:t>myapp_person</a:t>
+            </a:r>
+            <a:r>
+              <a:rPr lang="en-US" dirty="0"/>
+              <a:t>')</a:t>
+            </a:r>
+          </a:p>
+          <a:p>
+            <a:pPr marL="0" indent="0">
+              <a:buNone/>
+            </a:pPr>
+            <a:endParaRPr lang="en-US" dirty="0"/>
           </a:p>
         </p:txBody>
       </p:sp>
     </p:spTree>
     <p:extLst>
       <p:ext uri="{BB962C8B-B14F-4D97-AF65-F5344CB8AC3E}">
-        <p14:creationId xmlns:p14="http://schemas.microsoft.com/office/powerpoint/2010/main" val="1824157489"/>
+        <p14:creationId xmlns:p14="http://schemas.microsoft.com/office/powerpoint/2010/main" val="2464203807"/>
       </p:ext>
     </p:extLst>
   </p:cSld>
@@ -10430,7 +10463,7 @@
           <p:cNvPr id="2" name="Title 1">
             <a:extLst>
               <a:ext uri="{FF2B5EF4-FFF2-40B4-BE49-F238E27FC236}">
-                <a16:creationId xmlns:a16="http://schemas.microsoft.com/office/drawing/2014/main" id="{F9FC92A5-6910-4383-BF1E-46D2E7500BB2}"/>
+                <a16:creationId xmlns:a16="http://schemas.microsoft.com/office/drawing/2014/main" id="{E7445D1E-54F8-43F1-87EF-E2D91B46B36A}"/>
               </a:ext>
             </a:extLst>
           </p:cNvPr>
@@ -10441,18 +10474,21 @@
             <p:ph type="title"/>
           </p:nvPr>
         </p:nvSpPr>
-        <p:spPr/>
-        <p:txBody>
-          <a:bodyPr>
-            <a:normAutofit/>
-          </a:bodyPr>
-          <a:lstStyle/>
-          <a:p>
-            <a:r>
-              <a:rPr lang="en-US" sz="3200" dirty="0">
+        <p:spPr>
+          <a:xfrm>
+            <a:off x="372140" y="777254"/>
+            <a:ext cx="10981660" cy="832606"/>
+          </a:xfrm>
+        </p:spPr>
+        <p:txBody>
+          <a:bodyPr/>
+          <a:lstStyle/>
+          <a:p>
+            <a:r>
+              <a:rPr lang="en-US" dirty="0">
                 <a:latin typeface="Arial Black" panose="020B0A04020102020204" pitchFamily="34" charset="0"/>
               </a:rPr>
-              <a:t>Custom Insert/Update/Delete/Select</a:t>
+              <a:t>Insert / Update / Delete  </a:t>
             </a:r>
           </a:p>
         </p:txBody>
@@ -10462,7 +10498,7 @@
           <p:cNvPr id="3" name="Content Placeholder 2">
             <a:extLst>
               <a:ext uri="{FF2B5EF4-FFF2-40B4-BE49-F238E27FC236}">
-                <a16:creationId xmlns:a16="http://schemas.microsoft.com/office/drawing/2014/main" id="{2367544F-5506-4225-BCF0-5306D45DAA85}"/>
+                <a16:creationId xmlns:a16="http://schemas.microsoft.com/office/drawing/2014/main" id="{0BBD8348-3DB6-4B1E-8B83-6689EB6A9062}"/>
               </a:ext>
             </a:extLst>
           </p:cNvPr>
@@ -10475,13 +10511,13 @@
         </p:nvSpPr>
         <p:spPr>
           <a:xfrm>
-            <a:off x="838200" y="1623704"/>
-            <a:ext cx="10515600" cy="5234295"/>
+            <a:off x="372140" y="1623705"/>
+            <a:ext cx="10981660" cy="5106704"/>
           </a:xfrm>
         </p:spPr>
         <p:txBody>
           <a:bodyPr>
-            <a:normAutofit fontScale="55000" lnSpcReduction="20000"/>
+            <a:normAutofit fontScale="62500" lnSpcReduction="20000"/>
           </a:bodyPr>
           <a:lstStyle/>
           <a:p>
@@ -10489,108 +10525,95 @@
               <a:buNone/>
             </a:pPr>
             <a:r>
-              <a:rPr lang="en-US" dirty="0"/>
-              <a:t>from </a:t>
+              <a:rPr lang="en-US" dirty="0">
+                <a:highlight>
+                  <a:srgbClr val="FFFF00"/>
+                </a:highlight>
+              </a:rPr>
+              <a:t>#Insert in two tables in Transaction</a:t>
+            </a:r>
+          </a:p>
+          <a:p>
+            <a:pPr marL="0" indent="0">
+              <a:buNone/>
+            </a:pPr>
+            <a:r>
+              <a:rPr lang="en-US" dirty="0"/>
+              <a:t>with </a:t>
             </a:r>
             <a:r>
               <a:rPr lang="en-US" dirty="0" err="1"/>
-              <a:t>django.db</a:t>
-            </a:r>
-            <a:r>
-              <a:rPr lang="en-US" dirty="0"/>
-              <a:t> import connection</a:t>
-            </a:r>
-          </a:p>
-          <a:p>
-            <a:pPr marL="0" indent="0">
-              <a:buNone/>
-            </a:pPr>
-            <a:r>
-              <a:rPr lang="en-US" b="1" dirty="0"/>
-              <a:t>def </a:t>
-            </a:r>
-            <a:r>
-              <a:rPr lang="en-US" b="1" dirty="0" err="1"/>
-              <a:t>custom_sql_insert</a:t>
-            </a:r>
-            <a:r>
-              <a:rPr lang="en-US" b="1" dirty="0"/>
-              <a:t>(SQL):</a:t>
-            </a:r>
-          </a:p>
-          <a:p>
-            <a:pPr marL="0" indent="0">
-              <a:buNone/>
-            </a:pPr>
-            <a:r>
-              <a:rPr lang="en-US" dirty="0"/>
-              <a:t>    try:</a:t>
-            </a:r>
-          </a:p>
-          <a:p>
-            <a:pPr marL="0" indent="0">
-              <a:buNone/>
-            </a:pPr>
-            <a:r>
-              <a:rPr lang="en-US" dirty="0"/>
-              <a:t>        cursor = </a:t>
+              <a:t>transaction.atomic</a:t>
+            </a:r>
+            <a:r>
+              <a:rPr lang="en-US" dirty="0"/>
+              <a:t>():</a:t>
+            </a:r>
+          </a:p>
+          <a:p>
+            <a:pPr marL="0" indent="0">
+              <a:buNone/>
+            </a:pPr>
+            <a:r>
+              <a:rPr lang="en-US" dirty="0"/>
+              <a:t>    </a:t>
             </a:r>
             <a:r>
               <a:rPr lang="en-US" dirty="0" err="1"/>
-              <a:t>connection.cursor</a:t>
+              <a:t>rootObj</a:t>
+            </a:r>
+            <a:r>
+              <a:rPr lang="en-US" dirty="0"/>
+              <a:t> = Table1.objects.create(</a:t>
+            </a:r>
+            <a:r>
+              <a:rPr lang="en-US" dirty="0" err="1"/>
+              <a:t>title_ar</a:t>
+            </a:r>
+            <a:r>
+              <a:rPr lang="en-US" dirty="0"/>
+              <a:t>='',price=</a:t>
+            </a:r>
+            <a:r>
+              <a:rPr lang="en-US" dirty="0" err="1"/>
+              <a:t>price,source_id</a:t>
+            </a:r>
+            <a:r>
+              <a:rPr lang="en-US" dirty="0"/>
+              <a:t>=</a:t>
+            </a:r>
+            <a:r>
+              <a:rPr lang="en-US" dirty="0" err="1"/>
+              <a:t>Providerid,created_by</a:t>
+            </a:r>
+            <a:r>
+              <a:rPr lang="en-US" dirty="0"/>
+              <a:t>=</a:t>
+            </a:r>
+            <a:r>
+              <a:rPr lang="en-US" dirty="0" err="1"/>
+              <a:t>userid</a:t>
+            </a:r>
+            <a:r>
+              <a:rPr lang="en-US" dirty="0"/>
+              <a:t>)</a:t>
+            </a:r>
+          </a:p>
+          <a:p>
+            <a:pPr marL="0" indent="0">
+              <a:buNone/>
+            </a:pPr>
+            <a:r>
+              <a:rPr lang="en-US" dirty="0"/>
+              <a:t>    </a:t>
+            </a:r>
+            <a:r>
+              <a:rPr lang="en-US" dirty="0" err="1"/>
+              <a:t>rootObj.save</a:t>
             </a:r>
             <a:r>
               <a:rPr lang="en-US" dirty="0"/>
               <a:t>()</a:t>
-            </a:r>
-          </a:p>
-          <a:p>
-            <a:pPr marL="0" indent="0">
-              <a:buNone/>
-            </a:pPr>
-            <a:r>
-              <a:rPr lang="en-US" dirty="0"/>
-              <a:t>        </a:t>
-            </a:r>
-            <a:r>
-              <a:rPr lang="en-US" dirty="0" err="1"/>
-              <a:t>cursor.execute</a:t>
-            </a:r>
-            <a:r>
-              <a:rPr lang="en-US" dirty="0"/>
-              <a:t>(SQL)</a:t>
-            </a:r>
-          </a:p>
-          <a:p>
-            <a:pPr marL="0" indent="0">
-              <a:buNone/>
-            </a:pPr>
-            <a:r>
-              <a:rPr lang="en-US" dirty="0"/>
-              <a:t>        return </a:t>
-            </a:r>
-            <a:r>
-              <a:rPr lang="en-US" dirty="0" err="1"/>
-              <a:t>cursor.lastrowid</a:t>
-            </a:r>
-            <a:endParaRPr lang="en-US" dirty="0"/>
-          </a:p>
-          <a:p>
-            <a:pPr marL="0" indent="0">
-              <a:buNone/>
-            </a:pPr>
-            <a:r>
-              <a:rPr lang="en-US" dirty="0"/>
-              <a:t>    except Exception as e:</a:t>
-            </a:r>
-          </a:p>
-          <a:p>
-            <a:pPr marL="0" indent="0">
-              <a:buNone/>
-            </a:pPr>
-            <a:r>
-              <a:rPr lang="en-US" dirty="0"/>
-              <a:t>        return 0</a:t>
             </a:r>
           </a:p>
           <a:p>
@@ -10601,144 +10624,217 @@
               <a:rPr lang="en-US" dirty="0"/>
             </a:br>
             <a:br>
-              <a:rPr lang="en-US" b="1" dirty="0"/>
+              <a:rPr lang="en-US" dirty="0"/>
             </a:br>
             <a:r>
-              <a:rPr lang="en-US" b="1" dirty="0"/>
-              <a:t>def </a:t>
-            </a:r>
-            <a:r>
-              <a:rPr lang="en-US" b="1" dirty="0" err="1"/>
-              <a:t>custom_sql_insert_update_delete</a:t>
-            </a:r>
-            <a:r>
-              <a:rPr lang="en-US" b="1" dirty="0"/>
-              <a:t>(SQL):</a:t>
-            </a:r>
-          </a:p>
-          <a:p>
-            <a:pPr marL="0" indent="0">
-              <a:buNone/>
-            </a:pPr>
-            <a:r>
-              <a:rPr lang="en-US" dirty="0"/>
-              <a:t>    cursor = </a:t>
+              <a:rPr lang="en-US" dirty="0"/>
+              <a:t>    marc=Table2.objects.create(</a:t>
             </a:r>
             <a:r>
               <a:rPr lang="en-US" dirty="0" err="1"/>
-              <a:t>connection.cursor</a:t>
+              <a:t>BibID</a:t>
+            </a:r>
+            <a:r>
+              <a:rPr lang="en-US" dirty="0"/>
+              <a:t>=</a:t>
+            </a:r>
+            <a:r>
+              <a:rPr lang="en-US" dirty="0" err="1"/>
+              <a:t>rootObj.pk,Type</a:t>
+            </a:r>
+            <a:r>
+              <a:rPr lang="en-US" dirty="0"/>
+              <a:t>='0',Treeid=str(</a:t>
+            </a:r>
+            <a:r>
+              <a:rPr lang="en-US" dirty="0" err="1"/>
+              <a:t>Treeid</a:t>
+            </a:r>
+            <a:r>
+              <a:rPr lang="en-US" dirty="0"/>
+              <a:t>),Key=</a:t>
+            </a:r>
+            <a:r>
+              <a:rPr lang="en-US" dirty="0" err="1"/>
+              <a:t>tags.tag,Value</a:t>
+            </a:r>
+            <a:r>
+              <a:rPr lang="en-US" dirty="0"/>
+              <a:t>=</a:t>
+            </a:r>
+            <a:r>
+              <a:rPr lang="en-US" dirty="0" err="1"/>
+              <a:t>tags.data</a:t>
+            </a:r>
+            <a:r>
+              <a:rPr lang="en-US" dirty="0"/>
+              <a:t>)</a:t>
+            </a:r>
+          </a:p>
+          <a:p>
+            <a:pPr marL="0" indent="0">
+              <a:buNone/>
+            </a:pPr>
+            <a:r>
+              <a:rPr lang="en-US" dirty="0"/>
+              <a:t>    </a:t>
+            </a:r>
+            <a:r>
+              <a:rPr lang="en-US" dirty="0" err="1"/>
+              <a:t>marc.save</a:t>
+            </a:r>
+            <a:r>
+              <a:rPr lang="en-US" dirty="0"/>
+              <a:t>() </a:t>
+            </a:r>
+          </a:p>
+          <a:p>
+            <a:pPr marL="0" indent="0">
+              <a:buNone/>
+            </a:pPr>
+            <a:br>
+              <a:rPr lang="en-US" dirty="0"/>
+            </a:br>
+            <a:r>
+              <a:rPr lang="en-US" dirty="0">
+                <a:highlight>
+                  <a:srgbClr val="FFFF00"/>
+                </a:highlight>
+              </a:rPr>
+              <a:t>#Update Record</a:t>
+            </a:r>
+          </a:p>
+          <a:p>
+            <a:pPr marL="0" indent="0">
+              <a:buNone/>
+            </a:pPr>
+            <a:r>
+              <a:rPr lang="en-US" dirty="0" err="1"/>
+              <a:t>rootObj</a:t>
+            </a:r>
+            <a:r>
+              <a:rPr lang="en-US" dirty="0"/>
+              <a:t> = </a:t>
+            </a:r>
+            <a:r>
+              <a:rPr lang="en-US" dirty="0" err="1"/>
+              <a:t>marc_bibliographies.objects.get</a:t>
+            </a:r>
+            <a:r>
+              <a:rPr lang="en-US" dirty="0"/>
+              <a:t>(pk=</a:t>
+            </a:r>
+            <a:r>
+              <a:rPr lang="en-US" dirty="0" err="1"/>
+              <a:t>BibID</a:t>
+            </a:r>
+            <a:r>
+              <a:rPr lang="en-US" dirty="0"/>
+              <a:t>)</a:t>
+            </a:r>
+          </a:p>
+          <a:p>
+            <a:pPr marL="0" indent="0">
+              <a:buNone/>
+            </a:pPr>
+            <a:r>
+              <a:rPr lang="en-US" dirty="0" err="1"/>
+              <a:t>rootObj.price</a:t>
+            </a:r>
+            <a:r>
+              <a:rPr lang="en-US" dirty="0"/>
+              <a:t>=price</a:t>
+            </a:r>
+          </a:p>
+          <a:p>
+            <a:pPr marL="0" indent="0">
+              <a:buNone/>
+            </a:pPr>
+            <a:r>
+              <a:rPr lang="en-US" dirty="0" err="1"/>
+              <a:t>rootObj.parent_id</a:t>
+            </a:r>
+            <a:r>
+              <a:rPr lang="en-US" dirty="0"/>
+              <a:t>=</a:t>
+            </a:r>
+            <a:r>
+              <a:rPr lang="en-US" dirty="0" err="1"/>
+              <a:t>parent_id</a:t>
+            </a:r>
+            <a:endParaRPr lang="en-US" dirty="0"/>
+          </a:p>
+          <a:p>
+            <a:pPr marL="0" indent="0">
+              <a:buNone/>
+            </a:pPr>
+            <a:r>
+              <a:rPr lang="en-US" dirty="0" err="1"/>
+              <a:t>rootObj.save</a:t>
             </a:r>
             <a:r>
               <a:rPr lang="en-US" dirty="0"/>
               <a:t>()</a:t>
             </a:r>
-          </a:p>
-          <a:p>
-            <a:pPr marL="0" indent="0">
-              <a:buNone/>
-            </a:pPr>
-            <a:r>
-              <a:rPr lang="en-US" dirty="0"/>
-              <a:t>    </a:t>
-            </a:r>
+            <a:br>
+              <a:rPr lang="en-US" dirty="0"/>
+            </a:br>
+            <a:endParaRPr lang="en-US" dirty="0"/>
+          </a:p>
+          <a:p>
+            <a:pPr marL="0" indent="0">
+              <a:buNone/>
+            </a:pPr>
+            <a:r>
+              <a:rPr lang="en-US" dirty="0">
+                <a:highlight>
+                  <a:srgbClr val="FFFF00"/>
+                </a:highlight>
+              </a:rPr>
+              <a:t>#Delete Record</a:t>
+            </a:r>
+          </a:p>
+          <a:p>
+            <a:pPr marL="0" indent="0">
+              <a:buNone/>
+            </a:pPr>
             <a:r>
               <a:rPr lang="en-US" dirty="0" err="1"/>
-              <a:t>cursor.execute</a:t>
-            </a:r>
-            <a:r>
-              <a:rPr lang="en-US" dirty="0"/>
-              <a:t>(SQL)</a:t>
-            </a:r>
-          </a:p>
-          <a:p>
-            <a:pPr marL="0" indent="0">
-              <a:buNone/>
-            </a:pPr>
-            <a:br>
-              <a:rPr lang="en-US" dirty="0"/>
-            </a:br>
-            <a:br>
-              <a:rPr lang="en-US" dirty="0"/>
-            </a:br>
-            <a:r>
-              <a:rPr lang="en-US" b="1" dirty="0"/>
-              <a:t>def </a:t>
-            </a:r>
-            <a:r>
-              <a:rPr lang="en-US" b="1" dirty="0" err="1"/>
-              <a:t>custom_sql_select</a:t>
-            </a:r>
-            <a:r>
-              <a:rPr lang="en-US" b="1" dirty="0"/>
-              <a:t>(SQL):</a:t>
-            </a:r>
-          </a:p>
-          <a:p>
-            <a:pPr marL="0" indent="0">
-              <a:buNone/>
-            </a:pPr>
-            <a:r>
-              <a:rPr lang="en-US" dirty="0"/>
-              <a:t>    with </a:t>
+              <a:t>marc_Dump.objects.filter</a:t>
+            </a:r>
+            <a:r>
+              <a:rPr lang="en-US" dirty="0"/>
+              <a:t>(</a:t>
             </a:r>
             <a:r>
               <a:rPr lang="en-US" dirty="0" err="1"/>
-              <a:t>connection.cursor</a:t>
-            </a:r>
-            <a:r>
-              <a:rPr lang="en-US" dirty="0"/>
-              <a:t>() as cursor:</a:t>
-            </a:r>
-          </a:p>
-          <a:p>
-            <a:pPr marL="0" indent="0">
-              <a:buNone/>
-            </a:pPr>
-            <a:r>
-              <a:rPr lang="en-US" dirty="0"/>
-              <a:t>        </a:t>
+              <a:t>BibID</a:t>
+            </a:r>
+            <a:r>
+              <a:rPr lang="en-US" dirty="0"/>
+              <a:t>=</a:t>
             </a:r>
             <a:r>
               <a:rPr lang="en-US" dirty="0" err="1"/>
-              <a:t>cursor.execute</a:t>
-            </a:r>
-            <a:r>
-              <a:rPr lang="en-US" dirty="0"/>
-              <a:t>(SQL)</a:t>
-            </a:r>
-          </a:p>
-          <a:p>
-            <a:pPr marL="0" indent="0">
-              <a:buNone/>
-            </a:pPr>
-            <a:r>
-              <a:rPr lang="en-US" dirty="0"/>
-              <a:t>        rows = </a:t>
-            </a:r>
-            <a:r>
-              <a:rPr lang="en-US" dirty="0" err="1"/>
-              <a:t>cursor.fetchall</a:t>
-            </a:r>
-            <a:r>
-              <a:rPr lang="en-US" dirty="0"/>
-              <a:t>()</a:t>
-            </a:r>
-          </a:p>
-          <a:p>
-            <a:pPr marL="0" indent="0">
-              <a:buNone/>
-            </a:pPr>
-            <a:r>
-              <a:rPr lang="en-US" dirty="0"/>
-              <a:t>        return rows</a:t>
-            </a:r>
+              <a:t>BibID</a:t>
+            </a:r>
+            <a:r>
+              <a:rPr lang="en-US" dirty="0"/>
+              <a:t>).delete()</a:t>
+            </a:r>
+          </a:p>
+          <a:p>
+            <a:pPr marL="0" indent="0">
+              <a:buNone/>
+            </a:pPr>
+            <a:endParaRPr lang="en-US" dirty="0"/>
           </a:p>
         </p:txBody>
       </p:sp>
     </p:spTree>
     <p:extLst>
       <p:ext uri="{BB962C8B-B14F-4D97-AF65-F5344CB8AC3E}">
-        <p14:creationId xmlns:p14="http://schemas.microsoft.com/office/powerpoint/2010/main" val="224300449"/>
+        <p14:creationId xmlns:p14="http://schemas.microsoft.com/office/powerpoint/2010/main" val="2295913545"/>
       </p:ext>
     </p:extLst>
   </p:cSld>
@@ -11003,6 +11099,809 @@
           <p:cNvPr id="2" name="Title 1">
             <a:extLst>
               <a:ext uri="{FF2B5EF4-FFF2-40B4-BE49-F238E27FC236}">
+                <a16:creationId xmlns:a16="http://schemas.microsoft.com/office/drawing/2014/main" id="{AE47A23C-532D-42C2-9288-95750D034B37}"/>
+              </a:ext>
+            </a:extLst>
+          </p:cNvPr>
+          <p:cNvSpPr>
+            <a:spLocks noGrp="1"/>
+          </p:cNvSpPr>
+          <p:nvPr>
+            <p:ph type="title"/>
+          </p:nvPr>
+        </p:nvSpPr>
+        <p:spPr/>
+        <p:txBody>
+          <a:bodyPr/>
+          <a:lstStyle/>
+          <a:p>
+            <a:r>
+              <a:rPr lang="en-US" dirty="0">
+                <a:latin typeface="Arial Black" panose="020B0A04020102020204" pitchFamily="34" charset="0"/>
+              </a:rPr>
+              <a:t>Transaction</a:t>
+            </a:r>
+          </a:p>
+        </p:txBody>
+      </p:sp>
+      <p:sp>
+        <p:nvSpPr>
+          <p:cNvPr id="3" name="Content Placeholder 2">
+            <a:extLst>
+              <a:ext uri="{FF2B5EF4-FFF2-40B4-BE49-F238E27FC236}">
+                <a16:creationId xmlns:a16="http://schemas.microsoft.com/office/drawing/2014/main" id="{2D864394-981F-4AC3-B52B-DCB80C41E070}"/>
+              </a:ext>
+            </a:extLst>
+          </p:cNvPr>
+          <p:cNvSpPr>
+            <a:spLocks noGrp="1"/>
+          </p:cNvSpPr>
+          <p:nvPr>
+            <p:ph idx="1"/>
+          </p:nvPr>
+        </p:nvSpPr>
+        <p:spPr/>
+        <p:txBody>
+          <a:bodyPr>
+            <a:normAutofit fontScale="62500" lnSpcReduction="20000"/>
+          </a:bodyPr>
+          <a:lstStyle/>
+          <a:p>
+            <a:pPr marL="0" indent="0">
+              <a:buNone/>
+            </a:pPr>
+            <a:r>
+              <a:rPr lang="en-US" dirty="0"/>
+              <a:t>from </a:t>
+            </a:r>
+            <a:r>
+              <a:rPr lang="en-US" dirty="0" err="1"/>
+              <a:t>django.db</a:t>
+            </a:r>
+            <a:r>
+              <a:rPr lang="en-US" dirty="0"/>
+              <a:t> import transaction</a:t>
+            </a:r>
+            <a:br>
+              <a:rPr lang="en-US" dirty="0"/>
+            </a:br>
+            <a:br>
+              <a:rPr lang="en-US" dirty="0"/>
+            </a:br>
+            <a:br>
+              <a:rPr lang="en-US" dirty="0"/>
+            </a:br>
+            <a:r>
+              <a:rPr lang="en-US" dirty="0">
+                <a:solidFill>
+                  <a:schemeClr val="accent6">
+                    <a:lumMod val="50000"/>
+                  </a:schemeClr>
+                </a:solidFill>
+              </a:rPr>
+              <a:t>#put all function inside transaction</a:t>
+            </a:r>
+          </a:p>
+          <a:p>
+            <a:pPr marL="0" indent="0">
+              <a:buNone/>
+            </a:pPr>
+            <a:r>
+              <a:rPr lang="en-US" dirty="0">
+                <a:highlight>
+                  <a:srgbClr val="00FFFF"/>
+                </a:highlight>
+              </a:rPr>
+              <a:t>@</a:t>
+            </a:r>
+            <a:r>
+              <a:rPr lang="en-US" dirty="0" err="1">
+                <a:highlight>
+                  <a:srgbClr val="00FFFF"/>
+                </a:highlight>
+              </a:rPr>
+              <a:t>transaction.atomic</a:t>
+            </a:r>
+            <a:endParaRPr lang="en-US" dirty="0">
+              <a:highlight>
+                <a:srgbClr val="00FFFF"/>
+              </a:highlight>
+            </a:endParaRPr>
+          </a:p>
+          <a:p>
+            <a:pPr marL="0" indent="0">
+              <a:buNone/>
+            </a:pPr>
+            <a:r>
+              <a:rPr lang="en-US" dirty="0"/>
+              <a:t>def </a:t>
+            </a:r>
+            <a:r>
+              <a:rPr lang="en-US" dirty="0" err="1"/>
+              <a:t>NewUser</a:t>
+            </a:r>
+            <a:r>
+              <a:rPr lang="en-US" dirty="0"/>
+              <a:t>(request):</a:t>
+            </a:r>
+          </a:p>
+          <a:p>
+            <a:pPr marL="0" indent="0">
+              <a:buNone/>
+            </a:pPr>
+            <a:r>
+              <a:rPr lang="en-US" dirty="0"/>
+              <a:t>        pass</a:t>
+            </a:r>
+          </a:p>
+          <a:p>
+            <a:pPr marL="0" indent="0">
+              <a:buNone/>
+            </a:pPr>
+            <a:r>
+              <a:rPr lang="en-US" dirty="0"/>
+              <a:t>################################################</a:t>
+            </a:r>
+          </a:p>
+          <a:p>
+            <a:pPr marL="0" indent="0">
+              <a:buNone/>
+            </a:pPr>
+            <a:r>
+              <a:rPr lang="en-US" sz="2900" dirty="0">
+                <a:solidFill>
+                  <a:schemeClr val="accent6">
+                    <a:lumMod val="50000"/>
+                  </a:schemeClr>
+                </a:solidFill>
+              </a:rPr>
+              <a:t>#Insert rows in two tables in Transaction</a:t>
+            </a:r>
+          </a:p>
+          <a:p>
+            <a:pPr marL="0" indent="0">
+              <a:buNone/>
+            </a:pPr>
+            <a:r>
+              <a:rPr lang="en-US" dirty="0">
+                <a:highlight>
+                  <a:srgbClr val="00FFFF"/>
+                </a:highlight>
+              </a:rPr>
+              <a:t>with </a:t>
+            </a:r>
+            <a:r>
+              <a:rPr lang="en-US" dirty="0" err="1">
+                <a:highlight>
+                  <a:srgbClr val="00FFFF"/>
+                </a:highlight>
+              </a:rPr>
+              <a:t>transaction.atomic</a:t>
+            </a:r>
+            <a:r>
+              <a:rPr lang="en-US" dirty="0">
+                <a:highlight>
+                  <a:srgbClr val="00FFFF"/>
+                </a:highlight>
+              </a:rPr>
+              <a:t>():</a:t>
+            </a:r>
+          </a:p>
+          <a:p>
+            <a:pPr marL="0" indent="0">
+              <a:buNone/>
+            </a:pPr>
+            <a:r>
+              <a:rPr lang="en-US" dirty="0"/>
+              <a:t>    </a:t>
+            </a:r>
+            <a:r>
+              <a:rPr lang="en-US" dirty="0" err="1"/>
+              <a:t>rootObj</a:t>
+            </a:r>
+            <a:r>
+              <a:rPr lang="en-US" dirty="0"/>
+              <a:t> = </a:t>
+            </a:r>
+            <a:r>
+              <a:rPr lang="en-US" dirty="0" err="1"/>
+              <a:t>marc_bibliographies.objects.create</a:t>
+            </a:r>
+            <a:r>
+              <a:rPr lang="en-US" dirty="0"/>
+              <a:t>(</a:t>
+            </a:r>
+            <a:r>
+              <a:rPr lang="en-US" dirty="0" err="1"/>
+              <a:t>title_ar</a:t>
+            </a:r>
+            <a:r>
+              <a:rPr lang="en-US" dirty="0"/>
+              <a:t>='',price=</a:t>
+            </a:r>
+            <a:r>
+              <a:rPr lang="en-US" dirty="0" err="1"/>
+              <a:t>price,source_id</a:t>
+            </a:r>
+            <a:r>
+              <a:rPr lang="en-US" dirty="0"/>
+              <a:t>=</a:t>
+            </a:r>
+            <a:r>
+              <a:rPr lang="en-US" dirty="0" err="1"/>
+              <a:t>Providerid</a:t>
+            </a:r>
+            <a:r>
+              <a:rPr lang="en-US" dirty="0"/>
+              <a:t>)</a:t>
+            </a:r>
+          </a:p>
+          <a:p>
+            <a:pPr marL="0" indent="0">
+              <a:buNone/>
+            </a:pPr>
+            <a:r>
+              <a:rPr lang="en-US" dirty="0"/>
+              <a:t>    </a:t>
+            </a:r>
+            <a:r>
+              <a:rPr lang="en-US" dirty="0" err="1"/>
+              <a:t>rootObj.save</a:t>
+            </a:r>
+            <a:r>
+              <a:rPr lang="en-US" dirty="0"/>
+              <a:t>()</a:t>
+            </a:r>
+          </a:p>
+          <a:p>
+            <a:pPr marL="0" indent="0">
+              <a:buNone/>
+            </a:pPr>
+            <a:br>
+              <a:rPr lang="en-US" dirty="0"/>
+            </a:br>
+            <a:br>
+              <a:rPr lang="en-US" dirty="0"/>
+            </a:br>
+            <a:r>
+              <a:rPr lang="en-US" dirty="0"/>
+              <a:t>    marc=</a:t>
+            </a:r>
+            <a:r>
+              <a:rPr lang="en-US" dirty="0" err="1"/>
+              <a:t>RawMarc.objects.create</a:t>
+            </a:r>
+            <a:r>
+              <a:rPr lang="en-US" dirty="0"/>
+              <a:t>(</a:t>
+            </a:r>
+            <a:r>
+              <a:rPr lang="en-US" dirty="0" err="1"/>
+              <a:t>BibID</a:t>
+            </a:r>
+            <a:r>
+              <a:rPr lang="en-US" dirty="0"/>
+              <a:t>=rootObj.pk, Key=</a:t>
+            </a:r>
+            <a:r>
+              <a:rPr lang="en-US" dirty="0" err="1"/>
+              <a:t>tags.tag,Value</a:t>
+            </a:r>
+            <a:r>
+              <a:rPr lang="en-US" dirty="0"/>
+              <a:t>=</a:t>
+            </a:r>
+            <a:r>
+              <a:rPr lang="en-US" dirty="0" err="1"/>
+              <a:t>tags.data</a:t>
+            </a:r>
+            <a:r>
+              <a:rPr lang="en-US" dirty="0"/>
+              <a:t>)</a:t>
+            </a:r>
+          </a:p>
+          <a:p>
+            <a:pPr marL="0" indent="0">
+              <a:buNone/>
+            </a:pPr>
+            <a:r>
+              <a:rPr lang="en-US" dirty="0"/>
+              <a:t>    </a:t>
+            </a:r>
+            <a:r>
+              <a:rPr lang="en-US" dirty="0" err="1"/>
+              <a:t>marc.save</a:t>
+            </a:r>
+            <a:r>
+              <a:rPr lang="en-US" dirty="0"/>
+              <a:t>() </a:t>
+            </a:r>
+          </a:p>
+          <a:p>
+            <a:pPr marL="0" indent="0">
+              <a:buNone/>
+            </a:pPr>
+            <a:endParaRPr lang="en-US" dirty="0"/>
+          </a:p>
+          <a:p>
+            <a:pPr marL="0" indent="0">
+              <a:buNone/>
+            </a:pPr>
+            <a:endParaRPr lang="en-US" dirty="0"/>
+          </a:p>
+        </p:txBody>
+      </p:sp>
+    </p:spTree>
+    <p:extLst>
+      <p:ext uri="{BB962C8B-B14F-4D97-AF65-F5344CB8AC3E}">
+        <p14:creationId xmlns:p14="http://schemas.microsoft.com/office/powerpoint/2010/main" val="4246078991"/>
+      </p:ext>
+    </p:extLst>
+  </p:cSld>
+  <p:clrMapOvr>
+    <a:masterClrMapping/>
+  </p:clrMapOvr>
+</p:sld>
+</file>
+
+<file path=ppt/slides/slide41.xml><?xml version="1.0" encoding="utf-8"?>
+<p:sld xmlns:a="http://schemas.openxmlformats.org/drawingml/2006/main" xmlns:r="http://schemas.openxmlformats.org/officeDocument/2006/relationships" xmlns:p="http://schemas.openxmlformats.org/presentationml/2006/main">
+  <p:cSld>
+    <p:spTree>
+      <p:nvGrpSpPr>
+        <p:cNvPr id="1" name=""/>
+        <p:cNvGrpSpPr/>
+        <p:nvPr/>
+      </p:nvGrpSpPr>
+      <p:grpSpPr>
+        <a:xfrm>
+          <a:off x="0" y="0"/>
+          <a:ext cx="0" cy="0"/>
+          <a:chOff x="0" y="0"/>
+          <a:chExt cx="0" cy="0"/>
+        </a:xfrm>
+      </p:grpSpPr>
+      <p:sp>
+        <p:nvSpPr>
+          <p:cNvPr id="2" name="Title 1">
+            <a:extLst>
+              <a:ext uri="{FF2B5EF4-FFF2-40B4-BE49-F238E27FC236}">
+                <a16:creationId xmlns:a16="http://schemas.microsoft.com/office/drawing/2014/main" id="{8BA215AB-547B-4E1F-8F5A-9AB62C6E02E2}"/>
+              </a:ext>
+            </a:extLst>
+          </p:cNvPr>
+          <p:cNvSpPr>
+            <a:spLocks noGrp="1"/>
+          </p:cNvSpPr>
+          <p:nvPr>
+            <p:ph type="ctrTitle"/>
+          </p:nvPr>
+        </p:nvSpPr>
+        <p:spPr/>
+        <p:txBody>
+          <a:bodyPr/>
+          <a:lstStyle/>
+          <a:p>
+            <a:r>
+              <a:rPr lang="en-US" dirty="0">
+                <a:latin typeface="Arial Black" panose="020B0A04020102020204" pitchFamily="34" charset="0"/>
+              </a:rPr>
+              <a:t>Django Free DB SQL</a:t>
+            </a:r>
+          </a:p>
+        </p:txBody>
+      </p:sp>
+      <p:sp>
+        <p:nvSpPr>
+          <p:cNvPr id="3" name="Subtitle 2">
+            <a:extLst>
+              <a:ext uri="{FF2B5EF4-FFF2-40B4-BE49-F238E27FC236}">
+                <a16:creationId xmlns:a16="http://schemas.microsoft.com/office/drawing/2014/main" id="{A8EC6D59-A8D6-4D28-95A6-2C9A8D0CEBA6}"/>
+              </a:ext>
+            </a:extLst>
+          </p:cNvPr>
+          <p:cNvSpPr>
+            <a:spLocks noGrp="1"/>
+          </p:cNvSpPr>
+          <p:nvPr>
+            <p:ph type="subTitle" idx="1"/>
+          </p:nvPr>
+        </p:nvSpPr>
+        <p:spPr/>
+        <p:txBody>
+          <a:bodyPr/>
+          <a:lstStyle/>
+          <a:p>
+            <a:r>
+              <a:rPr lang="en-US" dirty="0"/>
+              <a:t>How to write free </a:t>
+            </a:r>
+            <a:r>
+              <a:rPr lang="en-US" dirty="0" err="1"/>
+              <a:t>sql</a:t>
+            </a:r>
+            <a:r>
+              <a:rPr lang="en-US" dirty="0"/>
+              <a:t> commands to update DB inside view.py</a:t>
+            </a:r>
+          </a:p>
+        </p:txBody>
+      </p:sp>
+    </p:spTree>
+    <p:extLst>
+      <p:ext uri="{BB962C8B-B14F-4D97-AF65-F5344CB8AC3E}">
+        <p14:creationId xmlns:p14="http://schemas.microsoft.com/office/powerpoint/2010/main" val="1824157489"/>
+      </p:ext>
+    </p:extLst>
+  </p:cSld>
+  <p:clrMapOvr>
+    <a:masterClrMapping/>
+  </p:clrMapOvr>
+</p:sld>
+</file>
+
+<file path=ppt/slides/slide42.xml><?xml version="1.0" encoding="utf-8"?>
+<p:sld xmlns:a="http://schemas.openxmlformats.org/drawingml/2006/main" xmlns:r="http://schemas.openxmlformats.org/officeDocument/2006/relationships" xmlns:p="http://schemas.openxmlformats.org/presentationml/2006/main">
+  <p:cSld>
+    <p:spTree>
+      <p:nvGrpSpPr>
+        <p:cNvPr id="1" name=""/>
+        <p:cNvGrpSpPr/>
+        <p:nvPr/>
+      </p:nvGrpSpPr>
+      <p:grpSpPr>
+        <a:xfrm>
+          <a:off x="0" y="0"/>
+          <a:ext cx="0" cy="0"/>
+          <a:chOff x="0" y="0"/>
+          <a:chExt cx="0" cy="0"/>
+        </a:xfrm>
+      </p:grpSpPr>
+      <p:sp>
+        <p:nvSpPr>
+          <p:cNvPr id="2" name="Title 1">
+            <a:extLst>
+              <a:ext uri="{FF2B5EF4-FFF2-40B4-BE49-F238E27FC236}">
+                <a16:creationId xmlns:a16="http://schemas.microsoft.com/office/drawing/2014/main" id="{F9FC92A5-6910-4383-BF1E-46D2E7500BB2}"/>
+              </a:ext>
+            </a:extLst>
+          </p:cNvPr>
+          <p:cNvSpPr>
+            <a:spLocks noGrp="1"/>
+          </p:cNvSpPr>
+          <p:nvPr>
+            <p:ph type="title"/>
+          </p:nvPr>
+        </p:nvSpPr>
+        <p:spPr/>
+        <p:txBody>
+          <a:bodyPr>
+            <a:normAutofit/>
+          </a:bodyPr>
+          <a:lstStyle/>
+          <a:p>
+            <a:r>
+              <a:rPr lang="en-US" sz="3200" dirty="0">
+                <a:latin typeface="Arial Black" panose="020B0A04020102020204" pitchFamily="34" charset="0"/>
+              </a:rPr>
+              <a:t>Custom Insert/Update/Delete/Select</a:t>
+            </a:r>
+          </a:p>
+        </p:txBody>
+      </p:sp>
+      <p:sp>
+        <p:nvSpPr>
+          <p:cNvPr id="3" name="Content Placeholder 2">
+            <a:extLst>
+              <a:ext uri="{FF2B5EF4-FFF2-40B4-BE49-F238E27FC236}">
+                <a16:creationId xmlns:a16="http://schemas.microsoft.com/office/drawing/2014/main" id="{2367544F-5506-4225-BCF0-5306D45DAA85}"/>
+              </a:ext>
+            </a:extLst>
+          </p:cNvPr>
+          <p:cNvSpPr>
+            <a:spLocks noGrp="1"/>
+          </p:cNvSpPr>
+          <p:nvPr>
+            <p:ph idx="1"/>
+          </p:nvPr>
+        </p:nvSpPr>
+        <p:spPr>
+          <a:xfrm>
+            <a:off x="838200" y="1623704"/>
+            <a:ext cx="10515600" cy="5234295"/>
+          </a:xfrm>
+        </p:spPr>
+        <p:txBody>
+          <a:bodyPr>
+            <a:normAutofit fontScale="55000" lnSpcReduction="20000"/>
+          </a:bodyPr>
+          <a:lstStyle/>
+          <a:p>
+            <a:pPr marL="0" indent="0">
+              <a:buNone/>
+            </a:pPr>
+            <a:r>
+              <a:rPr lang="en-US" dirty="0"/>
+              <a:t>from </a:t>
+            </a:r>
+            <a:r>
+              <a:rPr lang="en-US" dirty="0" err="1"/>
+              <a:t>django.db</a:t>
+            </a:r>
+            <a:r>
+              <a:rPr lang="en-US" dirty="0"/>
+              <a:t> import connection</a:t>
+            </a:r>
+          </a:p>
+          <a:p>
+            <a:pPr marL="0" indent="0">
+              <a:buNone/>
+            </a:pPr>
+            <a:r>
+              <a:rPr lang="en-US" b="1" dirty="0"/>
+              <a:t>def </a:t>
+            </a:r>
+            <a:r>
+              <a:rPr lang="en-US" b="1" dirty="0" err="1"/>
+              <a:t>custom_sql_insert</a:t>
+            </a:r>
+            <a:r>
+              <a:rPr lang="en-US" b="1" dirty="0"/>
+              <a:t>(SQL):</a:t>
+            </a:r>
+          </a:p>
+          <a:p>
+            <a:pPr marL="0" indent="0">
+              <a:buNone/>
+            </a:pPr>
+            <a:r>
+              <a:rPr lang="en-US" dirty="0"/>
+              <a:t>    try:</a:t>
+            </a:r>
+          </a:p>
+          <a:p>
+            <a:pPr marL="0" indent="0">
+              <a:buNone/>
+            </a:pPr>
+            <a:r>
+              <a:rPr lang="en-US" dirty="0"/>
+              <a:t>        cursor = </a:t>
+            </a:r>
+            <a:r>
+              <a:rPr lang="en-US" dirty="0" err="1"/>
+              <a:t>connection.cursor</a:t>
+            </a:r>
+            <a:r>
+              <a:rPr lang="en-US" dirty="0"/>
+              <a:t>()</a:t>
+            </a:r>
+          </a:p>
+          <a:p>
+            <a:pPr marL="0" indent="0">
+              <a:buNone/>
+            </a:pPr>
+            <a:r>
+              <a:rPr lang="en-US" dirty="0"/>
+              <a:t>        </a:t>
+            </a:r>
+            <a:r>
+              <a:rPr lang="en-US" dirty="0" err="1"/>
+              <a:t>cursor.execute</a:t>
+            </a:r>
+            <a:r>
+              <a:rPr lang="en-US" dirty="0"/>
+              <a:t>(SQL)</a:t>
+            </a:r>
+          </a:p>
+          <a:p>
+            <a:pPr marL="0" indent="0">
+              <a:buNone/>
+            </a:pPr>
+            <a:r>
+              <a:rPr lang="en-US" dirty="0"/>
+              <a:t>        return </a:t>
+            </a:r>
+            <a:r>
+              <a:rPr lang="en-US" dirty="0" err="1"/>
+              <a:t>cursor.lastrowid</a:t>
+            </a:r>
+            <a:endParaRPr lang="en-US" dirty="0"/>
+          </a:p>
+          <a:p>
+            <a:pPr marL="0" indent="0">
+              <a:buNone/>
+            </a:pPr>
+            <a:r>
+              <a:rPr lang="en-US" dirty="0"/>
+              <a:t>    except Exception as e:</a:t>
+            </a:r>
+          </a:p>
+          <a:p>
+            <a:pPr marL="0" indent="0">
+              <a:buNone/>
+            </a:pPr>
+            <a:r>
+              <a:rPr lang="en-US" dirty="0"/>
+              <a:t>        return 0</a:t>
+            </a:r>
+          </a:p>
+          <a:p>
+            <a:pPr marL="0" indent="0">
+              <a:buNone/>
+            </a:pPr>
+            <a:br>
+              <a:rPr lang="en-US" dirty="0"/>
+            </a:br>
+            <a:br>
+              <a:rPr lang="en-US" b="1" dirty="0"/>
+            </a:br>
+            <a:r>
+              <a:rPr lang="en-US" b="1" dirty="0"/>
+              <a:t>def </a:t>
+            </a:r>
+            <a:r>
+              <a:rPr lang="en-US" b="1" dirty="0" err="1"/>
+              <a:t>custom_sql_insert_update_delete</a:t>
+            </a:r>
+            <a:r>
+              <a:rPr lang="en-US" b="1" dirty="0"/>
+              <a:t>(SQL):</a:t>
+            </a:r>
+          </a:p>
+          <a:p>
+            <a:pPr marL="0" indent="0">
+              <a:buNone/>
+            </a:pPr>
+            <a:r>
+              <a:rPr lang="en-US" dirty="0"/>
+              <a:t>    cursor = </a:t>
+            </a:r>
+            <a:r>
+              <a:rPr lang="en-US" dirty="0" err="1"/>
+              <a:t>connection.cursor</a:t>
+            </a:r>
+            <a:r>
+              <a:rPr lang="en-US" dirty="0"/>
+              <a:t>()</a:t>
+            </a:r>
+          </a:p>
+          <a:p>
+            <a:pPr marL="0" indent="0">
+              <a:buNone/>
+            </a:pPr>
+            <a:r>
+              <a:rPr lang="en-US" dirty="0"/>
+              <a:t>    </a:t>
+            </a:r>
+            <a:r>
+              <a:rPr lang="en-US" dirty="0" err="1"/>
+              <a:t>cursor.execute</a:t>
+            </a:r>
+            <a:r>
+              <a:rPr lang="en-US" dirty="0"/>
+              <a:t>(SQL)</a:t>
+            </a:r>
+          </a:p>
+          <a:p>
+            <a:pPr marL="0" indent="0">
+              <a:buNone/>
+            </a:pPr>
+            <a:br>
+              <a:rPr lang="en-US" dirty="0"/>
+            </a:br>
+            <a:br>
+              <a:rPr lang="en-US" dirty="0"/>
+            </a:br>
+            <a:r>
+              <a:rPr lang="en-US" b="1" dirty="0"/>
+              <a:t>def </a:t>
+            </a:r>
+            <a:r>
+              <a:rPr lang="en-US" b="1" dirty="0" err="1"/>
+              <a:t>custom_sql_select</a:t>
+            </a:r>
+            <a:r>
+              <a:rPr lang="en-US" b="1" dirty="0"/>
+              <a:t>(SQL):</a:t>
+            </a:r>
+          </a:p>
+          <a:p>
+            <a:pPr marL="0" indent="0">
+              <a:buNone/>
+            </a:pPr>
+            <a:r>
+              <a:rPr lang="en-US" dirty="0"/>
+              <a:t>    with </a:t>
+            </a:r>
+            <a:r>
+              <a:rPr lang="en-US" dirty="0" err="1"/>
+              <a:t>connection.cursor</a:t>
+            </a:r>
+            <a:r>
+              <a:rPr lang="en-US" dirty="0"/>
+              <a:t>() as cursor:</a:t>
+            </a:r>
+          </a:p>
+          <a:p>
+            <a:pPr marL="0" indent="0">
+              <a:buNone/>
+            </a:pPr>
+            <a:r>
+              <a:rPr lang="en-US" dirty="0"/>
+              <a:t>        </a:t>
+            </a:r>
+            <a:r>
+              <a:rPr lang="en-US" dirty="0" err="1"/>
+              <a:t>cursor.execute</a:t>
+            </a:r>
+            <a:r>
+              <a:rPr lang="en-US" dirty="0"/>
+              <a:t>(SQL)</a:t>
+            </a:r>
+          </a:p>
+          <a:p>
+            <a:pPr marL="0" indent="0">
+              <a:buNone/>
+            </a:pPr>
+            <a:r>
+              <a:rPr lang="en-US" dirty="0"/>
+              <a:t>        rows = </a:t>
+            </a:r>
+            <a:r>
+              <a:rPr lang="en-US" dirty="0" err="1"/>
+              <a:t>cursor.fetchall</a:t>
+            </a:r>
+            <a:r>
+              <a:rPr lang="en-US" dirty="0"/>
+              <a:t>()</a:t>
+            </a:r>
+          </a:p>
+          <a:p>
+            <a:pPr marL="0" indent="0">
+              <a:buNone/>
+            </a:pPr>
+            <a:r>
+              <a:rPr lang="en-US" dirty="0"/>
+              <a:t>        return rows</a:t>
+            </a:r>
+          </a:p>
+        </p:txBody>
+      </p:sp>
+    </p:spTree>
+    <p:extLst>
+      <p:ext uri="{BB962C8B-B14F-4D97-AF65-F5344CB8AC3E}">
+        <p14:creationId xmlns:p14="http://schemas.microsoft.com/office/powerpoint/2010/main" val="224300449"/>
+      </p:ext>
+    </p:extLst>
+  </p:cSld>
+  <p:clrMapOvr>
+    <a:masterClrMapping/>
+  </p:clrMapOvr>
+</p:sld>
+</file>
+
+<file path=ppt/slides/slide43.xml><?xml version="1.0" encoding="utf-8"?>
+<p:sld xmlns:a="http://schemas.openxmlformats.org/drawingml/2006/main" xmlns:r="http://schemas.openxmlformats.org/officeDocument/2006/relationships" xmlns:p="http://schemas.openxmlformats.org/presentationml/2006/main">
+  <p:cSld>
+    <p:spTree>
+      <p:nvGrpSpPr>
+        <p:cNvPr id="1" name=""/>
+        <p:cNvGrpSpPr/>
+        <p:nvPr/>
+      </p:nvGrpSpPr>
+      <p:grpSpPr>
+        <a:xfrm>
+          <a:off x="0" y="0"/>
+          <a:ext cx="0" cy="0"/>
+          <a:chOff x="0" y="0"/>
+          <a:chExt cx="0" cy="0"/>
+        </a:xfrm>
+      </p:grpSpPr>
+      <p:sp>
+        <p:nvSpPr>
+          <p:cNvPr id="2" name="Title 1">
+            <a:extLst>
+              <a:ext uri="{FF2B5EF4-FFF2-40B4-BE49-F238E27FC236}">
                 <a16:creationId xmlns:a16="http://schemas.microsoft.com/office/drawing/2014/main" id="{D98EA498-FB35-4B8F-9FC3-E02AB0D6935A}"/>
               </a:ext>
             </a:extLst>
@@ -11118,7 +12017,7 @@
 </p:sld>
 </file>
 
-<file path=ppt/slides/slide41.xml><?xml version="1.0" encoding="utf-8"?>
+<file path=ppt/slides/slide44.xml><?xml version="1.0" encoding="utf-8"?>
 <p:sld xmlns:a="http://schemas.openxmlformats.org/drawingml/2006/main" xmlns:r="http://schemas.openxmlformats.org/officeDocument/2006/relationships" xmlns:p="http://schemas.openxmlformats.org/presentationml/2006/main">
   <p:cSld>
     <p:spTree>
@@ -11221,6 +12120,210 @@
     <p:extLst>
       <p:ext uri="{BB962C8B-B14F-4D97-AF65-F5344CB8AC3E}">
         <p14:creationId xmlns:p14="http://schemas.microsoft.com/office/powerpoint/2010/main" val="2079032783"/>
+      </p:ext>
+    </p:extLst>
+  </p:cSld>
+  <p:clrMapOvr>
+    <a:masterClrMapping/>
+  </p:clrMapOvr>
+</p:sld>
+</file>
+
+<file path=ppt/slides/slide45.xml><?xml version="1.0" encoding="utf-8"?>
+<p:sld xmlns:a="http://schemas.openxmlformats.org/drawingml/2006/main" xmlns:r="http://schemas.openxmlformats.org/officeDocument/2006/relationships" xmlns:p="http://schemas.openxmlformats.org/presentationml/2006/main">
+  <p:cSld>
+    <p:spTree>
+      <p:nvGrpSpPr>
+        <p:cNvPr id="1" name=""/>
+        <p:cNvGrpSpPr/>
+        <p:nvPr/>
+      </p:nvGrpSpPr>
+      <p:grpSpPr>
+        <a:xfrm>
+          <a:off x="0" y="0"/>
+          <a:ext cx="0" cy="0"/>
+          <a:chOff x="0" y="0"/>
+          <a:chExt cx="0" cy="0"/>
+        </a:xfrm>
+      </p:grpSpPr>
+      <p:sp>
+        <p:nvSpPr>
+          <p:cNvPr id="2" name="Title 1">
+            <a:extLst>
+              <a:ext uri="{FF2B5EF4-FFF2-40B4-BE49-F238E27FC236}">
+                <a16:creationId xmlns:a16="http://schemas.microsoft.com/office/drawing/2014/main" id="{5409D99C-DD83-4A1E-8780-CC9ED8AA1763}"/>
+              </a:ext>
+            </a:extLst>
+          </p:cNvPr>
+          <p:cNvSpPr>
+            <a:spLocks noGrp="1"/>
+          </p:cNvSpPr>
+          <p:nvPr>
+            <p:ph type="title"/>
+          </p:nvPr>
+        </p:nvSpPr>
+        <p:spPr/>
+        <p:txBody>
+          <a:bodyPr>
+            <a:noAutofit/>
+          </a:bodyPr>
+          <a:lstStyle/>
+          <a:p>
+            <a:r>
+              <a:rPr lang="en-US" sz="2400" b="1" dirty="0">
+                <a:latin typeface="Arial Black" panose="020B0A04020102020204" pitchFamily="34" charset="0"/>
+              </a:rPr>
+              <a:t>How to Handle Files uploaded at run time using settings.py?</a:t>
+            </a:r>
+            <a:endParaRPr lang="en-US" sz="2400" dirty="0">
+              <a:latin typeface="Arial Black" panose="020B0A04020102020204" pitchFamily="34" charset="0"/>
+            </a:endParaRPr>
+          </a:p>
+        </p:txBody>
+      </p:sp>
+      <p:sp>
+        <p:nvSpPr>
+          <p:cNvPr id="3" name="Content Placeholder 2">
+            <a:extLst>
+              <a:ext uri="{FF2B5EF4-FFF2-40B4-BE49-F238E27FC236}">
+                <a16:creationId xmlns:a16="http://schemas.microsoft.com/office/drawing/2014/main" id="{8A14F4D5-EBF6-445C-B423-9EC25E4E1449}"/>
+              </a:ext>
+            </a:extLst>
+          </p:cNvPr>
+          <p:cNvSpPr>
+            <a:spLocks noGrp="1"/>
+          </p:cNvSpPr>
+          <p:nvPr>
+            <p:ph idx="1"/>
+          </p:nvPr>
+        </p:nvSpPr>
+        <p:spPr>
+          <a:xfrm>
+            <a:off x="838200" y="1623705"/>
+            <a:ext cx="10515600" cy="2725011"/>
+          </a:xfrm>
+        </p:spPr>
+        <p:txBody>
+          <a:bodyPr>
+            <a:normAutofit/>
+          </a:bodyPr>
+          <a:lstStyle/>
+          <a:p>
+            <a:pPr marL="0" indent="0">
+              <a:buNone/>
+            </a:pPr>
+            <a:r>
+              <a:rPr lang="en-US" sz="2000" b="1" dirty="0"/>
+              <a:t>MEDIA_ROOT/MEDIA_URL</a:t>
+            </a:r>
+            <a:r>
+              <a:rPr lang="en-US" sz="2000" dirty="0"/>
+              <a:t>, handle files uploaded on runtime by users</a:t>
+            </a:r>
+            <a:br>
+              <a:rPr lang="en-US" sz="2000" dirty="0"/>
+            </a:br>
+            <a:br>
+              <a:rPr lang="en-US" sz="2000" dirty="0"/>
+            </a:br>
+            <a:r>
+              <a:rPr lang="en-US" sz="2000" dirty="0"/>
+              <a:t>_ROOT: means where these files are located on HD</a:t>
+            </a:r>
+            <a:br>
+              <a:rPr lang="en-US" sz="2000" dirty="0"/>
+            </a:br>
+            <a:r>
+              <a:rPr lang="en-US" sz="2000" dirty="0"/>
+              <a:t>_URL: means how you can call these files in the URL</a:t>
+            </a:r>
+            <a:br>
+              <a:rPr lang="en-US" sz="2000" dirty="0"/>
+            </a:br>
+            <a:br>
+              <a:rPr lang="en-US" sz="2000" dirty="0"/>
+            </a:br>
+            <a:br>
+              <a:rPr lang="en-US" sz="2000" dirty="0"/>
+            </a:br>
+            <a:r>
+              <a:rPr lang="en-US" sz="2000" dirty="0"/>
+              <a:t>MEDIA_URL = '/</a:t>
+            </a:r>
+            <a:r>
+              <a:rPr lang="en-US" sz="2000" dirty="0" err="1"/>
+              <a:t>FileUpload</a:t>
+            </a:r>
+            <a:r>
+              <a:rPr lang="en-US" sz="2000" dirty="0"/>
+              <a:t>/'</a:t>
+            </a:r>
+            <a:br>
+              <a:rPr lang="en-US" sz="2000" dirty="0"/>
+            </a:br>
+            <a:r>
+              <a:rPr lang="en-US" sz="2000" dirty="0"/>
+              <a:t>MEDIA_ROOT = </a:t>
+            </a:r>
+            <a:r>
+              <a:rPr lang="en-US" sz="2000" dirty="0" err="1"/>
+              <a:t>os.path.join</a:t>
+            </a:r>
+            <a:r>
+              <a:rPr lang="en-US" sz="2000" dirty="0"/>
+              <a:t>(BASE_DIR ,'static', '</a:t>
+            </a:r>
+            <a:r>
+              <a:rPr lang="en-US" sz="2000" dirty="0" err="1"/>
+              <a:t>FileUpload</a:t>
+            </a:r>
+            <a:r>
+              <a:rPr lang="en-US" sz="2000" dirty="0"/>
+              <a:t>/')</a:t>
+            </a:r>
+          </a:p>
+          <a:p>
+            <a:pPr marL="0" indent="0">
+              <a:buNone/>
+            </a:pPr>
+            <a:endParaRPr lang="en-US" sz="2000" dirty="0"/>
+          </a:p>
+        </p:txBody>
+      </p:sp>
+      <p:pic>
+        <p:nvPicPr>
+          <p:cNvPr id="4" name="Picture 3">
+            <a:extLst>
+              <a:ext uri="{FF2B5EF4-FFF2-40B4-BE49-F238E27FC236}">
+                <a16:creationId xmlns:a16="http://schemas.microsoft.com/office/drawing/2014/main" id="{B0EB26C9-A9F0-4B48-B4C7-9E132170CD05}"/>
+              </a:ext>
+            </a:extLst>
+          </p:cNvPr>
+          <p:cNvPicPr>
+            <a:picLocks noChangeAspect="1"/>
+          </p:cNvPicPr>
+          <p:nvPr/>
+        </p:nvPicPr>
+        <p:blipFill>
+          <a:blip r:embed="rId2"/>
+          <a:stretch>
+            <a:fillRect/>
+          </a:stretch>
+        </p:blipFill>
+        <p:spPr>
+          <a:xfrm>
+            <a:off x="838200" y="4501248"/>
+            <a:ext cx="8726118" cy="2229161"/>
+          </a:xfrm>
+          <a:prstGeom prst="rect">
+            <a:avLst/>
+          </a:prstGeom>
+        </p:spPr>
+      </p:pic>
+    </p:spTree>
+    <p:extLst>
+      <p:ext uri="{BB962C8B-B14F-4D97-AF65-F5344CB8AC3E}">
+        <p14:creationId xmlns:p14="http://schemas.microsoft.com/office/powerpoint/2010/main" val="1657898112"/>
       </p:ext>
     </p:extLst>
   </p:cSld>
@@ -11639,7 +12742,7 @@
           <p:cNvPr id="2" name="Title 1">
             <a:extLst>
               <a:ext uri="{FF2B5EF4-FFF2-40B4-BE49-F238E27FC236}">
-                <a16:creationId xmlns:a16="http://schemas.microsoft.com/office/drawing/2014/main" id="{61009450-2885-4F6F-BC04-3AC8E7E95BE0}"/>
+                <a16:creationId xmlns:a16="http://schemas.microsoft.com/office/drawing/2014/main" id="{EFC29A8C-3F27-40AE-A662-D54EFCA0E332}"/>
               </a:ext>
             </a:extLst>
           </p:cNvPr>
@@ -11647,7 +12750,7 @@
             <a:spLocks noGrp="1"/>
           </p:cNvSpPr>
           <p:nvPr>
-            <p:ph type="ctrTitle"/>
+            <p:ph type="title"/>
           </p:nvPr>
         </p:nvSpPr>
         <p:spPr/>
@@ -11656,20 +12759,20 @@
           <a:lstStyle/>
           <a:p>
             <a:r>
-              <a:rPr lang="en-US" b="1" dirty="0">
+              <a:rPr lang="en-US" dirty="0">
                 <a:latin typeface="Arial Black" panose="020B0A04020102020204" pitchFamily="34" charset="0"/>
               </a:rPr>
-              <a:t>Django Templates</a:t>
-            </a:r>
-          </a:p>
-        </p:txBody>
-      </p:sp>
-      <p:sp>
-        <p:nvSpPr>
-          <p:cNvPr id="3" name="Subtitle 2">
+              <a:t>Create New App</a:t>
+            </a:r>
+          </a:p>
+        </p:txBody>
+      </p:sp>
+      <p:sp>
+        <p:nvSpPr>
+          <p:cNvPr id="3" name="Content Placeholder 2">
             <a:extLst>
               <a:ext uri="{FF2B5EF4-FFF2-40B4-BE49-F238E27FC236}">
-                <a16:creationId xmlns:a16="http://schemas.microsoft.com/office/drawing/2014/main" id="{138B3528-696F-4C19-AF18-3A5A8AEB8BA7}"/>
+                <a16:creationId xmlns:a16="http://schemas.microsoft.com/office/drawing/2014/main" id="{A3124730-248A-458A-BFC1-3D4A104C87F3}"/>
               </a:ext>
             </a:extLst>
           </p:cNvPr>
@@ -11677,22 +12780,150 @@
             <a:spLocks noGrp="1"/>
           </p:cNvSpPr>
           <p:nvPr>
-            <p:ph type="subTitle" idx="1"/>
+            <p:ph idx="1"/>
           </p:nvPr>
         </p:nvSpPr>
         <p:spPr/>
         <p:txBody>
-          <a:bodyPr/>
-          <a:lstStyle/>
-          <a:p>
-            <a:endParaRPr lang="en-US"/>
-          </a:p>
-        </p:txBody>
-      </p:sp>
+          <a:bodyPr>
+            <a:normAutofit fontScale="62500" lnSpcReduction="20000"/>
+          </a:bodyPr>
+          <a:lstStyle/>
+          <a:p>
+            <a:r>
+              <a:rPr lang="en-US" b="1" dirty="0"/>
+              <a:t>$ ./manage.py </a:t>
+            </a:r>
+            <a:r>
+              <a:rPr lang="en-US" b="1" dirty="0" err="1"/>
+              <a:t>startapp</a:t>
+            </a:r>
+            <a:r>
+              <a:rPr lang="en-US" b="1" dirty="0"/>
+              <a:t> main</a:t>
+            </a:r>
+          </a:p>
+          <a:p>
+            <a:pPr marL="0" indent="0">
+              <a:buNone/>
+            </a:pPr>
+            <a:r>
+              <a:rPr lang="en-US" sz="2100" dirty="0"/>
+              <a:t>Where main is the App name</a:t>
+            </a:r>
+          </a:p>
+          <a:p>
+            <a:pPr marL="0" indent="0">
+              <a:buNone/>
+            </a:pPr>
+            <a:br>
+              <a:rPr lang="en-US" dirty="0"/>
+            </a:br>
+            <a:r>
+              <a:rPr lang="en-US" dirty="0"/>
+              <a:t>this will create a new folder with name main contains these items</a:t>
+            </a:r>
+            <a:br>
+              <a:rPr lang="en-US" dirty="0"/>
+            </a:br>
+            <a:endParaRPr lang="en-US" dirty="0"/>
+          </a:p>
+          <a:p>
+            <a:pPr marL="0" indent="0">
+              <a:buNone/>
+            </a:pPr>
+            <a:r>
+              <a:rPr lang="en-US" dirty="0"/>
+              <a:t>main/:</a:t>
+            </a:r>
+          </a:p>
+          <a:p>
+            <a:r>
+              <a:rPr lang="en-US" dirty="0"/>
+              <a:t>__init__.py  </a:t>
+            </a:r>
+          </a:p>
+          <a:p>
+            <a:r>
+              <a:rPr lang="en-US" dirty="0"/>
+              <a:t>admin.py  </a:t>
+            </a:r>
+          </a:p>
+          <a:p>
+            <a:r>
+              <a:rPr lang="en-US" dirty="0"/>
+              <a:t>apps.py  </a:t>
+            </a:r>
+          </a:p>
+          <a:p>
+            <a:r>
+              <a:rPr lang="en-US" dirty="0"/>
+              <a:t>models.py  </a:t>
+            </a:r>
+          </a:p>
+          <a:p>
+            <a:r>
+              <a:rPr lang="en-US" dirty="0"/>
+              <a:t>views.py</a:t>
+            </a:r>
+          </a:p>
+          <a:p>
+            <a:r>
+              <a:rPr lang="en-US" dirty="0"/>
+              <a:t>tests.py</a:t>
+            </a:r>
+          </a:p>
+          <a:p>
+            <a:r>
+              <a:rPr lang="en-US" dirty="0"/>
+              <a:t>migrations  </a:t>
+            </a:r>
+          </a:p>
+          <a:p>
+            <a:pPr marL="0" indent="0">
+              <a:buNone/>
+            </a:pPr>
+            <a:br>
+              <a:rPr lang="en-US" dirty="0"/>
+            </a:br>
+            <a:endParaRPr lang="en-US" dirty="0"/>
+          </a:p>
+        </p:txBody>
+      </p:sp>
+      <p:pic>
+        <p:nvPicPr>
+          <p:cNvPr id="4" name="Picture 3">
+            <a:extLst>
+              <a:ext uri="{FF2B5EF4-FFF2-40B4-BE49-F238E27FC236}">
+                <a16:creationId xmlns:a16="http://schemas.microsoft.com/office/drawing/2014/main" id="{5CEEF387-2E57-4D64-9C90-58F4644F0DC5}"/>
+              </a:ext>
+            </a:extLst>
+          </p:cNvPr>
+          <p:cNvPicPr>
+            <a:picLocks noChangeAspect="1"/>
+          </p:cNvPicPr>
+          <p:nvPr/>
+        </p:nvPicPr>
+        <p:blipFill>
+          <a:blip r:embed="rId2"/>
+          <a:stretch>
+            <a:fillRect/>
+          </a:stretch>
+        </p:blipFill>
+        <p:spPr>
+          <a:xfrm>
+            <a:off x="8633637" y="1609860"/>
+            <a:ext cx="3373671" cy="4977466"/>
+          </a:xfrm>
+          <a:prstGeom prst="rect">
+            <a:avLst/>
+          </a:prstGeom>
+        </p:spPr>
+      </p:pic>
     </p:spTree>
     <p:extLst>
       <p:ext uri="{BB962C8B-B14F-4D97-AF65-F5344CB8AC3E}">
-        <p14:creationId xmlns:p14="http://schemas.microsoft.com/office/powerpoint/2010/main" val="3014533268"/>
+        <p14:creationId xmlns:p14="http://schemas.microsoft.com/office/powerpoint/2010/main" val="1526230599"/>
       </p:ext>
     </p:extLst>
   </p:cSld>
@@ -11724,7 +12955,7 @@
           <p:cNvPr id="2" name="Title 1">
             <a:extLst>
               <a:ext uri="{FF2B5EF4-FFF2-40B4-BE49-F238E27FC236}">
-                <a16:creationId xmlns:a16="http://schemas.microsoft.com/office/drawing/2014/main" id="{7757DD73-C4B4-49F8-8A47-E527041D6526}"/>
+                <a16:creationId xmlns:a16="http://schemas.microsoft.com/office/drawing/2014/main" id="{04E1DBA0-A632-4410-BAED-DACE940D0D6A}"/>
               </a:ext>
             </a:extLst>
           </p:cNvPr>
@@ -11735,12 +12966,7 @@
             <p:ph type="title"/>
           </p:nvPr>
         </p:nvSpPr>
-        <p:spPr>
-          <a:xfrm>
-            <a:off x="839788" y="776177"/>
-            <a:ext cx="10515600" cy="914511"/>
-          </a:xfrm>
-        </p:spPr>
+        <p:spPr/>
         <p:txBody>
           <a:bodyPr>
             <a:normAutofit/>
@@ -11748,20 +12974,20 @@
           <a:lstStyle/>
           <a:p>
             <a:r>
-              <a:rPr lang="en-US" sz="4000" dirty="0">
+              <a:rPr lang="en-US" sz="3600" dirty="0">
                 <a:latin typeface="Arial Black" panose="020B0A04020102020204" pitchFamily="34" charset="0"/>
               </a:rPr>
-              <a:t>{% extends %}   and   {% block %}</a:t>
-            </a:r>
-          </a:p>
-        </p:txBody>
-      </p:sp>
-      <p:sp>
-        <p:nvSpPr>
-          <p:cNvPr id="3" name="Text Placeholder 2">
+              <a:t>Prepare machine to run DJANGO project</a:t>
+            </a:r>
+          </a:p>
+        </p:txBody>
+      </p:sp>
+      <p:sp>
+        <p:nvSpPr>
+          <p:cNvPr id="3" name="Content Placeholder 2">
             <a:extLst>
               <a:ext uri="{FF2B5EF4-FFF2-40B4-BE49-F238E27FC236}">
-                <a16:creationId xmlns:a16="http://schemas.microsoft.com/office/drawing/2014/main" id="{76653A41-9AAF-428E-9252-86577AE44851}"/>
+                <a16:creationId xmlns:a16="http://schemas.microsoft.com/office/drawing/2014/main" id="{BAFBE924-E339-426C-B0E8-017BBEFFFC05}"/>
               </a:ext>
             </a:extLst>
           </p:cNvPr>
@@ -11769,273 +12995,72 @@
             <a:spLocks noGrp="1"/>
           </p:cNvSpPr>
           <p:nvPr>
-            <p:ph type="body" idx="1"/>
-          </p:nvPr>
-        </p:nvSpPr>
-        <p:spPr>
-          <a:xfrm>
-            <a:off x="116958" y="1681163"/>
-            <a:ext cx="5880617" cy="445349"/>
-          </a:xfrm>
-          <a:solidFill>
-            <a:schemeClr val="accent3">
-              <a:lumMod val="40000"/>
-              <a:lumOff val="60000"/>
-            </a:schemeClr>
-          </a:solidFill>
-        </p:spPr>
+            <p:ph idx="1"/>
+          </p:nvPr>
+        </p:nvSpPr>
+        <p:spPr/>
         <p:txBody>
           <a:bodyPr/>
           <a:lstStyle/>
           <a:p>
-            <a:r>
-              <a:rPr lang="en-US" dirty="0"/>
-              <a:t>Index.html</a:t>
-            </a:r>
-          </a:p>
-        </p:txBody>
-      </p:sp>
-      <p:sp>
-        <p:nvSpPr>
-          <p:cNvPr id="4" name="Content Placeholder 3">
-            <a:extLst>
-              <a:ext uri="{FF2B5EF4-FFF2-40B4-BE49-F238E27FC236}">
-                <a16:creationId xmlns:a16="http://schemas.microsoft.com/office/drawing/2014/main" id="{8B33E08F-6AF1-445E-AF33-6241BD624CBB}"/>
-              </a:ext>
-            </a:extLst>
-          </p:cNvPr>
-          <p:cNvSpPr>
-            <a:spLocks noGrp="1"/>
-          </p:cNvSpPr>
-          <p:nvPr>
-            <p:ph sz="half" idx="2"/>
-          </p:nvPr>
-        </p:nvSpPr>
-        <p:spPr>
-          <a:xfrm>
-            <a:off x="116958" y="2126512"/>
-            <a:ext cx="5880617" cy="4731487"/>
-          </a:xfrm>
-          <a:solidFill>
-            <a:schemeClr val="bg1">
-              <a:lumMod val="95000"/>
-            </a:schemeClr>
-          </a:solidFill>
-        </p:spPr>
-        <p:txBody>
-          <a:bodyPr>
-            <a:normAutofit fontScale="77500" lnSpcReduction="20000"/>
-          </a:bodyPr>
-          <a:lstStyle/>
-          <a:p>
-            <a:pPr marL="0" indent="0">
-              <a:buNone/>
-            </a:pPr>
-            <a:r>
-              <a:rPr lang="en-US" dirty="0"/>
-              <a:t>&lt;html&gt;</a:t>
-            </a:r>
-          </a:p>
-          <a:p>
-            <a:pPr marL="0" indent="0">
-              <a:buNone/>
-            </a:pPr>
-            <a:r>
-              <a:rPr lang="en-US" dirty="0"/>
-              <a:t>   &lt;head&gt;</a:t>
-            </a:r>
-          </a:p>
-          <a:p>
-            <a:pPr marL="0" indent="0">
-              <a:buNone/>
-            </a:pPr>
-            <a:r>
-              <a:rPr lang="en-US" dirty="0"/>
-              <a:t>      &lt;title&gt;</a:t>
-            </a:r>
-          </a:p>
-          <a:p>
-            <a:pPr marL="0" indent="0">
-              <a:buNone/>
-            </a:pPr>
-            <a:r>
-              <a:rPr lang="en-US" dirty="0"/>
-              <a:t>         {% block title %}  Page Title   {% </a:t>
+            <a:pPr marL="0" indent="0">
+              <a:buNone/>
+            </a:pPr>
+            <a:r>
+              <a:rPr lang="en-US" dirty="0"/>
+              <a:t>$ ./manage.py </a:t>
             </a:r>
             <a:r>
               <a:rPr lang="en-US" dirty="0" err="1"/>
-              <a:t>endblock</a:t>
-            </a:r>
-            <a:r>
-              <a:rPr lang="en-US" dirty="0"/>
-              <a:t> %}</a:t>
-            </a:r>
-          </a:p>
-          <a:p>
-            <a:pPr marL="0" indent="0">
-              <a:buNone/>
-            </a:pPr>
-            <a:r>
-              <a:rPr lang="en-US" dirty="0"/>
-              <a:t>      &lt;/title&gt;</a:t>
-            </a:r>
-          </a:p>
-          <a:p>
-            <a:pPr marL="0" indent="0">
-              <a:buNone/>
-            </a:pPr>
-            <a:r>
-              <a:rPr lang="en-US" dirty="0"/>
-              <a:t>   &lt;/head&gt;</a:t>
-            </a:r>
-          </a:p>
-          <a:p>
-            <a:pPr marL="0" indent="0">
-              <a:buNone/>
-            </a:pPr>
-            <a:r>
-              <a:rPr lang="en-US" dirty="0"/>
-              <a:t>   &lt;body&gt;</a:t>
-            </a:r>
-          </a:p>
-          <a:p>
-            <a:pPr marL="0" indent="0">
-              <a:buNone/>
-            </a:pPr>
-            <a:r>
-              <a:rPr lang="en-US" dirty="0"/>
-              <a:t>      {% block content %}</a:t>
-            </a:r>
-          </a:p>
-          <a:p>
-            <a:pPr marL="0" indent="0">
-              <a:buNone/>
-            </a:pPr>
-            <a:r>
-              <a:rPr lang="en-US" dirty="0"/>
-              <a:t>         Body content</a:t>
-            </a:r>
-          </a:p>
-          <a:p>
-            <a:pPr marL="0" indent="0">
-              <a:buNone/>
-            </a:pPr>
-            <a:r>
-              <a:rPr lang="en-US" dirty="0"/>
-              <a:t>      {% </a:t>
+              <a:t>makemigrations</a:t>
+            </a:r>
+            <a:r>
+              <a:rPr lang="en-US" dirty="0"/>
+              <a:t>                     </a:t>
+            </a:r>
+            <a:r>
+              <a:rPr lang="en-US" sz="2400" dirty="0"/>
+              <a:t>[Prepare DB SQL Commands]      </a:t>
+            </a:r>
+            <a:endParaRPr lang="en-US" dirty="0"/>
+          </a:p>
+          <a:p>
+            <a:pPr marL="0" indent="0">
+              <a:buNone/>
+            </a:pPr>
+            <a:r>
+              <a:rPr lang="en-US" dirty="0"/>
+              <a:t>$ ./manage.py migrate                                    </a:t>
+            </a:r>
+            <a:r>
+              <a:rPr lang="en-US" sz="2400" dirty="0"/>
+              <a:t> [Push SQL Commands to DB]</a:t>
+            </a:r>
+            <a:r>
+              <a:rPr lang="en-US" dirty="0"/>
+              <a:t> </a:t>
+            </a:r>
+          </a:p>
+          <a:p>
+            <a:pPr marL="0" indent="0">
+              <a:buNone/>
+            </a:pPr>
+            <a:r>
+              <a:rPr lang="en-US" dirty="0"/>
+              <a:t>$ ./manage.py </a:t>
             </a:r>
             <a:r>
               <a:rPr lang="en-US" dirty="0" err="1"/>
-              <a:t>endblock</a:t>
-            </a:r>
-            <a:r>
-              <a:rPr lang="en-US" dirty="0"/>
-              <a:t> %}</a:t>
-            </a:r>
-          </a:p>
-          <a:p>
-            <a:pPr marL="0" indent="0">
-              <a:buNone/>
-            </a:pPr>
-            <a:r>
-              <a:rPr lang="en-US" dirty="0"/>
-              <a:t>   &lt;/body&gt;</a:t>
-            </a:r>
-          </a:p>
-          <a:p>
-            <a:pPr marL="0" indent="0">
-              <a:buNone/>
-            </a:pPr>
-            <a:r>
-              <a:rPr lang="en-US" dirty="0"/>
-              <a:t>&lt;/html&gt;</a:t>
-            </a:r>
-          </a:p>
-        </p:txBody>
-      </p:sp>
-      <p:sp>
-        <p:nvSpPr>
-          <p:cNvPr id="5" name="Text Placeholder 4">
-            <a:extLst>
-              <a:ext uri="{FF2B5EF4-FFF2-40B4-BE49-F238E27FC236}">
-                <a16:creationId xmlns:a16="http://schemas.microsoft.com/office/drawing/2014/main" id="{1E59FED6-EDA3-450F-8CEF-55ADDDB37534}"/>
-              </a:ext>
-            </a:extLst>
-          </p:cNvPr>
-          <p:cNvSpPr>
-            <a:spLocks noGrp="1"/>
-          </p:cNvSpPr>
-          <p:nvPr>
-            <p:ph type="body" sz="quarter" idx="3"/>
-          </p:nvPr>
-        </p:nvSpPr>
-        <p:spPr>
-          <a:xfrm>
-            <a:off x="6172200" y="1681163"/>
-            <a:ext cx="5183188" cy="445349"/>
-          </a:xfrm>
-          <a:solidFill>
-            <a:schemeClr val="accent3">
-              <a:lumMod val="40000"/>
-              <a:lumOff val="60000"/>
-            </a:schemeClr>
-          </a:solidFill>
-        </p:spPr>
-        <p:txBody>
-          <a:bodyPr/>
-          <a:lstStyle/>
-          <a:p>
-            <a:r>
-              <a:rPr lang="en-US" dirty="0"/>
-              <a:t>Body.html</a:t>
-            </a:r>
-          </a:p>
-        </p:txBody>
-      </p:sp>
-      <p:sp>
-        <p:nvSpPr>
-          <p:cNvPr id="6" name="Content Placeholder 5">
-            <a:extLst>
-              <a:ext uri="{FF2B5EF4-FFF2-40B4-BE49-F238E27FC236}">
-                <a16:creationId xmlns:a16="http://schemas.microsoft.com/office/drawing/2014/main" id="{14581D67-36A8-4448-8E10-9D439C406334}"/>
-              </a:ext>
-            </a:extLst>
-          </p:cNvPr>
-          <p:cNvSpPr>
-            <a:spLocks noGrp="1"/>
-          </p:cNvSpPr>
-          <p:nvPr>
-            <p:ph sz="quarter" idx="4"/>
-          </p:nvPr>
-        </p:nvSpPr>
-        <p:spPr>
-          <a:xfrm>
-            <a:off x="6172200" y="2126512"/>
-            <a:ext cx="5183188" cy="4635795"/>
-          </a:xfrm>
-          <a:solidFill>
-            <a:schemeClr val="accent6">
-              <a:lumMod val="20000"/>
-              <a:lumOff val="80000"/>
-            </a:schemeClr>
-          </a:solidFill>
-        </p:spPr>
-        <p:txBody>
-          <a:bodyPr>
-            <a:normAutofit fontScale="77500" lnSpcReduction="20000"/>
-          </a:bodyPr>
-          <a:lstStyle/>
-          <a:p>
-            <a:pPr marL="0" indent="0">
-              <a:buNone/>
-            </a:pPr>
-            <a:r>
-              <a:rPr lang="en-US" dirty="0"/>
-              <a:t>{% extends “Index.html" %}</a:t>
-            </a:r>
-            <a:br>
-              <a:rPr lang="en-US" dirty="0"/>
-            </a:br>
+              <a:t>createsuperuser</a:t>
+            </a:r>
+            <a:r>
+              <a:rPr lang="en-US" dirty="0"/>
+              <a:t>                            </a:t>
+            </a:r>
+            <a:r>
+              <a:rPr lang="en-US" sz="2400" dirty="0"/>
+              <a:t>[Create DJANGO Admin]</a:t>
+            </a:r>
             <a:endParaRPr lang="en-US" dirty="0"/>
           </a:p>
           <a:p>
@@ -12044,82 +13069,28 @@
             </a:pPr>
             <a:r>
               <a:rPr lang="en-US" dirty="0"/>
-              <a:t>{% block title %}</a:t>
-            </a:r>
-          </a:p>
-          <a:p>
-            <a:pPr marL="0" indent="0">
-              <a:buNone/>
-            </a:pPr>
-            <a:r>
-              <a:rPr lang="en-US" dirty="0"/>
-              <a:t>    My Hello Page</a:t>
-            </a:r>
-          </a:p>
-          <a:p>
-            <a:pPr marL="0" indent="0">
-              <a:buNone/>
-            </a:pPr>
-            <a:r>
-              <a:rPr lang="en-US" dirty="0"/>
-              <a:t>{% </a:t>
+              <a:t>$ ./manage.py </a:t>
             </a:r>
             <a:r>
               <a:rPr lang="en-US" dirty="0" err="1"/>
-              <a:t>endblock</a:t>
-            </a:r>
-            <a:r>
-              <a:rPr lang="en-US" dirty="0"/>
-              <a:t> %}</a:t>
-            </a:r>
-          </a:p>
-          <a:p>
-            <a:pPr marL="0" indent="0">
-              <a:buNone/>
-            </a:pPr>
+              <a:t>runserver</a:t>
+            </a:r>
+            <a:r>
+              <a:rPr lang="en-US" dirty="0"/>
+              <a:t>                                                         </a:t>
+            </a:r>
+            <a:r>
+              <a:rPr lang="en-US" sz="2400" dirty="0"/>
+              <a:t>[Run Project]</a:t>
+            </a:r>
             <a:endParaRPr lang="en-US" dirty="0"/>
-          </a:p>
-          <a:p>
-            <a:pPr marL="0" indent="0">
-              <a:buNone/>
-            </a:pPr>
-            <a:r>
-              <a:rPr lang="en-US" dirty="0"/>
-              <a:t>{% block content %}</a:t>
-            </a:r>
-          </a:p>
-          <a:p>
-            <a:pPr marL="0" indent="0">
-              <a:buNone/>
-            </a:pPr>
-            <a:r>
-              <a:rPr lang="en-US" dirty="0"/>
-              <a:t>    Hello World!!!</a:t>
-            </a:r>
-          </a:p>
-          <a:p>
-            <a:pPr marL="0" indent="0">
-              <a:buNone/>
-            </a:pPr>
-            <a:r>
-              <a:rPr lang="en-US" dirty="0"/>
-              <a:t>{% </a:t>
-            </a:r>
-            <a:r>
-              <a:rPr lang="en-US" dirty="0" err="1"/>
-              <a:t>endblock</a:t>
-            </a:r>
-            <a:r>
-              <a:rPr lang="en-US" dirty="0"/>
-              <a:t> %}</a:t>
-            </a:r>
           </a:p>
         </p:txBody>
       </p:sp>
     </p:spTree>
     <p:extLst>
       <p:ext uri="{BB962C8B-B14F-4D97-AF65-F5344CB8AC3E}">
-        <p14:creationId xmlns:p14="http://schemas.microsoft.com/office/powerpoint/2010/main" val="2799881191"/>
+        <p14:creationId xmlns:p14="http://schemas.microsoft.com/office/powerpoint/2010/main" val="3231018541"/>
       </p:ext>
     </p:extLst>
   </p:cSld>
@@ -12151,7 +13122,7 @@
           <p:cNvPr id="2" name="Title 1">
             <a:extLst>
               <a:ext uri="{FF2B5EF4-FFF2-40B4-BE49-F238E27FC236}">
-                <a16:creationId xmlns:a16="http://schemas.microsoft.com/office/drawing/2014/main" id="{1411B452-C639-40C5-B2A1-0B53F52847B7}"/>
+                <a16:creationId xmlns:a16="http://schemas.microsoft.com/office/drawing/2014/main" id="{8A966D2D-7FBF-4D2C-BAC0-9E2C49DEF869}"/>
               </a:ext>
             </a:extLst>
           </p:cNvPr>
@@ -12162,16 +13133,23 @@
             <p:ph type="title"/>
           </p:nvPr>
         </p:nvSpPr>
-        <p:spPr/>
-        <p:txBody>
-          <a:bodyPr/>
-          <a:lstStyle/>
-          <a:p>
-            <a:r>
-              <a:rPr lang="en-US" dirty="0">
+        <p:spPr>
+          <a:xfrm>
+            <a:off x="221511" y="969461"/>
+            <a:ext cx="10515600" cy="832606"/>
+          </a:xfrm>
+        </p:spPr>
+        <p:txBody>
+          <a:bodyPr>
+            <a:noAutofit/>
+          </a:bodyPr>
+          <a:lstStyle/>
+          <a:p>
+            <a:r>
+              <a:rPr lang="en-US" sz="2800" dirty="0">
                 <a:latin typeface="Arial Black" panose="020B0A04020102020204" pitchFamily="34" charset="0"/>
               </a:rPr>
-              <a:t>IF/For statement in Template </a:t>
+              <a:t>Prepare new App module for development</a:t>
             </a:r>
           </a:p>
         </p:txBody>
@@ -12181,7 +13159,7 @@
           <p:cNvPr id="3" name="Content Placeholder 2">
             <a:extLst>
               <a:ext uri="{FF2B5EF4-FFF2-40B4-BE49-F238E27FC236}">
-                <a16:creationId xmlns:a16="http://schemas.microsoft.com/office/drawing/2014/main" id="{ED5480AA-1746-472A-8ECA-5A2688A581BC}"/>
+                <a16:creationId xmlns:a16="http://schemas.microsoft.com/office/drawing/2014/main" id="{3E9E2330-9FE9-4CE6-9E67-A623E990374C}"/>
               </a:ext>
             </a:extLst>
           </p:cNvPr>
@@ -12189,16 +13167,14 @@
             <a:spLocks noGrp="1"/>
           </p:cNvSpPr>
           <p:nvPr>
-            <p:ph sz="half" idx="1"/>
+            <p:ph idx="1"/>
           </p:nvPr>
         </p:nvSpPr>
         <p:spPr>
-          <a:solidFill>
-            <a:schemeClr val="accent1">
-              <a:lumMod val="20000"/>
-              <a:lumOff val="80000"/>
-            </a:schemeClr>
-          </a:solidFill>
+          <a:xfrm>
+            <a:off x="221511" y="2038375"/>
+            <a:ext cx="11748977" cy="4553258"/>
+          </a:xfrm>
         </p:spPr>
         <p:txBody>
           <a:bodyPr>
@@ -12210,160 +13186,156 @@
               <a:buNone/>
             </a:pPr>
             <a:r>
-              <a:rPr lang="en-US" dirty="0"/>
-              <a:t>{% if </a:t>
-            </a:r>
-            <a:r>
-              <a:rPr lang="en-US" dirty="0" err="1"/>
-              <a:t>today.day</a:t>
-            </a:r>
-            <a:r>
-              <a:rPr lang="en-US" dirty="0"/>
-              <a:t> == 1 %}</a:t>
-            </a:r>
-          </a:p>
-          <a:p>
-            <a:pPr marL="0" indent="0">
-              <a:buNone/>
-            </a:pPr>
-            <a:r>
-              <a:rPr lang="en-US" dirty="0"/>
-              <a:t>       the first day of month.</a:t>
-            </a:r>
-          </a:p>
-          <a:p>
-            <a:pPr marL="0" indent="0">
-              <a:buNone/>
-            </a:pPr>
-            <a:r>
-              <a:rPr lang="en-US" dirty="0"/>
-              <a:t>{% </a:t>
-            </a:r>
-            <a:r>
-              <a:rPr lang="en-US" dirty="0" err="1"/>
-              <a:t>elif</a:t>
-            </a:r>
-            <a:r>
-              <a:rPr lang="en-US" dirty="0"/>
-              <a:t> </a:t>
-            </a:r>
-            <a:r>
-              <a:rPr lang="en-US" dirty="0" err="1"/>
-              <a:t>today.day</a:t>
-            </a:r>
-            <a:r>
-              <a:rPr lang="en-US" dirty="0"/>
-              <a:t> == 30 %}</a:t>
-            </a:r>
-          </a:p>
-          <a:p>
-            <a:pPr marL="0" indent="0">
-              <a:buNone/>
-            </a:pPr>
-            <a:r>
-              <a:rPr lang="en-US" dirty="0"/>
-              <a:t>       the last day of month.</a:t>
-            </a:r>
-          </a:p>
-          <a:p>
-            <a:pPr marL="0" indent="0">
-              <a:buNone/>
-            </a:pPr>
-            <a:r>
-              <a:rPr lang="en-US" dirty="0"/>
-              <a:t>{% else %}</a:t>
-            </a:r>
-          </a:p>
-          <a:p>
-            <a:pPr marL="0" indent="0">
-              <a:buNone/>
-            </a:pPr>
-            <a:r>
-              <a:rPr lang="en-US" dirty="0"/>
-              <a:t>       I don't know.</a:t>
-            </a:r>
-          </a:p>
-          <a:p>
-            <a:pPr marL="0" indent="0">
-              <a:buNone/>
-            </a:pPr>
-            <a:r>
-              <a:rPr lang="en-US" dirty="0"/>
-              <a:t>{%endif%}</a:t>
-            </a:r>
-          </a:p>
-        </p:txBody>
-      </p:sp>
-      <p:sp>
-        <p:nvSpPr>
-          <p:cNvPr id="4" name="Content Placeholder 3">
+              <a:rPr lang="en-US" sz="2400" dirty="0"/>
+              <a:t>To start work with new module, you should create ( inside module folder)</a:t>
+            </a:r>
+          </a:p>
+          <a:p>
+            <a:pPr marL="0" indent="0">
+              <a:buNone/>
+            </a:pPr>
+            <a:r>
+              <a:rPr lang="en-US" sz="2400" dirty="0"/>
+              <a:t>1) </a:t>
+            </a:r>
+            <a:r>
+              <a:rPr lang="en-US" sz="2400" b="1" dirty="0"/>
+              <a:t>templates</a:t>
+            </a:r>
+            <a:r>
+              <a:rPr lang="en-US" sz="2400" dirty="0"/>
+              <a:t> directory : this folder will contains all HTML files</a:t>
+            </a:r>
+          </a:p>
+          <a:p>
+            <a:pPr marL="0" indent="0">
+              <a:buNone/>
+            </a:pPr>
+            <a:r>
+              <a:rPr lang="en-US" sz="2400" dirty="0"/>
+              <a:t>2) </a:t>
+            </a:r>
+            <a:r>
+              <a:rPr lang="en-US" sz="2400" b="1" dirty="0"/>
+              <a:t>templates\main :</a:t>
+            </a:r>
+            <a:r>
+              <a:rPr lang="en-US" sz="2400" dirty="0"/>
+              <a:t> create 'main' directory inside templates folder </a:t>
+            </a:r>
+            <a:br>
+              <a:rPr lang="en-US" sz="2400" dirty="0"/>
+            </a:br>
+            <a:r>
+              <a:rPr lang="en-US" sz="2400" dirty="0"/>
+              <a:t>                                     (main is the </a:t>
+            </a:r>
+            <a:r>
+              <a:rPr lang="en-US" sz="2400" dirty="0" err="1"/>
+              <a:t>NewApp</a:t>
+            </a:r>
+            <a:r>
+              <a:rPr lang="en-US" sz="2400" dirty="0"/>
+              <a:t> we just created)</a:t>
+            </a:r>
+          </a:p>
+          <a:p>
+            <a:pPr marL="0" indent="0">
+              <a:buNone/>
+            </a:pPr>
+            <a:r>
+              <a:rPr lang="en-US" sz="2400" dirty="0"/>
+              <a:t>3) </a:t>
+            </a:r>
+            <a:r>
+              <a:rPr lang="en-US" sz="2400" b="1" dirty="0"/>
+              <a:t>static</a:t>
+            </a:r>
+            <a:r>
+              <a:rPr lang="en-US" sz="2400" dirty="0"/>
+              <a:t> directory: this folder will contains JS and Images and any other static contents </a:t>
+            </a:r>
+          </a:p>
+          <a:p>
+            <a:pPr marL="0" indent="0">
+              <a:buNone/>
+            </a:pPr>
+            <a:r>
+              <a:rPr lang="en-US" sz="2400" dirty="0"/>
+              <a:t>4)</a:t>
+            </a:r>
+            <a:r>
+              <a:rPr lang="en-US" sz="2400" b="1" dirty="0"/>
+              <a:t> </a:t>
+            </a:r>
+            <a:r>
+              <a:rPr lang="en-US" sz="2400" dirty="0"/>
+              <a:t>create HTML start page  "\main\templates\home.html"</a:t>
+            </a:r>
+          </a:p>
+          <a:p>
+            <a:pPr marL="0" indent="0">
+              <a:buNone/>
+            </a:pPr>
+            <a:r>
+              <a:rPr lang="en-US" sz="2400" dirty="0"/>
+              <a:t>5) add</a:t>
+            </a:r>
+            <a:r>
+              <a:rPr lang="en-US" sz="2400" b="1" dirty="0"/>
+              <a:t> {% load static %} </a:t>
+            </a:r>
+            <a:r>
+              <a:rPr lang="en-US" sz="2400" dirty="0"/>
+              <a:t>on the beginning of HTML page and call static resources located in static directory like this </a:t>
+            </a:r>
+            <a:r>
+              <a:rPr lang="en-US" sz="2400" b="1" dirty="0"/>
+              <a:t>{% static 'images/logo.png' %}</a:t>
+            </a:r>
+          </a:p>
+          <a:p>
+            <a:pPr marL="0" indent="0">
+              <a:buNone/>
+            </a:pPr>
+            <a:endParaRPr lang="en-US" sz="2400" dirty="0"/>
+          </a:p>
+        </p:txBody>
+      </p:sp>
+      <p:pic>
+        <p:nvPicPr>
+          <p:cNvPr id="4" name="Picture 3">
             <a:extLst>
               <a:ext uri="{FF2B5EF4-FFF2-40B4-BE49-F238E27FC236}">
-                <a16:creationId xmlns:a16="http://schemas.microsoft.com/office/drawing/2014/main" id="{03CC2D10-3D6E-4BD9-83DB-03DE886726D9}"/>
+                <a16:creationId xmlns:a16="http://schemas.microsoft.com/office/drawing/2014/main" id="{DC8BE664-05B1-4BC1-9526-6A64842826B4}"/>
               </a:ext>
             </a:extLst>
           </p:cNvPr>
-          <p:cNvSpPr>
-            <a:spLocks noGrp="1"/>
-          </p:cNvSpPr>
-          <p:nvPr>
-            <p:ph sz="half" idx="2"/>
-          </p:nvPr>
-        </p:nvSpPr>
+          <p:cNvPicPr>
+            <a:picLocks noChangeAspect="1"/>
+          </p:cNvPicPr>
+          <p:nvPr/>
+        </p:nvPicPr>
+        <p:blipFill>
+          <a:blip r:embed="rId2"/>
+          <a:stretch>
+            <a:fillRect/>
+          </a:stretch>
+        </p:blipFill>
         <p:spPr>
-          <a:solidFill>
-            <a:schemeClr val="accent6">
-              <a:lumMod val="20000"/>
-              <a:lumOff val="80000"/>
-            </a:schemeClr>
-          </a:solidFill>
+          <a:xfrm>
+            <a:off x="9427310" y="1565759"/>
+            <a:ext cx="2764690" cy="2172256"/>
+          </a:xfrm>
+          <a:prstGeom prst="rect">
+            <a:avLst/>
+          </a:prstGeom>
         </p:spPr>
-        <p:txBody>
-          <a:bodyPr>
-            <a:normAutofit/>
-          </a:bodyPr>
-          <a:lstStyle/>
-          <a:p>
-            <a:pPr marL="0" indent="0">
-              <a:buNone/>
-            </a:pPr>
-            <a:r>
-              <a:rPr lang="en-US" dirty="0"/>
-              <a:t>{% for number in range(10) %}</a:t>
-            </a:r>
-          </a:p>
-          <a:p>
-            <a:pPr marL="0" indent="0">
-              <a:buNone/>
-            </a:pPr>
-            <a:r>
-              <a:rPr lang="en-US" dirty="0"/>
-              <a:t>         {{number}}</a:t>
-            </a:r>
-          </a:p>
-          <a:p>
-            <a:pPr marL="0" indent="0">
-              <a:buNone/>
-            </a:pPr>
-            <a:r>
-              <a:rPr lang="en-US" dirty="0"/>
-              <a:t>{% </a:t>
-            </a:r>
-            <a:r>
-              <a:rPr lang="en-US" dirty="0" err="1"/>
-              <a:t>endfor</a:t>
-            </a:r>
-            <a:r>
-              <a:rPr lang="en-US" dirty="0"/>
-              <a:t> %}</a:t>
-            </a:r>
-          </a:p>
-        </p:txBody>
-      </p:sp>
+      </p:pic>
     </p:spTree>
     <p:extLst>
       <p:ext uri="{BB962C8B-B14F-4D97-AF65-F5344CB8AC3E}">
-        <p14:creationId xmlns:p14="http://schemas.microsoft.com/office/powerpoint/2010/main" val="4293902354"/>
+        <p14:creationId xmlns:p14="http://schemas.microsoft.com/office/powerpoint/2010/main" val="1543535707"/>
       </p:ext>
     </p:extLst>
   </p:cSld>
@@ -12395,7 +13367,7 @@
           <p:cNvPr id="2" name="Title 1">
             <a:extLst>
               <a:ext uri="{FF2B5EF4-FFF2-40B4-BE49-F238E27FC236}">
-                <a16:creationId xmlns:a16="http://schemas.microsoft.com/office/drawing/2014/main" id="{C951975F-79A1-47B2-94D2-235E05501271}"/>
+                <a16:creationId xmlns:a16="http://schemas.microsoft.com/office/drawing/2014/main" id="{61009450-2885-4F6F-BC04-3AC8E7E95BE0}"/>
               </a:ext>
             </a:extLst>
           </p:cNvPr>
@@ -12403,31 +13375,29 @@
             <a:spLocks noGrp="1"/>
           </p:cNvSpPr>
           <p:nvPr>
-            <p:ph type="title"/>
+            <p:ph type="ctrTitle"/>
           </p:nvPr>
         </p:nvSpPr>
         <p:spPr/>
         <p:txBody>
-          <a:bodyPr>
-            <a:noAutofit/>
-          </a:bodyPr>
-          <a:lstStyle/>
-          <a:p>
-            <a:r>
-              <a:rPr lang="en-US" sz="2400" dirty="0">
+          <a:bodyPr/>
+          <a:lstStyle/>
+          <a:p>
+            <a:r>
+              <a:rPr lang="en-US" b="1" dirty="0">
                 <a:latin typeface="Arial Black" panose="020B0A04020102020204" pitchFamily="34" charset="0"/>
               </a:rPr>
-              <a:t>How to Handle Static Files?</a:t>
-            </a:r>
-          </a:p>
-        </p:txBody>
-      </p:sp>
-      <p:sp>
-        <p:nvSpPr>
-          <p:cNvPr id="3" name="Content Placeholder 2">
+              <a:t>Django Templates</a:t>
+            </a:r>
+          </a:p>
+        </p:txBody>
+      </p:sp>
+      <p:sp>
+        <p:nvSpPr>
+          <p:cNvPr id="3" name="Subtitle 2">
             <a:extLst>
               <a:ext uri="{FF2B5EF4-FFF2-40B4-BE49-F238E27FC236}">
-                <a16:creationId xmlns:a16="http://schemas.microsoft.com/office/drawing/2014/main" id="{EA6B61B9-761D-4738-9508-68738355D2F9}"/>
+                <a16:creationId xmlns:a16="http://schemas.microsoft.com/office/drawing/2014/main" id="{138B3528-696F-4C19-AF18-3A5A8AEB8BA7}"/>
               </a:ext>
             </a:extLst>
           </p:cNvPr>
@@ -12435,139 +13405,22 @@
             <a:spLocks noGrp="1"/>
           </p:cNvSpPr>
           <p:nvPr>
-            <p:ph idx="1"/>
+            <p:ph type="subTitle" idx="1"/>
           </p:nvPr>
         </p:nvSpPr>
         <p:spPr/>
         <p:txBody>
-          <a:bodyPr>
-            <a:normAutofit fontScale="85000" lnSpcReduction="20000"/>
-          </a:bodyPr>
-          <a:lstStyle/>
-          <a:p>
-            <a:pPr marL="0" indent="0">
-              <a:buNone/>
-            </a:pPr>
-            <a:endParaRPr lang="en-US" dirty="0"/>
-          </a:p>
-          <a:p>
-            <a:pPr marL="0" indent="0">
-              <a:buNone/>
-            </a:pPr>
-            <a:r>
-              <a:rPr lang="en-US" sz="2400" dirty="0">
-                <a:latin typeface="Arial Black" panose="020B0A04020102020204" pitchFamily="34" charset="0"/>
-              </a:rPr>
-              <a:t>STATIC_ROOT/STATIC_URL </a:t>
-            </a:r>
-            <a:r>
-              <a:rPr lang="en-US" dirty="0"/>
-              <a:t>handle system static files</a:t>
-            </a:r>
-          </a:p>
-          <a:p>
-            <a:pPr marL="0" indent="0">
-              <a:buNone/>
-            </a:pPr>
-            <a:endParaRPr lang="en-US" dirty="0"/>
-          </a:p>
-          <a:p>
-            <a:pPr marL="0" indent="0">
-              <a:buNone/>
-            </a:pPr>
-            <a:r>
-              <a:rPr lang="en-US" dirty="0"/>
-              <a:t>during development all static folders inside any App we create, will be accessible using static URL, but in run time we will write command ./manage.py </a:t>
-            </a:r>
-            <a:r>
-              <a:rPr lang="en-US" dirty="0" err="1"/>
-              <a:t>collectstatic</a:t>
-            </a:r>
-            <a:r>
-              <a:rPr lang="en-US" dirty="0"/>
-              <a:t> to copy all static files from all app folders and put them to </a:t>
-            </a:r>
-            <a:r>
-              <a:rPr lang="en-US" b="1" dirty="0"/>
-              <a:t>STATIC_ROOT </a:t>
-            </a:r>
-            <a:r>
-              <a:rPr lang="en-US" dirty="0"/>
-              <a:t>folder</a:t>
-            </a:r>
-          </a:p>
-          <a:p>
-            <a:pPr marL="0" indent="0">
-              <a:buNone/>
-            </a:pPr>
-            <a:endParaRPr lang="en-US" dirty="0"/>
-          </a:p>
-          <a:p>
-            <a:pPr marL="0" indent="0">
-              <a:buNone/>
-            </a:pPr>
-            <a:r>
-              <a:rPr lang="en-US" dirty="0"/>
-              <a:t>_ROOT: means where these files are located on HD</a:t>
-            </a:r>
-          </a:p>
-          <a:p>
-            <a:pPr marL="0" indent="0">
-              <a:buNone/>
-            </a:pPr>
-            <a:r>
-              <a:rPr lang="en-US" dirty="0"/>
-              <a:t>_URL: means how you can call these files in the URL</a:t>
-            </a:r>
-          </a:p>
-          <a:p>
-            <a:pPr marL="0" indent="0">
-              <a:buNone/>
-            </a:pPr>
-            <a:endParaRPr lang="en-US" dirty="0"/>
-          </a:p>
-          <a:p>
-            <a:pPr marL="0" indent="0">
-              <a:buNone/>
-            </a:pPr>
-            <a:r>
-              <a:rPr lang="en-US" b="1" dirty="0"/>
-              <a:t>Add the next 2 line to settings.py</a:t>
-            </a:r>
-            <a:endParaRPr lang="en-US" dirty="0"/>
-          </a:p>
-          <a:p>
-            <a:pPr marL="457200" lvl="1" indent="0">
-              <a:buNone/>
-            </a:pPr>
-            <a:r>
-              <a:rPr lang="en-US" dirty="0"/>
-              <a:t>STATIC_URL = '/static/'</a:t>
-            </a:r>
-          </a:p>
-          <a:p>
-            <a:pPr marL="457200" lvl="1" indent="0">
-              <a:buNone/>
-            </a:pPr>
-            <a:r>
-              <a:rPr lang="en-US" dirty="0"/>
-              <a:t>STATIC_ROOT = </a:t>
-            </a:r>
-            <a:r>
-              <a:rPr lang="en-US" dirty="0" err="1"/>
-              <a:t>os.path.join</a:t>
-            </a:r>
-            <a:r>
-              <a:rPr lang="en-US" dirty="0"/>
-              <a:t>(BASE_DIR, 'static/')</a:t>
-            </a:r>
+          <a:bodyPr/>
+          <a:lstStyle/>
+          <a:p>
+            <a:endParaRPr lang="en-US"/>
           </a:p>
         </p:txBody>
       </p:sp>
     </p:spTree>
     <p:extLst>
       <p:ext uri="{BB962C8B-B14F-4D97-AF65-F5344CB8AC3E}">
-        <p14:creationId xmlns:p14="http://schemas.microsoft.com/office/powerpoint/2010/main" val="3820541397"/>
+        <p14:creationId xmlns:p14="http://schemas.microsoft.com/office/powerpoint/2010/main" val="3014533268"/>
       </p:ext>
     </p:extLst>
   </p:cSld>

--- a/django.pptx
+++ b/django.pptx
@@ -13135,7 +13135,7 @@
         </p:nvSpPr>
         <p:spPr>
           <a:xfrm>
-            <a:off x="221511" y="969461"/>
+            <a:off x="221511" y="607947"/>
             <a:ext cx="10515600" cy="832606"/>
           </a:xfrm>
         </p:spPr>
@@ -13172,133 +13172,278 @@
         </p:nvSpPr>
         <p:spPr>
           <a:xfrm>
-            <a:off x="221511" y="2038375"/>
-            <a:ext cx="11748977" cy="4553258"/>
+            <a:off x="221511" y="1339702"/>
+            <a:ext cx="11748977" cy="5518297"/>
           </a:xfrm>
         </p:spPr>
         <p:txBody>
           <a:bodyPr>
-            <a:normAutofit/>
+            <a:normAutofit fontScale="92500" lnSpcReduction="10000"/>
           </a:bodyPr>
           <a:lstStyle/>
           <a:p>
             <a:pPr marL="0" indent="0">
-              <a:buNone/>
-            </a:pPr>
-            <a:r>
-              <a:rPr lang="en-US" sz="2400" dirty="0"/>
+              <a:lnSpc>
+                <a:spcPct val="120000"/>
+              </a:lnSpc>
+              <a:buNone/>
+            </a:pPr>
+            <a:r>
+              <a:rPr lang="en-US" sz="1600" dirty="0"/>
               <a:t>To start work with new module, you should create ( inside module folder)</a:t>
             </a:r>
           </a:p>
           <a:p>
             <a:pPr marL="0" indent="0">
-              <a:buNone/>
-            </a:pPr>
-            <a:r>
-              <a:rPr lang="en-US" sz="2400" dirty="0"/>
+              <a:lnSpc>
+                <a:spcPct val="120000"/>
+              </a:lnSpc>
+              <a:buNone/>
+            </a:pPr>
+            <a:r>
+              <a:rPr lang="en-US" sz="1600" dirty="0"/>
               <a:t>1) </a:t>
             </a:r>
             <a:r>
-              <a:rPr lang="en-US" sz="2400" b="1" dirty="0"/>
+              <a:rPr lang="en-US" sz="1600" b="1" dirty="0"/>
               <a:t>templates</a:t>
             </a:r>
             <a:r>
-              <a:rPr lang="en-US" sz="2400" dirty="0"/>
+              <a:rPr lang="en-US" sz="1600" dirty="0"/>
               <a:t> directory : this folder will contains all HTML files</a:t>
             </a:r>
           </a:p>
           <a:p>
             <a:pPr marL="0" indent="0">
-              <a:buNone/>
-            </a:pPr>
-            <a:r>
-              <a:rPr lang="en-US" sz="2400" dirty="0"/>
+              <a:lnSpc>
+                <a:spcPct val="120000"/>
+              </a:lnSpc>
+              <a:buNone/>
+            </a:pPr>
+            <a:r>
+              <a:rPr lang="en-US" sz="1600" dirty="0"/>
               <a:t>2) </a:t>
             </a:r>
             <a:r>
-              <a:rPr lang="en-US" sz="2400" b="1" dirty="0"/>
+              <a:rPr lang="en-US" sz="1600" b="1" dirty="0"/>
               <a:t>templates\main :</a:t>
             </a:r>
             <a:r>
-              <a:rPr lang="en-US" sz="2400" dirty="0"/>
-              <a:t> create 'main' directory inside templates folder </a:t>
-            </a:r>
-            <a:br>
-              <a:rPr lang="en-US" sz="2400" dirty="0"/>
-            </a:br>
-            <a:r>
-              <a:rPr lang="en-US" sz="2400" dirty="0"/>
-              <a:t>                                     (main is the </a:t>
-            </a:r>
-            <a:r>
-              <a:rPr lang="en-US" sz="2400" dirty="0" err="1"/>
+              <a:rPr lang="en-US" sz="1600" dirty="0"/>
+              <a:t> create 'main' directory inside templates folder  (main is the </a:t>
+            </a:r>
+            <a:r>
+              <a:rPr lang="en-US" sz="1600" dirty="0" err="1"/>
               <a:t>NewApp</a:t>
             </a:r>
             <a:r>
-              <a:rPr lang="en-US" sz="2400" dirty="0"/>
+              <a:rPr lang="en-US" sz="1600" dirty="0"/>
               <a:t> we just created)</a:t>
             </a:r>
           </a:p>
           <a:p>
             <a:pPr marL="0" indent="0">
-              <a:buNone/>
-            </a:pPr>
-            <a:r>
-              <a:rPr lang="en-US" sz="2400" dirty="0"/>
+              <a:lnSpc>
+                <a:spcPct val="120000"/>
+              </a:lnSpc>
+              <a:buNone/>
+            </a:pPr>
+            <a:r>
+              <a:rPr lang="en-US" sz="1600" dirty="0"/>
               <a:t>3) </a:t>
             </a:r>
             <a:r>
-              <a:rPr lang="en-US" sz="2400" b="1" dirty="0"/>
+              <a:rPr lang="en-US" sz="1600" b="1" dirty="0"/>
               <a:t>static</a:t>
             </a:r>
             <a:r>
-              <a:rPr lang="en-US" sz="2400" dirty="0"/>
+              <a:rPr lang="en-US" sz="1600" dirty="0"/>
               <a:t> directory: this folder will contains JS and Images and any other static contents </a:t>
             </a:r>
           </a:p>
           <a:p>
             <a:pPr marL="0" indent="0">
-              <a:buNone/>
-            </a:pPr>
-            <a:r>
-              <a:rPr lang="en-US" sz="2400" dirty="0"/>
+              <a:lnSpc>
+                <a:spcPct val="120000"/>
+              </a:lnSpc>
+              <a:buNone/>
+            </a:pPr>
+            <a:r>
+              <a:rPr lang="en-US" sz="1600" dirty="0"/>
               <a:t>4)</a:t>
             </a:r>
             <a:r>
-              <a:rPr lang="en-US" sz="2400" b="1" dirty="0"/>
+              <a:rPr lang="en-US" sz="1600" b="1" dirty="0"/>
               <a:t> </a:t>
             </a:r>
             <a:r>
-              <a:rPr lang="en-US" sz="2400" dirty="0"/>
+              <a:rPr lang="en-US" sz="1600" dirty="0"/>
               <a:t>create HTML start page  "\main\templates\home.html"</a:t>
             </a:r>
           </a:p>
           <a:p>
             <a:pPr marL="0" indent="0">
-              <a:buNone/>
-            </a:pPr>
-            <a:r>
-              <a:rPr lang="en-US" sz="2400" dirty="0"/>
+              <a:lnSpc>
+                <a:spcPct val="120000"/>
+              </a:lnSpc>
+              <a:buNone/>
+            </a:pPr>
+            <a:r>
+              <a:rPr lang="en-US" sz="1600" dirty="0"/>
               <a:t>5) add</a:t>
             </a:r>
             <a:r>
-              <a:rPr lang="en-US" sz="2400" b="1" dirty="0"/>
+              <a:rPr lang="en-US" sz="1600" b="1" dirty="0"/>
               <a:t> {% load static %} </a:t>
             </a:r>
             <a:r>
-              <a:rPr lang="en-US" sz="2400" dirty="0"/>
+              <a:rPr lang="en-US" sz="1600" dirty="0"/>
               <a:t>on the beginning of HTML page and call static resources located in static directory like this </a:t>
             </a:r>
             <a:r>
-              <a:rPr lang="en-US" sz="2400" b="1" dirty="0"/>
-              <a:t>{% static 'images/logo.png' %}</a:t>
-            </a:r>
-          </a:p>
-          <a:p>
-            <a:pPr marL="0" indent="0">
-              <a:buNone/>
-            </a:pPr>
-            <a:endParaRPr lang="en-US" sz="2400" dirty="0"/>
+              <a:rPr lang="en-US" sz="1600" b="1" dirty="0"/>
+              <a:t>{% static 'images/logo.png’ %}</a:t>
+            </a:r>
+          </a:p>
+          <a:p>
+            <a:pPr marL="0" indent="0">
+              <a:lnSpc>
+                <a:spcPct val="120000"/>
+              </a:lnSpc>
+              <a:buNone/>
+            </a:pPr>
+            <a:r>
+              <a:rPr lang="en-US" sz="1600" dirty="0"/>
+              <a:t>6) Update INSTALL_APPS found on settings.py,  Add </a:t>
+            </a:r>
+            <a:r>
+              <a:rPr lang="en-US" sz="1600" dirty="0" err="1"/>
+              <a:t>NewApp</a:t>
+            </a:r>
+            <a:r>
+              <a:rPr lang="en-US" sz="1600" dirty="0"/>
+              <a:t> we just create with  name "</a:t>
+            </a:r>
+            <a:r>
+              <a:rPr lang="en-US" sz="1800" dirty="0"/>
+              <a:t>main" to the list</a:t>
+            </a:r>
+          </a:p>
+          <a:p>
+            <a:pPr marL="0" indent="0">
+              <a:lnSpc>
+                <a:spcPct val="120000"/>
+              </a:lnSpc>
+              <a:buNone/>
+            </a:pPr>
+            <a:r>
+              <a:rPr lang="en-US" sz="1800" dirty="0"/>
+              <a:t>7) update views.py file to define start page</a:t>
+            </a:r>
+          </a:p>
+          <a:p>
+            <a:pPr marL="0" indent="0">
+              <a:lnSpc>
+                <a:spcPct val="120000"/>
+              </a:lnSpc>
+              <a:buNone/>
+            </a:pPr>
+            <a:r>
+              <a:rPr lang="en-US" sz="1800" dirty="0"/>
+              <a:t>8) create  main\urls.py file inside new app directory</a:t>
+            </a:r>
+          </a:p>
+          <a:p>
+            <a:pPr marL="0" indent="0">
+              <a:lnSpc>
+                <a:spcPct val="120000"/>
+              </a:lnSpc>
+              <a:buNone/>
+            </a:pPr>
+            <a:r>
+              <a:rPr lang="en-US" sz="1800" dirty="0"/>
+              <a:t>9) update original urls.py to include new app routes file (urls.py)</a:t>
+            </a:r>
+          </a:p>
+          <a:p>
+            <a:pPr marL="0" indent="0">
+              <a:lnSpc>
+                <a:spcPct val="120000"/>
+              </a:lnSpc>
+              <a:buNone/>
+            </a:pPr>
+            <a:r>
+              <a:rPr lang="en-US" sz="1800" dirty="0"/>
+              <a:t>10) update main\models.py to define Database structure</a:t>
+            </a:r>
+          </a:p>
+          <a:p>
+            <a:pPr marL="0" indent="0">
+              <a:lnSpc>
+                <a:spcPct val="120000"/>
+              </a:lnSpc>
+              <a:buNone/>
+            </a:pPr>
+            <a:r>
+              <a:rPr lang="en-US" sz="1800" dirty="0"/>
+              <a:t>11) run  the next commands to push new DB tables</a:t>
+            </a:r>
+          </a:p>
+          <a:p>
+            <a:pPr marL="0" indent="0">
+              <a:lnSpc>
+                <a:spcPct val="120000"/>
+              </a:lnSpc>
+              <a:buNone/>
+            </a:pPr>
+            <a:r>
+              <a:rPr lang="en-US" sz="1800" dirty="0"/>
+              <a:t>      $    </a:t>
+            </a:r>
+            <a:r>
+              <a:rPr lang="en-US" sz="1800" dirty="0">
+                <a:highlight>
+                  <a:srgbClr val="FFFF00"/>
+                </a:highlight>
+              </a:rPr>
+              <a:t>./manage.py </a:t>
+            </a:r>
+            <a:r>
+              <a:rPr lang="en-US" sz="1800" dirty="0" err="1">
+                <a:highlight>
+                  <a:srgbClr val="FFFF00"/>
+                </a:highlight>
+              </a:rPr>
+              <a:t>makemigrations</a:t>
+            </a:r>
+            <a:r>
+              <a:rPr lang="en-US" sz="1800" dirty="0">
+                <a:highlight>
+                  <a:srgbClr val="FFFF00"/>
+                </a:highlight>
+              </a:rPr>
+              <a:t> main</a:t>
+            </a:r>
+          </a:p>
+          <a:p>
+            <a:pPr marL="0" indent="0">
+              <a:lnSpc>
+                <a:spcPct val="120000"/>
+              </a:lnSpc>
+              <a:buNone/>
+            </a:pPr>
+            <a:r>
+              <a:rPr lang="en-US" sz="1800"/>
+              <a:t>      $   </a:t>
+            </a:r>
+            <a:r>
+              <a:rPr lang="en-US" sz="1800" dirty="0">
+                <a:highlight>
+                  <a:srgbClr val="FFFF00"/>
+                </a:highlight>
+              </a:rPr>
+              <a:t>./manage.py migrate</a:t>
+            </a:r>
           </a:p>
         </p:txBody>
       </p:sp>
@@ -13324,7 +13469,7 @@
         </p:blipFill>
         <p:spPr>
           <a:xfrm>
-            <a:off x="9427310" y="1565759"/>
+            <a:off x="9205798" y="1001116"/>
             <a:ext cx="2764690" cy="2172256"/>
           </a:xfrm>
           <a:prstGeom prst="rect">
